--- a/Doc/FinalPresentation.pptx
+++ b/Doc/FinalPresentation.pptx
@@ -10,9 +10,9 @@
   <p:sldIdLst>
     <p:sldId id="256" r:id="rId2"/>
     <p:sldId id="257" r:id="rId3"/>
-    <p:sldId id="260" r:id="rId4"/>
-    <p:sldId id="259" r:id="rId5"/>
-    <p:sldId id="258" r:id="rId6"/>
+    <p:sldId id="259" r:id="rId4"/>
+    <p:sldId id="258" r:id="rId5"/>
+    <p:sldId id="260" r:id="rId6"/>
     <p:sldId id="261" r:id="rId7"/>
     <p:sldId id="262" r:id="rId8"/>
     <p:sldId id="265" r:id="rId9"/>
@@ -325,7 +325,18 @@
   </p:defaultTextStyle>
   <p:extLst>
     <p:ext uri="{EFAFB233-063F-42B5-8137-9DF3F51BA10A}">
-      <p15:sldGuideLst xmlns:p15="http://schemas.microsoft.com/office/powerpoint/2012/main" xmlns=""/>
+      <p15:sldGuideLst xmlns:p15="http://schemas.microsoft.com/office/powerpoint/2012/main">
+        <p15:guide id="1" orient="horz" pos="2160">
+          <p15:clr>
+            <a:srgbClr val="A4A3A4"/>
+          </p15:clr>
+        </p15:guide>
+        <p15:guide id="2" pos="3840">
+          <p15:clr>
+            <a:srgbClr val="A4A3A4"/>
+          </p15:clr>
+        </p15:guide>
+      </p15:sldGuideLst>
     </p:ext>
   </p:extLst>
 </p:presentation>
@@ -492,6 +503,748 @@
 </p:notesMaster>
 </file>
 
+<file path=ppt/notesSlides/notesSlide1.xml><?xml version="1.0" encoding="utf-8"?>
+<p:notes xmlns:a="http://schemas.openxmlformats.org/drawingml/2006/main" xmlns:r="http://schemas.openxmlformats.org/officeDocument/2006/relationships" xmlns:p="http://schemas.openxmlformats.org/presentationml/2006/main">
+  <p:cSld>
+    <p:spTree>
+      <p:nvGrpSpPr>
+        <p:cNvPr id="1" name=""/>
+        <p:cNvGrpSpPr/>
+        <p:nvPr/>
+      </p:nvGrpSpPr>
+      <p:grpSpPr>
+        <a:xfrm>
+          <a:off x="0" y="0"/>
+          <a:ext cx="0" cy="0"/>
+          <a:chOff x="0" y="0"/>
+          <a:chExt cx="0" cy="0"/>
+        </a:xfrm>
+      </p:grpSpPr>
+      <p:sp>
+        <p:nvSpPr>
+          <p:cNvPr id="2" name="Slide Image Placeholder 1"/>
+          <p:cNvSpPr>
+            <a:spLocks noGrp="1" noRot="1" noChangeAspect="1"/>
+          </p:cNvSpPr>
+          <p:nvPr>
+            <p:ph type="sldImg"/>
+          </p:nvPr>
+        </p:nvSpPr>
+        <p:spPr>
+          <a:xfrm>
+            <a:off x="381000" y="685800"/>
+            <a:ext cx="6096000" cy="3429000"/>
+          </a:xfrm>
+        </p:spPr>
+      </p:sp>
+      <p:sp>
+        <p:nvSpPr>
+          <p:cNvPr id="3" name="Notes Placeholder 2"/>
+          <p:cNvSpPr>
+            <a:spLocks noGrp="1"/>
+          </p:cNvSpPr>
+          <p:nvPr>
+            <p:ph type="body" idx="1"/>
+          </p:nvPr>
+        </p:nvSpPr>
+        <p:spPr/>
+        <p:txBody>
+          <a:bodyPr/>
+          <a:lstStyle/>
+          <a:p>
+            <a:pPr marL="0" marR="0" lvl="0" indent="0" defTabSz="914400" eaLnBrk="1" fontAlgn="auto" latinLnBrk="0" hangingPunct="1">
+              <a:lnSpc>
+                <a:spcPct val="100000"/>
+              </a:lnSpc>
+              <a:spcBef>
+                <a:spcPts val="0"/>
+              </a:spcBef>
+              <a:spcAft>
+                <a:spcPts val="0"/>
+              </a:spcAft>
+              <a:buClrTx/>
+              <a:buSzTx/>
+              <a:buFontTx/>
+              <a:buNone/>
+              <a:tabLst/>
+              <a:defRPr/>
+            </a:pPr>
+            <a:r>
+              <a:rPr lang="en-US" dirty="0"/>
+              <a:t>Amateur investors are competing against complex algorithms and professional day traders who follow the market religiously, making gaining an edge in the market very difficult  </a:t>
+            </a:r>
+          </a:p>
+          <a:p>
+            <a:pPr marL="0" marR="0" lvl="0" indent="0" defTabSz="914400" eaLnBrk="1" fontAlgn="auto" latinLnBrk="0" hangingPunct="1">
+              <a:lnSpc>
+                <a:spcPct val="100000"/>
+              </a:lnSpc>
+              <a:spcBef>
+                <a:spcPts val="0"/>
+              </a:spcBef>
+              <a:spcAft>
+                <a:spcPts val="0"/>
+              </a:spcAft>
+              <a:buClrTx/>
+              <a:buSzTx/>
+              <a:buFontTx/>
+              <a:buNone/>
+              <a:tabLst/>
+              <a:defRPr/>
+            </a:pPr>
+            <a:r>
+              <a:rPr lang="en-US" dirty="0"/>
+              <a:t>If an investor can predict a company’s quarterly performance before the release of the earnings, the investor can invest accordingly and potentially realize significant returns</a:t>
+            </a:r>
+          </a:p>
+          <a:p>
+            <a:endParaRPr lang="en-US" dirty="0"/>
+          </a:p>
+        </p:txBody>
+      </p:sp>
+    </p:spTree>
+    <p:extLst>
+      <p:ext uri="{BB962C8B-B14F-4D97-AF65-F5344CB8AC3E}">
+        <p14:creationId xmlns:p14="http://schemas.microsoft.com/office/powerpoint/2010/main" val="435416196"/>
+      </p:ext>
+    </p:extLst>
+  </p:cSld>
+  <p:clrMapOvr>
+    <a:masterClrMapping/>
+  </p:clrMapOvr>
+</p:notes>
+</file>
+
+<file path=ppt/notesSlides/notesSlide2.xml><?xml version="1.0" encoding="utf-8"?>
+<p:notes xmlns:a="http://schemas.openxmlformats.org/drawingml/2006/main" xmlns:r="http://schemas.openxmlformats.org/officeDocument/2006/relationships" xmlns:p="http://schemas.openxmlformats.org/presentationml/2006/main">
+  <p:cSld>
+    <p:spTree>
+      <p:nvGrpSpPr>
+        <p:cNvPr id="1" name=""/>
+        <p:cNvGrpSpPr/>
+        <p:nvPr/>
+      </p:nvGrpSpPr>
+      <p:grpSpPr>
+        <a:xfrm>
+          <a:off x="0" y="0"/>
+          <a:ext cx="0" cy="0"/>
+          <a:chOff x="0" y="0"/>
+          <a:chExt cx="0" cy="0"/>
+        </a:xfrm>
+      </p:grpSpPr>
+      <p:sp>
+        <p:nvSpPr>
+          <p:cNvPr id="2" name="Slide Image Placeholder 1"/>
+          <p:cNvSpPr>
+            <a:spLocks noGrp="1" noRot="1" noChangeAspect="1"/>
+          </p:cNvSpPr>
+          <p:nvPr>
+            <p:ph type="sldImg"/>
+          </p:nvPr>
+        </p:nvSpPr>
+        <p:spPr>
+          <a:xfrm>
+            <a:off x="381000" y="685800"/>
+            <a:ext cx="6096000" cy="3429000"/>
+          </a:xfrm>
+        </p:spPr>
+      </p:sp>
+      <p:sp>
+        <p:nvSpPr>
+          <p:cNvPr id="3" name="Notes Placeholder 2"/>
+          <p:cNvSpPr>
+            <a:spLocks noGrp="1"/>
+          </p:cNvSpPr>
+          <p:nvPr>
+            <p:ph type="body" idx="1"/>
+          </p:nvPr>
+        </p:nvSpPr>
+        <p:spPr/>
+        <p:txBody>
+          <a:bodyPr/>
+          <a:lstStyle/>
+          <a:p>
+            <a:r>
+              <a:rPr lang="en-US" dirty="0"/>
+              <a:t>Now, </a:t>
+            </a:r>
+            <a:r>
+              <a:rPr lang="en-US" dirty="0" err="1"/>
+              <a:t>Jahnavi</a:t>
+            </a:r>
+            <a:r>
+              <a:rPr lang="en-US" dirty="0"/>
+              <a:t> will talk about the data</a:t>
+            </a:r>
+          </a:p>
+        </p:txBody>
+      </p:sp>
+    </p:spTree>
+    <p:extLst>
+      <p:ext uri="{BB962C8B-B14F-4D97-AF65-F5344CB8AC3E}">
+        <p14:creationId xmlns:p14="http://schemas.microsoft.com/office/powerpoint/2010/main" val="2454127485"/>
+      </p:ext>
+    </p:extLst>
+  </p:cSld>
+  <p:clrMapOvr>
+    <a:masterClrMapping/>
+  </p:clrMapOvr>
+</p:notes>
+</file>
+
+<file path=ppt/notesSlides/notesSlide3.xml><?xml version="1.0" encoding="utf-8"?>
+<p:notes xmlns:a="http://schemas.openxmlformats.org/drawingml/2006/main" xmlns:r="http://schemas.openxmlformats.org/officeDocument/2006/relationships" xmlns:p="http://schemas.openxmlformats.org/presentationml/2006/main">
+  <p:cSld>
+    <p:spTree>
+      <p:nvGrpSpPr>
+        <p:cNvPr id="1" name=""/>
+        <p:cNvGrpSpPr/>
+        <p:nvPr/>
+      </p:nvGrpSpPr>
+      <p:grpSpPr>
+        <a:xfrm>
+          <a:off x="0" y="0"/>
+          <a:ext cx="0" cy="0"/>
+          <a:chOff x="0" y="0"/>
+          <a:chExt cx="0" cy="0"/>
+        </a:xfrm>
+      </p:grpSpPr>
+      <p:sp>
+        <p:nvSpPr>
+          <p:cNvPr id="2" name="Slide Image Placeholder 1"/>
+          <p:cNvSpPr>
+            <a:spLocks noGrp="1" noRot="1" noChangeAspect="1"/>
+          </p:cNvSpPr>
+          <p:nvPr>
+            <p:ph type="sldImg"/>
+          </p:nvPr>
+        </p:nvSpPr>
+        <p:spPr>
+          <a:xfrm>
+            <a:off x="381000" y="685800"/>
+            <a:ext cx="6096000" cy="3429000"/>
+          </a:xfrm>
+        </p:spPr>
+      </p:sp>
+      <p:sp>
+        <p:nvSpPr>
+          <p:cNvPr id="3" name="Notes Placeholder 2"/>
+          <p:cNvSpPr>
+            <a:spLocks noGrp="1"/>
+          </p:cNvSpPr>
+          <p:nvPr>
+            <p:ph type="body" idx="1"/>
+          </p:nvPr>
+        </p:nvSpPr>
+        <p:spPr/>
+        <p:txBody>
+          <a:bodyPr/>
+          <a:lstStyle/>
+          <a:p>
+            <a:r>
+              <a:rPr lang="en-US" sz="1200" dirty="0">
+                <a:effectLst/>
+                <a:latin typeface="+mj-lt"/>
+                <a:ea typeface="+mj-ea"/>
+                <a:cs typeface="+mj-cs"/>
+                <a:sym typeface="Calibri"/>
+              </a:rPr>
+              <a:t>Data</a:t>
+            </a:r>
+          </a:p>
+          <a:p>
+            <a:r>
+              <a:rPr lang="en-US" sz="1200" dirty="0">
+                <a:effectLst/>
+                <a:latin typeface="+mj-lt"/>
+                <a:ea typeface="+mj-ea"/>
+                <a:cs typeface="+mj-cs"/>
+                <a:sym typeface="Calibri"/>
+              </a:rPr>
+              <a:t>The search trend dataset that we used comes from Google trends. It is an unbiased sample of Google search data. Google randomly selects some users and gives us the search results from these users.</a:t>
+            </a:r>
+          </a:p>
+          <a:p>
+            <a:r>
+              <a:rPr lang="en-US" sz="1200" dirty="0">
+                <a:effectLst/>
+                <a:latin typeface="+mj-lt"/>
+                <a:ea typeface="+mj-ea"/>
+                <a:cs typeface="+mj-cs"/>
+                <a:sym typeface="Calibri"/>
+              </a:rPr>
+              <a:t>The data is normalized, that means the data is indexed at 100, where 100 is the maximum search interest for the time selected.</a:t>
+            </a:r>
+          </a:p>
+          <a:p>
+            <a:r>
+              <a:rPr lang="en-US" sz="1200" dirty="0">
+                <a:effectLst/>
+                <a:latin typeface="+mj-lt"/>
+                <a:ea typeface="+mj-ea"/>
+                <a:cs typeface="+mj-cs"/>
+                <a:sym typeface="Calibri"/>
+              </a:rPr>
+              <a:t>So, we have </a:t>
+            </a:r>
+            <a:r>
+              <a:rPr lang="en-US" sz="1200" dirty="0" err="1">
+                <a:effectLst/>
+                <a:latin typeface="+mj-lt"/>
+                <a:ea typeface="+mj-ea"/>
+                <a:cs typeface="+mj-cs"/>
+                <a:sym typeface="Calibri"/>
+              </a:rPr>
+              <a:t>searchtrends</a:t>
+            </a:r>
+            <a:r>
+              <a:rPr lang="en-US" sz="1200" dirty="0">
+                <a:effectLst/>
+                <a:latin typeface="+mj-lt"/>
+                <a:ea typeface="+mj-ea"/>
+                <a:cs typeface="+mj-cs"/>
+                <a:sym typeface="Calibri"/>
+              </a:rPr>
+              <a:t> for 15 keywords in the second quarter for each company from 2007 to 2017.</a:t>
+            </a:r>
+          </a:p>
+          <a:p>
+            <a:r>
+              <a:rPr lang="en-US" sz="1200" dirty="0">
+                <a:effectLst/>
+                <a:latin typeface="+mj-lt"/>
+                <a:ea typeface="+mj-ea"/>
+                <a:cs typeface="+mj-cs"/>
+                <a:sym typeface="Calibri"/>
+              </a:rPr>
+              <a:t>We also have the adjusted close price of the stock for the second quarter from 2007 to 2017.</a:t>
+            </a:r>
+          </a:p>
+          <a:p>
+            <a:r>
+              <a:rPr lang="en-US" sz="1200" dirty="0">
+                <a:effectLst/>
+                <a:latin typeface="+mj-lt"/>
+                <a:ea typeface="+mj-ea"/>
+                <a:cs typeface="+mj-cs"/>
+                <a:sym typeface="Calibri"/>
+              </a:rPr>
+              <a:t>The packages we used are </a:t>
+            </a:r>
+            <a:r>
+              <a:rPr lang="en-US" sz="1200" dirty="0" err="1">
+                <a:effectLst/>
+                <a:latin typeface="+mj-lt"/>
+                <a:ea typeface="+mj-ea"/>
+                <a:cs typeface="+mj-cs"/>
+                <a:sym typeface="Calibri"/>
+              </a:rPr>
+              <a:t>pytrends</a:t>
+            </a:r>
+            <a:r>
+              <a:rPr lang="en-US" sz="1200" dirty="0">
+                <a:effectLst/>
+                <a:latin typeface="+mj-lt"/>
+                <a:ea typeface="+mj-ea"/>
+                <a:cs typeface="+mj-cs"/>
+                <a:sym typeface="Calibri"/>
+              </a:rPr>
+              <a:t> and </a:t>
+            </a:r>
+            <a:r>
+              <a:rPr lang="en-US" sz="1200" dirty="0" err="1">
+                <a:effectLst/>
+                <a:latin typeface="+mj-lt"/>
+                <a:ea typeface="+mj-ea"/>
+                <a:cs typeface="+mj-cs"/>
+                <a:sym typeface="Calibri"/>
+              </a:rPr>
+              <a:t>datatime</a:t>
+            </a:r>
+            <a:r>
+              <a:rPr lang="en-US" sz="1200" dirty="0">
+                <a:effectLst/>
+                <a:latin typeface="+mj-lt"/>
+                <a:ea typeface="+mj-ea"/>
+                <a:cs typeface="+mj-cs"/>
+                <a:sym typeface="Calibri"/>
+              </a:rPr>
+              <a:t>.</a:t>
+            </a:r>
+          </a:p>
+          <a:p>
+            <a:r>
+              <a:rPr lang="en-US" sz="1200" dirty="0">
+                <a:effectLst/>
+                <a:latin typeface="+mj-lt"/>
+                <a:ea typeface="+mj-ea"/>
+                <a:cs typeface="+mj-cs"/>
+                <a:sym typeface="Calibri"/>
+              </a:rPr>
+              <a:t> </a:t>
+            </a:r>
+            <a:endParaRPr lang="en-US" dirty="0"/>
+          </a:p>
+        </p:txBody>
+      </p:sp>
+    </p:spTree>
+    <p:extLst>
+      <p:ext uri="{BB962C8B-B14F-4D97-AF65-F5344CB8AC3E}">
+        <p14:creationId xmlns:p14="http://schemas.microsoft.com/office/powerpoint/2010/main" val="4253905525"/>
+      </p:ext>
+    </p:extLst>
+  </p:cSld>
+  <p:clrMapOvr>
+    <a:masterClrMapping/>
+  </p:clrMapOvr>
+</p:notes>
+</file>
+
+<file path=ppt/notesSlides/notesSlide4.xml><?xml version="1.0" encoding="utf-8"?>
+<p:notes xmlns:a="http://schemas.openxmlformats.org/drawingml/2006/main" xmlns:r="http://schemas.openxmlformats.org/officeDocument/2006/relationships" xmlns:p="http://schemas.openxmlformats.org/presentationml/2006/main">
+  <p:cSld>
+    <p:spTree>
+      <p:nvGrpSpPr>
+        <p:cNvPr id="1" name=""/>
+        <p:cNvGrpSpPr/>
+        <p:nvPr/>
+      </p:nvGrpSpPr>
+      <p:grpSpPr>
+        <a:xfrm>
+          <a:off x="0" y="0"/>
+          <a:ext cx="0" cy="0"/>
+          <a:chOff x="0" y="0"/>
+          <a:chExt cx="0" cy="0"/>
+        </a:xfrm>
+      </p:grpSpPr>
+      <p:sp>
+        <p:nvSpPr>
+          <p:cNvPr id="2" name="Slide Image Placeholder 1"/>
+          <p:cNvSpPr>
+            <a:spLocks noGrp="1" noRot="1" noChangeAspect="1"/>
+          </p:cNvSpPr>
+          <p:nvPr>
+            <p:ph type="sldImg"/>
+          </p:nvPr>
+        </p:nvSpPr>
+        <p:spPr>
+          <a:xfrm>
+            <a:off x="381000" y="685800"/>
+            <a:ext cx="6096000" cy="3429000"/>
+          </a:xfrm>
+        </p:spPr>
+      </p:sp>
+      <p:sp>
+        <p:nvSpPr>
+          <p:cNvPr id="3" name="Notes Placeholder 2"/>
+          <p:cNvSpPr>
+            <a:spLocks noGrp="1"/>
+          </p:cNvSpPr>
+          <p:nvPr>
+            <p:ph type="body" idx="1"/>
+          </p:nvPr>
+        </p:nvSpPr>
+        <p:spPr/>
+        <p:txBody>
+          <a:bodyPr/>
+          <a:lstStyle/>
+          <a:p>
+            <a:r>
+              <a:rPr lang="en-US" sz="1200" dirty="0">
+                <a:effectLst/>
+                <a:latin typeface="+mj-lt"/>
+                <a:ea typeface="+mj-ea"/>
+                <a:cs typeface="+mj-cs"/>
+                <a:sym typeface="Calibri"/>
+              </a:rPr>
+              <a:t>Design process:</a:t>
+            </a:r>
+          </a:p>
+          <a:p>
+            <a:r>
+              <a:rPr lang="en-US" sz="1200" dirty="0">
+                <a:effectLst/>
+                <a:latin typeface="+mj-lt"/>
+                <a:ea typeface="+mj-ea"/>
+                <a:cs typeface="+mj-cs"/>
+                <a:sym typeface="Calibri"/>
+              </a:rPr>
+              <a:t>This was our design.</a:t>
+            </a:r>
+          </a:p>
+          <a:p>
+            <a:r>
+              <a:rPr lang="en-US" sz="1200" dirty="0">
+                <a:effectLst/>
+                <a:latin typeface="+mj-lt"/>
+                <a:ea typeface="+mj-ea"/>
+                <a:cs typeface="+mj-cs"/>
+                <a:sym typeface="Calibri"/>
+              </a:rPr>
+              <a:t>We had a project specification of what to do and how to do it.</a:t>
+            </a:r>
+          </a:p>
+          <a:p>
+            <a:r>
+              <a:rPr lang="en-US" sz="1200" dirty="0">
+                <a:effectLst/>
+                <a:latin typeface="+mj-lt"/>
+                <a:ea typeface="+mj-ea"/>
+                <a:cs typeface="+mj-cs"/>
+                <a:sym typeface="Calibri"/>
+              </a:rPr>
+              <a:t>The data downloaded using </a:t>
+            </a:r>
+            <a:r>
+              <a:rPr lang="en-US" sz="1200" dirty="0" err="1">
+                <a:effectLst/>
+                <a:latin typeface="+mj-lt"/>
+                <a:ea typeface="+mj-ea"/>
+                <a:cs typeface="+mj-cs"/>
+                <a:sym typeface="Calibri"/>
+              </a:rPr>
+              <a:t>pytrends</a:t>
+            </a:r>
+            <a:r>
+              <a:rPr lang="en-US" sz="1200" dirty="0">
+                <a:effectLst/>
+                <a:latin typeface="+mj-lt"/>
+                <a:ea typeface="+mj-ea"/>
+                <a:cs typeface="+mj-cs"/>
+                <a:sym typeface="Calibri"/>
+              </a:rPr>
+              <a:t> was already normalized, so there was no much data cleaning to do.</a:t>
+            </a:r>
+          </a:p>
+          <a:p>
+            <a:r>
+              <a:rPr lang="en-US" sz="1200" dirty="0">
+                <a:effectLst/>
+                <a:latin typeface="+mj-lt"/>
+                <a:ea typeface="+mj-ea"/>
+                <a:cs typeface="+mj-cs"/>
+                <a:sym typeface="Calibri"/>
+              </a:rPr>
+              <a:t>We also have a persona Josh, who graduated from UW. </a:t>
+            </a:r>
+          </a:p>
+          <a:p>
+            <a:r>
+              <a:rPr lang="en-US" sz="1200" dirty="0">
+                <a:effectLst/>
+                <a:latin typeface="+mj-lt"/>
+                <a:ea typeface="+mj-ea"/>
+                <a:cs typeface="+mj-cs"/>
+                <a:sym typeface="Calibri"/>
+              </a:rPr>
+              <a:t>We designed a interface, created a prototype of it and did the user testing.</a:t>
+            </a:r>
+          </a:p>
+          <a:p>
+            <a:r>
+              <a:rPr lang="en-US" sz="1200" dirty="0">
+                <a:effectLst/>
+                <a:latin typeface="+mj-lt"/>
+                <a:ea typeface="+mj-ea"/>
+                <a:cs typeface="+mj-cs"/>
+                <a:sym typeface="Calibri"/>
+              </a:rPr>
+              <a:t>Finally we have a product.</a:t>
+            </a:r>
+            <a:endParaRPr lang="en-US" dirty="0"/>
+          </a:p>
+        </p:txBody>
+      </p:sp>
+    </p:spTree>
+    <p:extLst>
+      <p:ext uri="{BB962C8B-B14F-4D97-AF65-F5344CB8AC3E}">
+        <p14:creationId xmlns:p14="http://schemas.microsoft.com/office/powerpoint/2010/main" val="1895789917"/>
+      </p:ext>
+    </p:extLst>
+  </p:cSld>
+  <p:clrMapOvr>
+    <a:masterClrMapping/>
+  </p:clrMapOvr>
+</p:notes>
+</file>
+
+<file path=ppt/notesSlides/notesSlide5.xml><?xml version="1.0" encoding="utf-8"?>
+<p:notes xmlns:a="http://schemas.openxmlformats.org/drawingml/2006/main" xmlns:r="http://schemas.openxmlformats.org/officeDocument/2006/relationships" xmlns:p="http://schemas.openxmlformats.org/presentationml/2006/main">
+  <p:cSld>
+    <p:spTree>
+      <p:nvGrpSpPr>
+        <p:cNvPr id="1" name=""/>
+        <p:cNvGrpSpPr/>
+        <p:nvPr/>
+      </p:nvGrpSpPr>
+      <p:grpSpPr>
+        <a:xfrm>
+          <a:off x="0" y="0"/>
+          <a:ext cx="0" cy="0"/>
+          <a:chOff x="0" y="0"/>
+          <a:chExt cx="0" cy="0"/>
+        </a:xfrm>
+      </p:grpSpPr>
+      <p:sp>
+        <p:nvSpPr>
+          <p:cNvPr id="2" name="Slide Image Placeholder 1"/>
+          <p:cNvSpPr>
+            <a:spLocks noGrp="1" noRot="1" noChangeAspect="1"/>
+          </p:cNvSpPr>
+          <p:nvPr>
+            <p:ph type="sldImg"/>
+          </p:nvPr>
+        </p:nvSpPr>
+        <p:spPr>
+          <a:xfrm>
+            <a:off x="381000" y="685800"/>
+            <a:ext cx="6096000" cy="3429000"/>
+          </a:xfrm>
+        </p:spPr>
+      </p:sp>
+      <p:sp>
+        <p:nvSpPr>
+          <p:cNvPr id="3" name="Notes Placeholder 2"/>
+          <p:cNvSpPr>
+            <a:spLocks noGrp="1"/>
+          </p:cNvSpPr>
+          <p:nvPr>
+            <p:ph type="body" idx="1"/>
+          </p:nvPr>
+        </p:nvSpPr>
+        <p:spPr/>
+        <p:txBody>
+          <a:bodyPr/>
+          <a:lstStyle/>
+          <a:p>
+            <a:r>
+              <a:rPr lang="en-US" sz="1200" dirty="0">
+                <a:effectLst/>
+                <a:latin typeface="+mj-lt"/>
+                <a:ea typeface="+mj-ea"/>
+                <a:cs typeface="+mj-cs"/>
+                <a:sym typeface="Calibri"/>
+              </a:rPr>
+              <a:t>Interaction design </a:t>
+            </a:r>
+          </a:p>
+          <a:p>
+            <a:r>
+              <a:rPr lang="en-US" sz="1200" dirty="0">
+                <a:effectLst/>
+                <a:latin typeface="+mj-lt"/>
+                <a:ea typeface="+mj-ea"/>
+                <a:cs typeface="+mj-cs"/>
+                <a:sym typeface="Calibri"/>
+              </a:rPr>
+              <a:t>This is a brief summary of the interaction design. The user only selects the company that we wants to learn about. </a:t>
+            </a:r>
+          </a:p>
+          <a:p>
+            <a:r>
+              <a:rPr lang="en-US" sz="1200" dirty="0">
+                <a:effectLst/>
+                <a:latin typeface="+mj-lt"/>
+                <a:ea typeface="+mj-ea"/>
+                <a:cs typeface="+mj-cs"/>
+                <a:sym typeface="Calibri"/>
+              </a:rPr>
+              <a:t>And the control logic sends the selection to the three modules we have. The output will be the Quarter start and end dates, the probability and the plots.</a:t>
+            </a:r>
+          </a:p>
+          <a:p>
+            <a:r>
+              <a:rPr lang="en-US" sz="1200" dirty="0">
+                <a:effectLst/>
+                <a:latin typeface="+mj-lt"/>
+                <a:ea typeface="+mj-ea"/>
+                <a:cs typeface="+mj-cs"/>
+                <a:sym typeface="Calibri"/>
+              </a:rPr>
+              <a:t>Lets see the control logic now.</a:t>
+            </a:r>
+          </a:p>
+        </p:txBody>
+      </p:sp>
+    </p:spTree>
+    <p:extLst>
+      <p:ext uri="{BB962C8B-B14F-4D97-AF65-F5344CB8AC3E}">
+        <p14:creationId xmlns:p14="http://schemas.microsoft.com/office/powerpoint/2010/main" val="3026917710"/>
+      </p:ext>
+    </p:extLst>
+  </p:cSld>
+  <p:clrMapOvr>
+    <a:masterClrMapping/>
+  </p:clrMapOvr>
+</p:notes>
+</file>
+
+<file path=ppt/notesSlides/notesSlide6.xml><?xml version="1.0" encoding="utf-8"?>
+<p:notes xmlns:a="http://schemas.openxmlformats.org/drawingml/2006/main" xmlns:r="http://schemas.openxmlformats.org/officeDocument/2006/relationships" xmlns:p="http://schemas.openxmlformats.org/presentationml/2006/main">
+  <p:cSld>
+    <p:spTree>
+      <p:nvGrpSpPr>
+        <p:cNvPr id="1" name=""/>
+        <p:cNvGrpSpPr/>
+        <p:nvPr/>
+      </p:nvGrpSpPr>
+      <p:grpSpPr>
+        <a:xfrm>
+          <a:off x="0" y="0"/>
+          <a:ext cx="0" cy="0"/>
+          <a:chOff x="0" y="0"/>
+          <a:chExt cx="0" cy="0"/>
+        </a:xfrm>
+      </p:grpSpPr>
+      <p:sp>
+        <p:nvSpPr>
+          <p:cNvPr id="2" name="Slide Image Placeholder 1"/>
+          <p:cNvSpPr>
+            <a:spLocks noGrp="1" noRot="1" noChangeAspect="1"/>
+          </p:cNvSpPr>
+          <p:nvPr>
+            <p:ph type="sldImg"/>
+          </p:nvPr>
+        </p:nvSpPr>
+        <p:spPr>
+          <a:xfrm>
+            <a:off x="381000" y="685800"/>
+            <a:ext cx="6096000" cy="3429000"/>
+          </a:xfrm>
+        </p:spPr>
+      </p:sp>
+      <p:sp>
+        <p:nvSpPr>
+          <p:cNvPr id="3" name="Notes Placeholder 2"/>
+          <p:cNvSpPr>
+            <a:spLocks noGrp="1"/>
+          </p:cNvSpPr>
+          <p:nvPr>
+            <p:ph type="body" idx="1"/>
+          </p:nvPr>
+        </p:nvSpPr>
+        <p:spPr/>
+        <p:txBody>
+          <a:bodyPr/>
+          <a:lstStyle/>
+          <a:p>
+            <a:endParaRPr lang="en-US" dirty="0"/>
+          </a:p>
+        </p:txBody>
+      </p:sp>
+    </p:spTree>
+    <p:extLst>
+      <p:ext uri="{BB962C8B-B14F-4D97-AF65-F5344CB8AC3E}">
+        <p14:creationId xmlns:p14="http://schemas.microsoft.com/office/powerpoint/2010/main" val="2572185844"/>
+      </p:ext>
+    </p:extLst>
+  </p:cSld>
+  <p:clrMapOvr>
+    <a:masterClrMapping/>
+  </p:clrMapOvr>
+</p:notes>
+</file>
+
 <file path=ppt/slideLayouts/slideLayout1.xml><?xml version="1.0" encoding="utf-8"?>
 <p:sldLayout xmlns:a="http://schemas.openxmlformats.org/drawingml/2006/main" xmlns:r="http://schemas.openxmlformats.org/officeDocument/2006/relationships" xmlns:p="http://schemas.openxmlformats.org/presentationml/2006/main" showMasterSp="0" type="title">
   <p:cSld name="Title Slide">
@@ -3912,7 +4665,7 @@
           </a:ln>
           <a:extLst>
             <a:ext uri="{C572A759-6A51-4108-AA02-DFA0A04FC94B}">
-              <ma14:wrappingTextBoxFlag xmlns:ma14="http://schemas.microsoft.com/office/mac/drawingml/2011/main" xmlns="" val="1"/>
+              <ma14:wrappingTextBoxFlag xmlns="" xmlns:ma14="http://schemas.microsoft.com/office/mac/drawingml/2011/main" val="1"/>
             </a:ext>
           </a:extLst>
         </p:spPr>
@@ -3951,7 +4704,7 @@
           </a:ln>
           <a:extLst>
             <a:ext uri="{C572A759-6A51-4108-AA02-DFA0A04FC94B}">
-              <ma14:wrappingTextBoxFlag xmlns:ma14="http://schemas.microsoft.com/office/mac/drawingml/2011/main" xmlns="" val="1"/>
+              <ma14:wrappingTextBoxFlag xmlns="" xmlns:ma14="http://schemas.microsoft.com/office/mac/drawingml/2011/main" val="1"/>
             </a:ext>
           </a:extLst>
         </p:spPr>
@@ -4965,7 +5718,7 @@
           </a:ln>
           <a:extLst>
             <a:ext uri="{C572A759-6A51-4108-AA02-DFA0A04FC94B}">
-              <ma14:wrappingTextBoxFlag xmlns:ma14="http://schemas.microsoft.com/office/mac/drawingml/2011/main" xmlns="" val="1"/>
+              <ma14:wrappingTextBoxFlag xmlns="" xmlns:ma14="http://schemas.microsoft.com/office/mac/drawingml/2011/main" val="1"/>
             </a:ext>
           </a:extLst>
         </p:spPr>
@@ -5089,6 +5842,7 @@
           </a:lstStyle>
           <a:p>
             <a:r>
+              <a:rPr dirty="0"/>
               <a:t>The Story</a:t>
             </a:r>
           </a:p>
@@ -5113,8 +5867,8 @@
         </p:blipFill>
         <p:spPr>
           <a:xfrm>
-            <a:off x="950203" y="2381593"/>
-            <a:ext cx="2117330" cy="2024064"/>
+            <a:off x="715356" y="1774810"/>
+            <a:ext cx="2523105" cy="2411965"/>
           </a:xfrm>
           <a:custGeom>
             <a:avLst/>
@@ -5179,8 +5933,8 @@
         </p:nvSpPr>
         <p:spPr>
           <a:xfrm>
-            <a:off x="3408219" y="2239506"/>
-            <a:ext cx="7032568" cy="2529841"/>
+            <a:off x="3533832" y="1774810"/>
+            <a:ext cx="6664476" cy="4555093"/>
           </a:xfrm>
           <a:prstGeom prst="rect">
             <a:avLst/>
@@ -5190,12 +5944,12 @@
           </a:ln>
           <a:extLst>
             <a:ext uri="{C572A759-6A51-4108-AA02-DFA0A04FC94B}">
-              <ma14:wrappingTextBoxFlag xmlns:ma14="http://schemas.microsoft.com/office/mac/drawingml/2011/main" xmlns="" val="1"/>
+              <ma14:wrappingTextBoxFlag xmlns="" xmlns:ma14="http://schemas.microsoft.com/office/mac/drawingml/2011/main" val="1"/>
             </a:ext>
           </a:extLst>
         </p:spPr>
         <p:txBody>
-          <a:bodyPr lIns="45719" rIns="45719">
+          <a:bodyPr wrap="square" lIns="45719" rIns="45719">
             <a:spAutoFit/>
           </a:bodyPr>
           <a:lstStyle/>
@@ -5204,21 +5958,111 @@
               <a:defRPr sz="2000"/>
             </a:pPr>
             <a:r>
-              <a:t>Josh graduated in 2013 from University of Washington with Bachelor’s degree in Computer Science. He is working as an software developer at Facebook since then. He saves around 1k every month and is interested in learning how and when to invest in the stock market.</a:t>
-            </a:r>
+              <a:rPr sz="2400" dirty="0"/>
+              <a:t>Josh graduated in 2013 from</a:t>
+            </a:r>
+            <a:r>
+              <a:rPr lang="en-US" sz="2400" dirty="0"/>
+              <a:t> the</a:t>
+            </a:r>
+            <a:r>
+              <a:rPr sz="2400" dirty="0"/>
+              <a:t> University of Washington with Bachelor’s degree in Computer Science. </a:t>
+            </a:r>
+            <a:r>
+              <a:rPr lang="en-US" sz="2400" dirty="0"/>
+              <a:t>Since graduation, h</a:t>
+            </a:r>
+            <a:r>
+              <a:rPr sz="2400" dirty="0"/>
+              <a:t>e</a:t>
+            </a:r>
+            <a:r>
+              <a:rPr lang="en-US" sz="2400" dirty="0"/>
+              <a:t>'s</a:t>
+            </a:r>
+            <a:r>
+              <a:rPr sz="2400" dirty="0"/>
+              <a:t> work</a:t>
+            </a:r>
+            <a:r>
+              <a:rPr lang="en-US" sz="2400" dirty="0"/>
+              <a:t>ed at Facebook</a:t>
+            </a:r>
+            <a:r>
+              <a:rPr sz="2400" dirty="0"/>
+              <a:t> as a software developer. </a:t>
+            </a:r>
+            <a:endParaRPr lang="en-US" sz="2400" dirty="0"/>
           </a:p>
           <a:p>
             <a:pPr>
               <a:defRPr sz="2000"/>
             </a:pPr>
-            <a:endParaRPr/>
+            <a:endParaRPr lang="en-US" sz="1200" dirty="0"/>
           </a:p>
           <a:p>
             <a:pPr>
               <a:defRPr sz="2000"/>
             </a:pPr>
             <a:r>
-              <a:t>He wants to start with Tech company first and hears about Searching For Success and wants to give it a try.</a:t>
+              <a:rPr sz="2400" dirty="0"/>
+              <a:t>He saves around 1k every month and is interested in learning how and when to invest in the stock market.</a:t>
+            </a:r>
+          </a:p>
+          <a:p>
+            <a:pPr>
+              <a:defRPr sz="2000"/>
+            </a:pPr>
+            <a:endParaRPr sz="1200" dirty="0"/>
+          </a:p>
+          <a:p>
+            <a:pPr>
+              <a:defRPr sz="2000"/>
+            </a:pPr>
+            <a:r>
+              <a:rPr sz="2400" dirty="0"/>
+              <a:t>He</a:t>
+            </a:r>
+            <a:r>
+              <a:rPr lang="en-US" sz="2400" dirty="0"/>
+              <a:t>'s interested in investing in technology</a:t>
+            </a:r>
+            <a:r>
+              <a:rPr sz="2400" dirty="0"/>
+              <a:t> compan</a:t>
+            </a:r>
+            <a:r>
+              <a:rPr lang="en-US" sz="2400" dirty="0"/>
+              <a:t>ies. He </a:t>
+            </a:r>
+            <a:r>
+              <a:rPr sz="2400" dirty="0"/>
+              <a:t>hear</a:t>
+            </a:r>
+            <a:r>
+              <a:rPr lang="en-US" sz="2400" dirty="0"/>
+              <a:t>d</a:t>
+            </a:r>
+            <a:r>
+              <a:rPr sz="2400" dirty="0"/>
+              <a:t> about Searching For Success</a:t>
+            </a:r>
+            <a:r>
+              <a:rPr lang="en-US" sz="2400" dirty="0"/>
+              <a:t>,</a:t>
+            </a:r>
+            <a:r>
+              <a:rPr sz="2400" dirty="0"/>
+              <a:t> and</a:t>
+            </a:r>
+            <a:r>
+              <a:rPr lang="en-US" sz="2400" dirty="0"/>
+              <a:t> as a regular Google search user, he</a:t>
+            </a:r>
+            <a:r>
+              <a:rPr sz="2400" dirty="0"/>
+              <a:t> wants to give it a try.</a:t>
             </a:r>
           </a:p>
         </p:txBody>
@@ -5320,15 +6164,17 @@
         </p:nvSpPr>
         <p:spPr>
           <a:xfrm>
-            <a:off x="1057835" y="2641319"/>
-            <a:ext cx="9956801" cy="1143001"/>
+            <a:off x="5715472" y="2128603"/>
+            <a:ext cx="3843255" cy="1655718"/>
           </a:xfrm>
           <a:prstGeom prst="rect">
             <a:avLst/>
           </a:prstGeom>
         </p:spPr>
         <p:txBody>
-          <a:bodyPr/>
+          <a:bodyPr>
+            <a:normAutofit/>
+          </a:bodyPr>
           <a:lstStyle>
             <a:lvl1pPr algn="r">
               <a:defRPr sz="4400" b="1"/>
@@ -5336,7 +6182,15 @@
           </a:lstStyle>
           <a:p>
             <a:r>
-              <a:t>Project Structure</a:t>
+              <a:rPr lang="en-US" dirty="0"/>
+              <a:t>Repository</a:t>
+            </a:r>
+            <a:br>
+              <a:rPr lang="en-US" dirty="0"/>
+            </a:br>
+            <a:r>
+              <a:rPr dirty="0"/>
+              <a:t>Structure</a:t>
             </a:r>
           </a:p>
         </p:txBody>
@@ -5363,7 +6217,7 @@
         </p:blipFill>
         <p:spPr>
           <a:xfrm>
-            <a:off x="660400" y="263237"/>
+            <a:off x="1584794" y="173296"/>
             <a:ext cx="4130679" cy="6345382"/>
           </a:xfrm>
           <a:prstGeom prst="rect">
@@ -5438,21 +6292,24 @@
         </p:nvSpPr>
         <p:spPr>
           <a:xfrm>
-            <a:off x="609599" y="1600200"/>
-            <a:ext cx="9115247" cy="1481203"/>
+            <a:off x="924393" y="1600200"/>
+            <a:ext cx="9124014" cy="1564867"/>
           </a:xfrm>
           <a:prstGeom prst="rect">
             <a:avLst/>
           </a:prstGeom>
         </p:spPr>
         <p:txBody>
-          <a:bodyPr/>
+          <a:bodyPr>
+            <a:normAutofit/>
+          </a:bodyPr>
           <a:lstStyle/>
           <a:p>
             <a:pPr>
               <a:defRPr sz="2200"/>
             </a:pPr>
             <a:r>
+              <a:rPr dirty="0"/>
               <a:t>Define Project scope as early as possible</a:t>
             </a:r>
           </a:p>
@@ -5461,14 +6318,24 @@
               <a:defRPr sz="2200"/>
             </a:pPr>
             <a:r>
+              <a:rPr dirty="0"/>
               <a:t>Working with new libraries can be difficult, </a:t>
             </a:r>
             <a:r>
-              <a:rPr i="1"/>
+              <a:rPr i="1" dirty="0"/>
               <a:t>e.g.</a:t>
             </a:r>
             <a:r>
-              <a:t> manipulating dates with the datetime library and parsing JSON files</a:t>
+              <a:rPr dirty="0"/>
+              <a:t> manipulating dates with the </a:t>
+            </a:r>
+            <a:r>
+              <a:rPr dirty="0" err="1"/>
+              <a:t>datetime</a:t>
+            </a:r>
+            <a:r>
+              <a:rPr dirty="0"/>
+              <a:t> library and parsing JSON files</a:t>
             </a:r>
           </a:p>
         </p:txBody>
@@ -5492,7 +6359,7 @@
           </a:ln>
           <a:extLst>
             <a:ext uri="{C572A759-6A51-4108-AA02-DFA0A04FC94B}">
-              <ma14:wrappingTextBoxFlag xmlns:ma14="http://schemas.microsoft.com/office/mac/drawingml/2011/main" xmlns="" val="1"/>
+              <ma14:wrappingTextBoxFlag xmlns="" xmlns:ma14="http://schemas.microsoft.com/office/mac/drawingml/2011/main" val="1"/>
             </a:ext>
           </a:extLst>
         </p:spPr>
@@ -5524,8 +6391,8 @@
         </p:nvSpPr>
         <p:spPr>
           <a:xfrm>
-            <a:off x="685798" y="4011507"/>
-            <a:ext cx="8962847" cy="2407921"/>
+            <a:off x="924393" y="4011508"/>
+            <a:ext cx="9273915" cy="2009542"/>
           </a:xfrm>
           <a:prstGeom prst="rect">
             <a:avLst/>
@@ -5535,13 +6402,13 @@
           </a:ln>
           <a:extLst>
             <a:ext uri="{C572A759-6A51-4108-AA02-DFA0A04FC94B}">
-              <ma14:wrappingTextBoxFlag xmlns:ma14="http://schemas.microsoft.com/office/mac/drawingml/2011/main" xmlns="" val="1"/>
+              <ma14:wrappingTextBoxFlag xmlns="" xmlns:ma14="http://schemas.microsoft.com/office/mac/drawingml/2011/main" val="1"/>
             </a:ext>
           </a:extLst>
         </p:spPr>
         <p:txBody>
           <a:bodyPr lIns="45719" rIns="45719">
-            <a:normAutofit/>
+            <a:noAutofit/>
           </a:bodyPr>
           <a:lstStyle/>
           <a:p>
@@ -5561,7 +6428,40 @@
               <a:defRPr sz="2000"/>
             </a:pPr>
             <a:r>
-              <a:t>Not everyone was able to import the EarningsReport module (still trying to figure that out) and also pytrends does not work on Python3 for some of us.</a:t>
+              <a:rPr lang="en-US" sz="2200" dirty="0"/>
+              <a:t>Key libraries like </a:t>
+            </a:r>
+            <a:r>
+              <a:rPr sz="2200" dirty="0" err="1"/>
+              <a:t>pytrends</a:t>
+            </a:r>
+            <a:r>
+              <a:rPr sz="2200" dirty="0"/>
+              <a:t> </a:t>
+            </a:r>
+            <a:r>
+              <a:rPr lang="en-US" sz="2200" dirty="0"/>
+              <a:t>didn’t work on the</a:t>
+            </a:r>
+            <a:r>
+              <a:rPr sz="2200" dirty="0"/>
+              <a:t> Python</a:t>
+            </a:r>
+            <a:r>
+              <a:rPr lang="en-US" sz="2200" dirty="0"/>
+              <a:t> </a:t>
+            </a:r>
+            <a:r>
+              <a:rPr sz="2200" dirty="0"/>
+              <a:t>3 </a:t>
+            </a:r>
+            <a:r>
+              <a:rPr lang="en-US" sz="2200" dirty="0"/>
+              <a:t>platform for everyone in the group</a:t>
+            </a:r>
+            <a:r>
+              <a:rPr sz="2200" dirty="0"/>
+              <a:t> </a:t>
             </a:r>
           </a:p>
           <a:p>
@@ -5581,7 +6481,36 @@
               <a:defRPr sz="2000"/>
             </a:pPr>
             <a:r>
-              <a:t>Couldn’t get Beautiful Soup or other scraping tools to work beyond getting the Yahoo quote data</a:t>
+              <a:rPr lang="en-US" sz="2200" dirty="0"/>
+              <a:t>Difficulty scraping web information,</a:t>
+            </a:r>
+            <a:r>
+              <a:rPr sz="2200" dirty="0"/>
+              <a:t> </a:t>
+            </a:r>
+            <a:r>
+              <a:rPr lang="en-US" sz="2200" dirty="0"/>
+              <a:t>tried to use</a:t>
+            </a:r>
+            <a:r>
+              <a:rPr sz="2200" dirty="0"/>
+              <a:t> Beautiful Soup</a:t>
+            </a:r>
+            <a:r>
+              <a:rPr lang="en-US" sz="2200" dirty="0"/>
+              <a:t> and </a:t>
+            </a:r>
+            <a:r>
+              <a:rPr sz="2200" dirty="0"/>
+              <a:t>other scraping tools</a:t>
+            </a:r>
+            <a:r>
+              <a:rPr lang="en-US" sz="2200" dirty="0"/>
+              <a:t>, but wasn’t able to get data beyond</a:t>
+            </a:r>
+            <a:r>
+              <a:rPr sz="2200" dirty="0"/>
+              <a:t> the Yahoo quote data</a:t>
             </a:r>
           </a:p>
           <a:p>
@@ -5600,25 +6529,11 @@
               <a:buChar char="○"/>
               <a:defRPr sz="2000"/>
             </a:pPr>
-            <a:endParaRPr/>
-          </a:p>
-          <a:p>
-            <a:pPr marL="274320" indent="-274320">
-              <a:lnSpc>
-                <a:spcPct val="80000"/>
-              </a:lnSpc>
-              <a:spcBef>
-                <a:spcPts val="600"/>
-              </a:spcBef>
-              <a:buClr>
-                <a:schemeClr val="accent1"/>
-              </a:buClr>
-              <a:buSzPct val="70000"/>
-              <a:buFont typeface="Wingdings"/>
-              <a:buChar char="○"/>
-              <a:defRPr sz="2000"/>
-            </a:pPr>
-            <a:endParaRPr/>
+            <a:r>
+              <a:rPr lang="en-US" sz="2200" dirty="0"/>
+              <a:t>Difficulty developing unit tests for the plotting functions</a:t>
+            </a:r>
+            <a:endParaRPr sz="2200" dirty="0"/>
           </a:p>
         </p:txBody>
       </p:sp>
@@ -5725,7 +6640,9 @@
           </a:prstGeom>
         </p:spPr>
         <p:txBody>
-          <a:bodyPr/>
+          <a:bodyPr>
+            <a:normAutofit/>
+          </a:bodyPr>
           <a:lstStyle>
             <a:lvl1pPr>
               <a:defRPr sz="4400" b="1"/>
@@ -5733,8 +6650,10 @@
           </a:lstStyle>
           <a:p>
             <a:r>
-              <a:t>Background</a:t>
-            </a:r>
+              <a:rPr lang="en-US" dirty="0"/>
+              <a:t>Motivation</a:t>
+            </a:r>
+            <a:endParaRPr dirty="0"/>
           </a:p>
         </p:txBody>
       </p:sp>
@@ -5750,26 +6669,39 @@
         </p:nvSpPr>
         <p:spPr>
           <a:xfrm>
-            <a:off x="1103311" y="1853247"/>
-            <a:ext cx="8946543" cy="4395152"/>
+            <a:off x="829457" y="1468499"/>
+            <a:ext cx="9938478" cy="4395152"/>
           </a:xfrm>
           <a:prstGeom prst="rect">
             <a:avLst/>
           </a:prstGeom>
         </p:spPr>
         <p:txBody>
-          <a:bodyPr/>
+          <a:bodyPr>
+            <a:noAutofit/>
+          </a:bodyPr>
           <a:lstStyle/>
           <a:p>
             <a:pPr>
               <a:lnSpc>
                 <a:spcPct val="90000"/>
               </a:lnSpc>
+              <a:spcAft>
+                <a:spcPts val="600"/>
+              </a:spcAft>
               <a:defRPr sz="2200"/>
             </a:pPr>
             <a:r>
-              <a:rPr dirty="0"/>
-              <a:t>Every fiscal quarter, every public company releases their quarterly earnings to the public</a:t>
+              <a:rPr sz="2500" dirty="0"/>
+              <a:t>Every fiscal quarter, every public</a:t>
+            </a:r>
+            <a:r>
+              <a:rPr lang="en-US" sz="2500" dirty="0"/>
+              <a:t>ly traded</a:t>
+            </a:r>
+            <a:r>
+              <a:rPr sz="2500" dirty="0"/>
+              <a:t> company releases their quarterly earnings to the public</a:t>
             </a:r>
           </a:p>
           <a:p>
@@ -5777,18 +6709,21 @@
               <a:lnSpc>
                 <a:spcPct val="90000"/>
               </a:lnSpc>
+              <a:spcAft>
+                <a:spcPts val="600"/>
+              </a:spcAft>
               <a:defRPr sz="2200"/>
             </a:pPr>
             <a:r>
-              <a:rPr dirty="0"/>
+              <a:rPr sz="2500" dirty="0"/>
               <a:t>The</a:t>
             </a:r>
             <a:r>
-              <a:rPr lang="en-US" dirty="0"/>
+              <a:rPr lang="en-US" sz="2500" dirty="0"/>
               <a:t> earnings announcements are frequently</a:t>
             </a:r>
             <a:r>
-              <a:rPr dirty="0"/>
+              <a:rPr sz="2500" dirty="0"/>
               <a:t> significant events for a company’s share price</a:t>
             </a:r>
           </a:p>
@@ -5797,23 +6732,38 @@
               <a:lnSpc>
                 <a:spcPct val="90000"/>
               </a:lnSpc>
+              <a:spcAft>
+                <a:spcPts val="600"/>
+              </a:spcAft>
               <a:defRPr sz="2200"/>
             </a:pPr>
             <a:r>
-              <a:rPr dirty="0"/>
-              <a:t>Amateur investors are competing against complex algorithms and professional day traders who follow the market religiously, making gaining an edge in the market very difficult  </a:t>
-            </a:r>
+              <a:rPr sz="2500" dirty="0"/>
+              <a:t>Amateur</a:t>
+            </a:r>
+            <a:r>
+              <a:rPr lang="en-US" sz="2500" dirty="0"/>
+              <a:t> investors lack the resources of institutional investors</a:t>
+            </a:r>
+            <a:r>
+              <a:rPr sz="2500" dirty="0"/>
+              <a:t> </a:t>
+            </a:r>
+            <a:endParaRPr lang="en-US" sz="2500" dirty="0"/>
           </a:p>
           <a:p>
             <a:pPr>
               <a:lnSpc>
                 <a:spcPct val="90000"/>
               </a:lnSpc>
+              <a:spcAft>
+                <a:spcPts val="600"/>
+              </a:spcAft>
               <a:defRPr sz="2200"/>
             </a:pPr>
             <a:r>
-              <a:rPr dirty="0"/>
-              <a:t>If an investor can predict a company’s quarterly performance before the release of the earnings, the investor can invest accordingly and potentially realize significant returns</a:t>
+              <a:rPr lang="en-US" sz="2500" dirty="0"/>
+              <a:t>Predicting quarterly performance can help level the playing field</a:t>
             </a:r>
           </a:p>
           <a:p>
@@ -5821,45 +6771,44 @@
               <a:lnSpc>
                 <a:spcPct val="90000"/>
               </a:lnSpc>
+              <a:spcAft>
+                <a:spcPts val="600"/>
+              </a:spcAft>
               <a:defRPr sz="2200"/>
             </a:pPr>
             <a:r>
-              <a:rPr dirty="0"/>
+              <a:rPr sz="2500" dirty="0"/>
               <a:t>Google Search volume for </a:t>
             </a:r>
             <a:r>
-              <a:rPr lang="en-US" dirty="0"/>
+              <a:rPr lang="en-US" sz="2500" dirty="0"/>
               <a:t>company</a:t>
             </a:r>
             <a:r>
-              <a:rPr dirty="0"/>
+              <a:rPr sz="2500" dirty="0"/>
               <a:t> keywords </a:t>
             </a:r>
             <a:r>
-              <a:rPr lang="en-US" dirty="0"/>
+              <a:rPr lang="en-US" sz="2500" dirty="0"/>
               <a:t>may</a:t>
             </a:r>
             <a:r>
-              <a:rPr dirty="0"/>
+              <a:rPr sz="2500" dirty="0"/>
               <a:t> </a:t>
             </a:r>
             <a:r>
-              <a:rPr lang="en-US" dirty="0"/>
+              <a:rPr lang="en-US" sz="2500" dirty="0"/>
               <a:t>indicate whether</a:t>
             </a:r>
             <a:r>
-              <a:rPr dirty="0"/>
-              <a:t> a company is enjoying a better quarter than </a:t>
-            </a:r>
-            <a:r>
-              <a:rPr dirty="0" smtClean="0"/>
-              <a:t>usual</a:t>
-            </a:r>
-            <a:r>
-              <a:rPr lang="en-US" dirty="0" smtClean="0"/>
+              <a:rPr sz="2500" dirty="0"/>
+              <a:t> a company is enjoying a better quarter than usual</a:t>
+            </a:r>
+            <a:r>
+              <a:rPr lang="en-US" sz="2500" dirty="0"/>
               <a:t> and thus a good indicator on stock performance.</a:t>
             </a:r>
-            <a:endParaRPr dirty="0"/>
+            <a:endParaRPr sz="2500" dirty="0"/>
           </a:p>
         </p:txBody>
       </p:sp>
@@ -5891,1064 +6840,176 @@
       </p:grpSpPr>
       <p:sp>
         <p:nvSpPr>
-          <p:cNvPr id="192" name="Shape 192"/>
-          <p:cNvSpPr>
-            <a:spLocks noGrp="1"/>
-          </p:cNvSpPr>
-          <p:nvPr>
-            <p:ph type="title"/>
-          </p:nvPr>
-        </p:nvSpPr>
-        <p:spPr>
-          <a:prstGeom prst="rect">
-            <a:avLst/>
-          </a:prstGeom>
-        </p:spPr>
-        <p:txBody>
-          <a:bodyPr/>
-          <a:lstStyle>
-            <a:lvl1pPr>
-              <a:defRPr sz="4800" b="1"/>
-            </a:lvl1pPr>
-          </a:lstStyle>
-          <a:p>
-            <a:r>
-              <a:t>Design Process</a:t>
-            </a:r>
-          </a:p>
-        </p:txBody>
-      </p:sp>
-      <p:grpSp>
-        <p:nvGrpSpPr>
-          <p:cNvPr id="195" name="Group 195"/>
-          <p:cNvGrpSpPr/>
-          <p:nvPr/>
-        </p:nvGrpSpPr>
-        <p:grpSpPr>
-          <a:xfrm>
-            <a:off x="1397561" y="1539409"/>
-            <a:ext cx="1959032" cy="2075840"/>
-            <a:chOff x="0" y="0"/>
-            <a:chExt cx="1959031" cy="2075838"/>
-          </a:xfrm>
-        </p:grpSpPr>
-        <p:sp>
-          <p:nvSpPr>
-            <p:cNvPr id="193" name="Shape 193"/>
-            <p:cNvSpPr/>
-            <p:nvPr/>
-          </p:nvSpPr>
-          <p:spPr>
-            <a:xfrm>
-              <a:off x="0" y="-1"/>
-              <a:ext cx="1959032" cy="2075840"/>
-            </a:xfrm>
-            <a:prstGeom prst="ellipse">
-              <a:avLst/>
-            </a:prstGeom>
-            <a:solidFill>
-              <a:srgbClr val="EEEEEE"/>
-            </a:solidFill>
-            <a:ln w="28575" cap="flat">
-              <a:solidFill>
-                <a:schemeClr val="accent1"/>
-              </a:solidFill>
-              <a:prstDash val="solid"/>
-              <a:round/>
-            </a:ln>
-            <a:effectLst/>
-          </p:spPr>
-          <p:txBody>
-            <a:bodyPr wrap="square" lIns="45719" tIns="45719" rIns="45719" bIns="45719" numCol="1" anchor="ctr">
-              <a:noAutofit/>
-            </a:bodyPr>
-            <a:lstStyle/>
-            <a:p>
-              <a:pPr algn="ctr">
-                <a:defRPr sz="1000">
-                  <a:latin typeface="Roboto Condensed"/>
-                  <a:ea typeface="Roboto Condensed"/>
-                  <a:cs typeface="Roboto Condensed"/>
-                  <a:sym typeface="Roboto Condensed"/>
-                </a:defRPr>
-              </a:pPr>
-              <a:endParaRPr/>
-            </a:p>
-          </p:txBody>
-        </p:sp>
-        <p:sp>
-          <p:nvSpPr>
-            <p:cNvPr id="194" name="Shape 194"/>
-            <p:cNvSpPr/>
-            <p:nvPr/>
-          </p:nvSpPr>
-          <p:spPr>
-            <a:xfrm>
-              <a:off x="286893" y="648044"/>
-              <a:ext cx="1385246" cy="779751"/>
-            </a:xfrm>
-            <a:prstGeom prst="rect">
-              <a:avLst/>
-            </a:prstGeom>
-            <a:noFill/>
-            <a:ln w="12700" cap="flat">
-              <a:noFill/>
-              <a:miter lim="400000"/>
-            </a:ln>
-            <a:effectLst/>
-            <a:extLst>
-              <a:ext uri="{C572A759-6A51-4108-AA02-DFA0A04FC94B}">
-                <ma14:wrappingTextBoxFlag xmlns:ma14="http://schemas.microsoft.com/office/mac/drawingml/2011/main" xmlns="" val="1"/>
-              </a:ext>
-            </a:extLst>
-          </p:spPr>
-          <p:txBody>
-            <a:bodyPr wrap="square" lIns="91424" tIns="91424" rIns="91424" bIns="91424" numCol="1" anchor="ctr">
-              <a:spAutoFit/>
-            </a:bodyPr>
-            <a:lstStyle/>
-            <a:p>
-              <a:pPr algn="ctr">
-                <a:defRPr sz="1000" b="1">
-                  <a:solidFill>
-                    <a:schemeClr val="accent1"/>
-                  </a:solidFill>
-                  <a:latin typeface="Roboto Condensed"/>
-                  <a:ea typeface="Roboto Condensed"/>
-                  <a:cs typeface="Roboto Condensed"/>
-                  <a:sym typeface="Roboto Condensed"/>
-                </a:defRPr>
-              </a:pPr>
-              <a:r>
-                <a:t>PLAN</a:t>
-              </a:r>
-            </a:p>
-            <a:p>
-              <a:pPr algn="ctr">
-                <a:defRPr sz="900" b="1">
-                  <a:latin typeface="Roboto Condensed"/>
-                  <a:ea typeface="Roboto Condensed"/>
-                  <a:cs typeface="Roboto Condensed"/>
-                  <a:sym typeface="Roboto Condensed"/>
-                </a:defRPr>
-              </a:pPr>
-              <a:endParaRPr/>
-            </a:p>
-            <a:p>
-              <a:pPr algn="ctr">
-                <a:defRPr sz="1000">
-                  <a:latin typeface="Roboto Condensed"/>
-                  <a:ea typeface="Roboto Condensed"/>
-                  <a:cs typeface="Roboto Condensed"/>
-                  <a:sym typeface="Roboto Condensed"/>
-                </a:defRPr>
-              </a:pPr>
-              <a:r>
-                <a:t>Project Functional Specification</a:t>
-              </a:r>
-            </a:p>
-          </p:txBody>
-        </p:sp>
-      </p:grpSp>
-      <p:grpSp>
-        <p:nvGrpSpPr>
-          <p:cNvPr id="198" name="Group 198"/>
-          <p:cNvGrpSpPr/>
-          <p:nvPr/>
-        </p:nvGrpSpPr>
-        <p:grpSpPr>
-          <a:xfrm>
-            <a:off x="3973124" y="1739215"/>
-            <a:ext cx="1698927" cy="1685095"/>
-            <a:chOff x="0" y="0"/>
-            <a:chExt cx="1698925" cy="1685094"/>
-          </a:xfrm>
-        </p:grpSpPr>
-        <p:sp>
-          <p:nvSpPr>
-            <p:cNvPr id="196" name="Shape 196"/>
-            <p:cNvSpPr/>
-            <p:nvPr/>
-          </p:nvSpPr>
-          <p:spPr>
-            <a:xfrm>
-              <a:off x="0" y="-1"/>
-              <a:ext cx="1698926" cy="1685096"/>
-            </a:xfrm>
-            <a:prstGeom prst="ellipse">
-              <a:avLst/>
-            </a:prstGeom>
-            <a:solidFill>
-              <a:srgbClr val="EEEEEE"/>
-            </a:solidFill>
-            <a:ln w="28575" cap="flat">
-              <a:solidFill>
-                <a:schemeClr val="accent1"/>
-              </a:solidFill>
-              <a:prstDash val="solid"/>
-              <a:round/>
-            </a:ln>
-            <a:effectLst/>
-          </p:spPr>
-          <p:txBody>
-            <a:bodyPr wrap="square" lIns="45719" tIns="45719" rIns="45719" bIns="45719" numCol="1" anchor="ctr">
-              <a:noAutofit/>
-            </a:bodyPr>
-            <a:lstStyle/>
-            <a:p>
-              <a:pPr algn="ctr">
-                <a:defRPr sz="1000">
-                  <a:latin typeface="Roboto Condensed"/>
-                  <a:ea typeface="Roboto Condensed"/>
-                  <a:cs typeface="Roboto Condensed"/>
-                  <a:sym typeface="Roboto Condensed"/>
-                </a:defRPr>
-              </a:pPr>
-              <a:endParaRPr/>
-            </a:p>
-          </p:txBody>
-        </p:sp>
-        <p:sp>
-          <p:nvSpPr>
-            <p:cNvPr id="197" name="Shape 197"/>
-            <p:cNvSpPr/>
-            <p:nvPr/>
-          </p:nvSpPr>
-          <p:spPr>
-            <a:xfrm>
-              <a:off x="248801" y="528872"/>
-              <a:ext cx="1201323" cy="627351"/>
-            </a:xfrm>
-            <a:prstGeom prst="rect">
-              <a:avLst/>
-            </a:prstGeom>
-            <a:noFill/>
-            <a:ln w="12700" cap="flat">
-              <a:noFill/>
-              <a:miter lim="400000"/>
-            </a:ln>
-            <a:effectLst/>
-            <a:extLst>
-              <a:ext uri="{C572A759-6A51-4108-AA02-DFA0A04FC94B}">
-                <ma14:wrappingTextBoxFlag xmlns:ma14="http://schemas.microsoft.com/office/mac/drawingml/2011/main" xmlns="" val="1"/>
-              </a:ext>
-            </a:extLst>
-          </p:spPr>
-          <p:txBody>
-            <a:bodyPr wrap="square" lIns="91424" tIns="91424" rIns="91424" bIns="91424" numCol="1" anchor="ctr">
-              <a:spAutoFit/>
-            </a:bodyPr>
-            <a:lstStyle/>
-            <a:p>
-              <a:pPr algn="ctr">
-                <a:defRPr sz="1000" b="1">
-                  <a:solidFill>
-                    <a:schemeClr val="accent1"/>
-                  </a:solidFill>
-                  <a:latin typeface="Roboto Condensed"/>
-                  <a:ea typeface="Roboto Condensed"/>
-                  <a:cs typeface="Roboto Condensed"/>
-                  <a:sym typeface="Roboto Condensed"/>
-                </a:defRPr>
-              </a:pPr>
-              <a:r>
-                <a:t>INVESTIGATE</a:t>
-              </a:r>
-            </a:p>
-            <a:p>
-              <a:pPr algn="ctr">
-                <a:defRPr sz="900" b="1">
-                  <a:latin typeface="Roboto Condensed"/>
-                  <a:ea typeface="Roboto Condensed"/>
-                  <a:cs typeface="Roboto Condensed"/>
-                  <a:sym typeface="Roboto Condensed"/>
-                </a:defRPr>
-              </a:pPr>
-              <a:endParaRPr/>
-            </a:p>
-            <a:p>
-              <a:pPr algn="ctr">
-                <a:defRPr sz="1000">
-                  <a:latin typeface="Roboto Condensed"/>
-                  <a:ea typeface="Roboto Condensed"/>
-                  <a:cs typeface="Roboto Condensed"/>
-                  <a:sym typeface="Roboto Condensed"/>
-                </a:defRPr>
-              </a:pPr>
-              <a:r>
-                <a:t>Clean Dataset</a:t>
-              </a:r>
-            </a:p>
-          </p:txBody>
-        </p:sp>
-      </p:grpSp>
-      <p:grpSp>
-        <p:nvGrpSpPr>
-          <p:cNvPr id="201" name="Group 201"/>
-          <p:cNvGrpSpPr/>
-          <p:nvPr/>
-        </p:nvGrpSpPr>
-        <p:grpSpPr>
-          <a:xfrm>
-            <a:off x="6434044" y="1145547"/>
-            <a:ext cx="1845433" cy="1830409"/>
-            <a:chOff x="0" y="0"/>
-            <a:chExt cx="1845431" cy="1830408"/>
-          </a:xfrm>
-        </p:grpSpPr>
-        <p:sp>
-          <p:nvSpPr>
-            <p:cNvPr id="199" name="Shape 199"/>
-            <p:cNvSpPr/>
-            <p:nvPr/>
-          </p:nvSpPr>
-          <p:spPr>
-            <a:xfrm>
-              <a:off x="0" y="-1"/>
-              <a:ext cx="1845432" cy="1830410"/>
-            </a:xfrm>
-            <a:prstGeom prst="ellipse">
-              <a:avLst/>
-            </a:prstGeom>
-            <a:solidFill>
-              <a:srgbClr val="EEEEEE"/>
-            </a:solidFill>
-            <a:ln w="28575" cap="flat">
-              <a:solidFill>
-                <a:schemeClr val="accent1"/>
-              </a:solidFill>
-              <a:prstDash val="solid"/>
-              <a:round/>
-            </a:ln>
-            <a:effectLst/>
-          </p:spPr>
-          <p:txBody>
-            <a:bodyPr wrap="square" lIns="45719" tIns="45719" rIns="45719" bIns="45719" numCol="1" anchor="ctr">
-              <a:noAutofit/>
-            </a:bodyPr>
-            <a:lstStyle/>
-            <a:p>
-              <a:pPr algn="ctr">
-                <a:defRPr sz="1000">
-                  <a:latin typeface="Roboto Condensed"/>
-                  <a:ea typeface="Roboto Condensed"/>
-                  <a:cs typeface="Roboto Condensed"/>
-                  <a:sym typeface="Roboto Condensed"/>
-                </a:defRPr>
-              </a:pPr>
-              <a:endParaRPr/>
-            </a:p>
-          </p:txBody>
-        </p:sp>
-        <p:sp>
-          <p:nvSpPr>
-            <p:cNvPr id="200" name="Shape 200"/>
-            <p:cNvSpPr/>
-            <p:nvPr/>
-          </p:nvSpPr>
-          <p:spPr>
-            <a:xfrm>
-              <a:off x="270256" y="525328"/>
-              <a:ext cx="1304919" cy="779751"/>
-            </a:xfrm>
-            <a:prstGeom prst="rect">
-              <a:avLst/>
-            </a:prstGeom>
-            <a:noFill/>
-            <a:ln w="12700" cap="flat">
-              <a:noFill/>
-              <a:miter lim="400000"/>
-            </a:ln>
-            <a:effectLst/>
-            <a:extLst>
-              <a:ext uri="{C572A759-6A51-4108-AA02-DFA0A04FC94B}">
-                <ma14:wrappingTextBoxFlag xmlns:ma14="http://schemas.microsoft.com/office/mac/drawingml/2011/main" xmlns="" val="1"/>
-              </a:ext>
-            </a:extLst>
-          </p:spPr>
-          <p:txBody>
-            <a:bodyPr wrap="square" lIns="91424" tIns="91424" rIns="91424" bIns="91424" numCol="1" anchor="ctr">
-              <a:spAutoFit/>
-            </a:bodyPr>
-            <a:lstStyle/>
-            <a:p>
-              <a:pPr algn="ctr">
-                <a:defRPr sz="1000" b="1">
-                  <a:solidFill>
-                    <a:schemeClr val="accent1"/>
-                  </a:solidFill>
-                  <a:latin typeface="Roboto Condensed"/>
-                  <a:ea typeface="Roboto Condensed"/>
-                  <a:cs typeface="Roboto Condensed"/>
-                  <a:sym typeface="Roboto Condensed"/>
-                </a:defRPr>
-              </a:pPr>
-              <a:r>
-                <a:t>Requirements</a:t>
-              </a:r>
-            </a:p>
-            <a:p>
-              <a:pPr algn="ctr">
-                <a:defRPr sz="900" b="1">
-                  <a:latin typeface="Roboto Condensed"/>
-                  <a:ea typeface="Roboto Condensed"/>
-                  <a:cs typeface="Roboto Condensed"/>
-                  <a:sym typeface="Roboto Condensed"/>
-                </a:defRPr>
-              </a:pPr>
-              <a:endParaRPr/>
-            </a:p>
-            <a:p>
-              <a:pPr algn="ctr">
-                <a:defRPr sz="1000">
-                  <a:latin typeface="Roboto Condensed"/>
-                  <a:ea typeface="Roboto Condensed"/>
-                  <a:cs typeface="Roboto Condensed"/>
-                  <a:sym typeface="Roboto Condensed"/>
-                </a:defRPr>
-              </a:pPr>
-              <a:r>
-                <a:t>Personas</a:t>
-              </a:r>
-            </a:p>
-            <a:p>
-              <a:pPr algn="ctr">
-                <a:defRPr sz="1000">
-                  <a:latin typeface="Roboto Condensed"/>
-                  <a:ea typeface="Roboto Condensed"/>
-                  <a:cs typeface="Roboto Condensed"/>
-                  <a:sym typeface="Roboto Condensed"/>
-                </a:defRPr>
-              </a:pPr>
-              <a:r>
-                <a:t>Use Cases</a:t>
-              </a:r>
-            </a:p>
-          </p:txBody>
-        </p:sp>
-      </p:grpSp>
-      <p:grpSp>
-        <p:nvGrpSpPr>
-          <p:cNvPr id="204" name="Group 204"/>
-          <p:cNvGrpSpPr/>
-          <p:nvPr/>
-        </p:nvGrpSpPr>
-        <p:grpSpPr>
-          <a:xfrm>
-            <a:off x="5186000" y="3872662"/>
-            <a:ext cx="2245579" cy="2227299"/>
-            <a:chOff x="0" y="0"/>
-            <a:chExt cx="2245578" cy="2227297"/>
-          </a:xfrm>
-        </p:grpSpPr>
-        <p:sp>
-          <p:nvSpPr>
-            <p:cNvPr id="202" name="Shape 202"/>
-            <p:cNvSpPr/>
-            <p:nvPr/>
-          </p:nvSpPr>
-          <p:spPr>
-            <a:xfrm>
-              <a:off x="-1" y="0"/>
-              <a:ext cx="2245580" cy="2227298"/>
-            </a:xfrm>
-            <a:prstGeom prst="ellipse">
-              <a:avLst/>
-            </a:prstGeom>
-            <a:solidFill>
-              <a:srgbClr val="EEEEEE"/>
-            </a:solidFill>
-            <a:ln w="28575" cap="flat">
-              <a:solidFill>
-                <a:schemeClr val="accent1"/>
-              </a:solidFill>
-              <a:prstDash val="solid"/>
-              <a:round/>
-            </a:ln>
-            <a:effectLst/>
-          </p:spPr>
-          <p:txBody>
-            <a:bodyPr wrap="square" lIns="45719" tIns="45719" rIns="45719" bIns="45719" numCol="1" anchor="ctr">
-              <a:noAutofit/>
-            </a:bodyPr>
-            <a:lstStyle/>
-            <a:p>
-              <a:pPr algn="ctr">
-                <a:defRPr sz="1000">
-                  <a:latin typeface="Roboto Condensed"/>
-                  <a:ea typeface="Roboto Condensed"/>
-                  <a:cs typeface="Roboto Condensed"/>
-                  <a:sym typeface="Roboto Condensed"/>
-                </a:defRPr>
-              </a:pPr>
-              <a:endParaRPr/>
-            </a:p>
-          </p:txBody>
-        </p:sp>
-        <p:sp>
-          <p:nvSpPr>
-            <p:cNvPr id="203" name="Shape 203"/>
-            <p:cNvSpPr/>
-            <p:nvPr/>
-          </p:nvSpPr>
-          <p:spPr>
-            <a:xfrm>
-              <a:off x="328856" y="723773"/>
-              <a:ext cx="1587866" cy="779751"/>
-            </a:xfrm>
-            <a:prstGeom prst="rect">
-              <a:avLst/>
-            </a:prstGeom>
-            <a:noFill/>
-            <a:ln w="12700" cap="flat">
-              <a:noFill/>
-              <a:miter lim="400000"/>
-            </a:ln>
-            <a:effectLst/>
-            <a:extLst>
-              <a:ext uri="{C572A759-6A51-4108-AA02-DFA0A04FC94B}">
-                <ma14:wrappingTextBoxFlag xmlns:ma14="http://schemas.microsoft.com/office/mac/drawingml/2011/main" xmlns="" val="1"/>
-              </a:ext>
-            </a:extLst>
-          </p:spPr>
-          <p:txBody>
-            <a:bodyPr wrap="square" lIns="91424" tIns="91424" rIns="91424" bIns="91424" numCol="1" anchor="ctr">
-              <a:spAutoFit/>
-            </a:bodyPr>
-            <a:lstStyle/>
-            <a:p>
-              <a:pPr algn="ctr">
-                <a:defRPr sz="1000" b="1">
-                  <a:solidFill>
-                    <a:schemeClr val="accent1"/>
-                  </a:solidFill>
-                  <a:latin typeface="Roboto Condensed"/>
-                  <a:ea typeface="Roboto Condensed"/>
-                  <a:cs typeface="Roboto Condensed"/>
-                  <a:sym typeface="Roboto Condensed"/>
-                </a:defRPr>
-              </a:pPr>
-              <a:r>
-                <a:t>Prototype</a:t>
-              </a:r>
-            </a:p>
-            <a:p>
-              <a:pPr algn="ctr">
-                <a:defRPr sz="900" b="1">
-                  <a:latin typeface="Roboto Condensed"/>
-                  <a:ea typeface="Roboto Condensed"/>
-                  <a:cs typeface="Roboto Condensed"/>
-                  <a:sym typeface="Roboto Condensed"/>
-                </a:defRPr>
-              </a:pPr>
-              <a:endParaRPr/>
-            </a:p>
-            <a:p>
-              <a:pPr algn="ctr">
-                <a:defRPr sz="1000">
-                  <a:latin typeface="Roboto Condensed"/>
-                  <a:ea typeface="Roboto Condensed"/>
-                  <a:cs typeface="Roboto Condensed"/>
-                  <a:sym typeface="Roboto Condensed"/>
-                </a:defRPr>
-              </a:pPr>
-              <a:r>
-                <a:t>Interface</a:t>
-              </a:r>
-            </a:p>
-            <a:p>
-              <a:pPr algn="ctr">
-                <a:defRPr sz="1000">
-                  <a:latin typeface="Roboto Condensed"/>
-                  <a:ea typeface="Roboto Condensed"/>
-                  <a:cs typeface="Roboto Condensed"/>
-                  <a:sym typeface="Roboto Condensed"/>
-                </a:defRPr>
-              </a:pPr>
-              <a:r>
-                <a:t>User Testing</a:t>
-              </a:r>
-            </a:p>
-          </p:txBody>
-        </p:sp>
-      </p:grpSp>
-      <p:grpSp>
-        <p:nvGrpSpPr>
-          <p:cNvPr id="207" name="Group 207"/>
-          <p:cNvGrpSpPr/>
-          <p:nvPr/>
-        </p:nvGrpSpPr>
-        <p:grpSpPr>
-          <a:xfrm>
-            <a:off x="1992280" y="4199630"/>
-            <a:ext cx="1571109" cy="1558319"/>
-            <a:chOff x="0" y="0"/>
-            <a:chExt cx="1571107" cy="1558318"/>
-          </a:xfrm>
-        </p:grpSpPr>
-        <p:sp>
-          <p:nvSpPr>
-            <p:cNvPr id="205" name="Shape 205"/>
-            <p:cNvSpPr/>
-            <p:nvPr/>
-          </p:nvSpPr>
-          <p:spPr>
-            <a:xfrm>
-              <a:off x="0" y="-1"/>
-              <a:ext cx="1571108" cy="1558320"/>
-            </a:xfrm>
-            <a:prstGeom prst="ellipse">
-              <a:avLst/>
-            </a:prstGeom>
-            <a:solidFill>
-              <a:srgbClr val="EEEEEE"/>
-            </a:solidFill>
-            <a:ln w="28575" cap="flat">
-              <a:solidFill>
-                <a:schemeClr val="accent1"/>
-              </a:solidFill>
-              <a:prstDash val="solid"/>
-              <a:round/>
-            </a:ln>
-            <a:effectLst/>
-          </p:spPr>
-          <p:txBody>
-            <a:bodyPr wrap="square" lIns="45719" tIns="45719" rIns="45719" bIns="45719" numCol="1" anchor="ctr">
-              <a:noAutofit/>
-            </a:bodyPr>
-            <a:lstStyle/>
-            <a:p>
-              <a:pPr algn="ctr">
-                <a:defRPr sz="1000">
-                  <a:latin typeface="Roboto Condensed"/>
-                  <a:ea typeface="Roboto Condensed"/>
-                  <a:cs typeface="Roboto Condensed"/>
-                  <a:sym typeface="Roboto Condensed"/>
-                </a:defRPr>
-              </a:pPr>
-              <a:endParaRPr/>
-            </a:p>
-          </p:txBody>
-        </p:sp>
-        <p:sp>
-          <p:nvSpPr>
-            <p:cNvPr id="206" name="Shape 206"/>
-            <p:cNvSpPr/>
-            <p:nvPr/>
-          </p:nvSpPr>
-          <p:spPr>
-            <a:xfrm>
-              <a:off x="230083" y="313083"/>
-              <a:ext cx="1110942" cy="932151"/>
-            </a:xfrm>
-            <a:prstGeom prst="rect">
-              <a:avLst/>
-            </a:prstGeom>
-            <a:noFill/>
-            <a:ln w="12700" cap="flat">
-              <a:noFill/>
-              <a:miter lim="400000"/>
-            </a:ln>
-            <a:effectLst/>
-            <a:extLst>
-              <a:ext uri="{C572A759-6A51-4108-AA02-DFA0A04FC94B}">
-                <ma14:wrappingTextBoxFlag xmlns:ma14="http://schemas.microsoft.com/office/mac/drawingml/2011/main" xmlns="" val="1"/>
-              </a:ext>
-            </a:extLst>
-          </p:spPr>
-          <p:txBody>
-            <a:bodyPr wrap="square" lIns="91424" tIns="91424" rIns="91424" bIns="91424" numCol="1" anchor="ctr">
-              <a:spAutoFit/>
-            </a:bodyPr>
-            <a:lstStyle/>
-            <a:p>
-              <a:pPr algn="ctr">
-                <a:defRPr sz="1000" b="1">
-                  <a:solidFill>
-                    <a:schemeClr val="accent1"/>
-                  </a:solidFill>
-                  <a:latin typeface="Roboto Condensed"/>
-                  <a:ea typeface="Roboto Condensed"/>
-                  <a:cs typeface="Roboto Condensed"/>
-                  <a:sym typeface="Roboto Condensed"/>
-                </a:defRPr>
-              </a:pPr>
-              <a:r>
-                <a:t>EVALUATE</a:t>
-              </a:r>
-            </a:p>
-            <a:p>
-              <a:pPr algn="ctr">
-                <a:defRPr sz="900" b="1">
-                  <a:latin typeface="Roboto Condensed"/>
-                  <a:ea typeface="Roboto Condensed"/>
-                  <a:cs typeface="Roboto Condensed"/>
-                  <a:sym typeface="Roboto Condensed"/>
-                </a:defRPr>
-              </a:pPr>
-              <a:endParaRPr/>
-            </a:p>
-            <a:p>
-              <a:pPr algn="ctr">
-                <a:defRPr sz="1000">
-                  <a:latin typeface="Roboto Condensed"/>
-                  <a:ea typeface="Roboto Condensed"/>
-                  <a:cs typeface="Roboto Condensed"/>
-                  <a:sym typeface="Roboto Condensed"/>
-                </a:defRPr>
-              </a:pPr>
-              <a:r>
-                <a:t>Review Feedback</a:t>
-              </a:r>
-            </a:p>
-            <a:p>
-              <a:pPr algn="ctr">
-                <a:defRPr sz="1000">
-                  <a:latin typeface="Roboto Condensed"/>
-                  <a:ea typeface="Roboto Condensed"/>
-                  <a:cs typeface="Roboto Condensed"/>
-                  <a:sym typeface="Roboto Condensed"/>
-                </a:defRPr>
-              </a:pPr>
-              <a:r>
-                <a:t>Lesson Learned</a:t>
-              </a:r>
-            </a:p>
-          </p:txBody>
-        </p:sp>
-      </p:grpSp>
-      <p:grpSp>
-        <p:nvGrpSpPr>
-          <p:cNvPr id="210" name="Group 210"/>
-          <p:cNvGrpSpPr/>
-          <p:nvPr/>
-        </p:nvGrpSpPr>
-        <p:grpSpPr>
-          <a:xfrm>
-            <a:off x="8904833" y="2975954"/>
-            <a:ext cx="2443328" cy="2514356"/>
-            <a:chOff x="0" y="0"/>
-            <a:chExt cx="2443326" cy="2514354"/>
-          </a:xfrm>
-        </p:grpSpPr>
-        <p:sp>
-          <p:nvSpPr>
-            <p:cNvPr id="208" name="Shape 208"/>
-            <p:cNvSpPr/>
-            <p:nvPr/>
-          </p:nvSpPr>
-          <p:spPr>
-            <a:xfrm>
-              <a:off x="-1" y="-1"/>
-              <a:ext cx="2443328" cy="2514356"/>
-            </a:xfrm>
-            <a:prstGeom prst="ellipse">
-              <a:avLst/>
-            </a:prstGeom>
-            <a:solidFill>
-              <a:srgbClr val="EEEEEE"/>
-            </a:solidFill>
-            <a:ln w="28575" cap="flat">
-              <a:solidFill>
-                <a:schemeClr val="accent1"/>
-              </a:solidFill>
-              <a:prstDash val="solid"/>
-              <a:round/>
-            </a:ln>
-            <a:effectLst/>
-          </p:spPr>
-          <p:txBody>
-            <a:bodyPr wrap="square" lIns="45719" tIns="45719" rIns="45719" bIns="45719" numCol="1" anchor="ctr">
-              <a:noAutofit/>
-            </a:bodyPr>
-            <a:lstStyle/>
-            <a:p>
-              <a:pPr algn="ctr">
-                <a:defRPr sz="1000">
-                  <a:latin typeface="Roboto Condensed"/>
-                  <a:ea typeface="Roboto Condensed"/>
-                  <a:cs typeface="Roboto Condensed"/>
-                  <a:sym typeface="Roboto Condensed"/>
-                </a:defRPr>
-              </a:pPr>
-              <a:endParaRPr/>
-            </a:p>
-          </p:txBody>
-        </p:sp>
-        <p:sp>
-          <p:nvSpPr>
-            <p:cNvPr id="209" name="Shape 209"/>
-            <p:cNvSpPr/>
-            <p:nvPr/>
-          </p:nvSpPr>
-          <p:spPr>
-            <a:xfrm>
-              <a:off x="357816" y="943501"/>
-              <a:ext cx="1727694" cy="627351"/>
-            </a:xfrm>
-            <a:prstGeom prst="rect">
-              <a:avLst/>
-            </a:prstGeom>
-            <a:noFill/>
-            <a:ln w="12700" cap="flat">
-              <a:noFill/>
-              <a:miter lim="400000"/>
-            </a:ln>
-            <a:effectLst/>
-            <a:extLst>
-              <a:ext uri="{C572A759-6A51-4108-AA02-DFA0A04FC94B}">
-                <ma14:wrappingTextBoxFlag xmlns:ma14="http://schemas.microsoft.com/office/mac/drawingml/2011/main" xmlns="" val="1"/>
-              </a:ext>
-            </a:extLst>
-          </p:spPr>
-          <p:txBody>
-            <a:bodyPr wrap="square" lIns="91424" tIns="91424" rIns="91424" bIns="91424" numCol="1" anchor="ctr">
-              <a:spAutoFit/>
-            </a:bodyPr>
-            <a:lstStyle/>
-            <a:p>
-              <a:pPr algn="ctr">
-                <a:defRPr sz="1000" b="1">
-                  <a:solidFill>
-                    <a:schemeClr val="accent1"/>
-                  </a:solidFill>
-                  <a:latin typeface="Roboto Condensed"/>
-                  <a:ea typeface="Roboto Condensed"/>
-                  <a:cs typeface="Roboto Condensed"/>
-                  <a:sym typeface="Roboto Condensed"/>
-                </a:defRPr>
-              </a:pPr>
-              <a:r>
-                <a:t>IDEATE</a:t>
-              </a:r>
-            </a:p>
-            <a:p>
-              <a:pPr algn="ctr">
-                <a:defRPr sz="900" b="1">
-                  <a:latin typeface="Roboto Condensed"/>
-                  <a:ea typeface="Roboto Condensed"/>
-                  <a:cs typeface="Roboto Condensed"/>
-                  <a:sym typeface="Roboto Condensed"/>
-                </a:defRPr>
-              </a:pPr>
-              <a:endParaRPr/>
-            </a:p>
-            <a:p>
-              <a:pPr algn="ctr">
-                <a:defRPr sz="1000">
-                  <a:latin typeface="Roboto Condensed"/>
-                  <a:ea typeface="Roboto Condensed"/>
-                  <a:cs typeface="Roboto Condensed"/>
-                  <a:sym typeface="Roboto Condensed"/>
-                </a:defRPr>
-              </a:pPr>
-              <a:r>
-                <a:t>Design</a:t>
-              </a:r>
-            </a:p>
-          </p:txBody>
-        </p:sp>
-      </p:grpSp>
-      <p:sp>
-        <p:nvSpPr>
-          <p:cNvPr id="211" name="Shape 211"/>
+          <p:cNvPr id="23" name="Shape 179"/>
           <p:cNvSpPr/>
           <p:nvPr/>
         </p:nvSpPr>
         <p:spPr>
           <a:xfrm>
-            <a:off x="3405096" y="2420985"/>
-            <a:ext cx="695846" cy="111507"/>
-          </a:xfrm>
-          <a:prstGeom prst="line">
-            <a:avLst/>
-          </a:prstGeom>
-          <a:ln w="19050">
-            <a:solidFill>
-              <a:srgbClr val="000000"/>
-            </a:solidFill>
-            <a:tailEnd type="triangle"/>
+            <a:off x="7673687" y="1610096"/>
+            <a:ext cx="1759628" cy="1226296"/>
+          </a:xfrm>
+          <a:prstGeom prst="roundRect">
+            <a:avLst>
+              <a:gd name="adj" fmla="val 7500"/>
+            </a:avLst>
+          </a:prstGeom>
+          <a:gradFill flip="none" rotWithShape="1">
+            <a:gsLst>
+              <a:gs pos="0">
+                <a:srgbClr val="FA6300"/>
+              </a:gs>
+              <a:gs pos="30000">
+                <a:srgbClr val="F16000"/>
+              </a:gs>
+              <a:gs pos="75000">
+                <a:srgbClr val="B34700"/>
+              </a:gs>
+              <a:gs pos="100000">
+                <a:srgbClr val="823400"/>
+              </a:gs>
+            </a:gsLst>
+            <a:path path="circle">
+              <a:fillToRect l="-19636" t="62278" r="119636" b="37721"/>
+            </a:path>
+          </a:gradFill>
+          <a:ln w="12700" cap="flat">
+            <a:noFill/>
+            <a:miter lim="400000"/>
           </a:ln>
-        </p:spPr>
-        <p:txBody>
-          <a:bodyPr lIns="45719" rIns="45719"/>
+          <a:effectLst>
+            <a:outerShdw blurRad="50800" dist="20000" dir="5400000" rotWithShape="0">
+              <a:srgbClr val="000000">
+                <a:alpha val="42000"/>
+              </a:srgbClr>
+            </a:outerShdw>
+          </a:effectLst>
+        </p:spPr>
+        <p:txBody>
+          <a:bodyPr wrap="square" lIns="45719" tIns="45719" rIns="45719" bIns="45719" numCol="1" anchor="t">
+            <a:noAutofit/>
+          </a:bodyPr>
           <a:lstStyle/>
           <a:p>
+            <a:pPr>
+              <a:defRPr sz="1600">
+                <a:solidFill>
+                  <a:srgbClr val="FFFFFF"/>
+                </a:solidFill>
+              </a:defRPr>
+            </a:pPr>
             <a:endParaRPr/>
           </a:p>
         </p:txBody>
       </p:sp>
       <p:sp>
         <p:nvSpPr>
-          <p:cNvPr id="212" name="Shape 212"/>
+          <p:cNvPr id="22" name="Shape 186"/>
           <p:cNvSpPr/>
           <p:nvPr/>
         </p:nvSpPr>
         <p:spPr>
-          <a:xfrm flipV="1">
-            <a:off x="5669274" y="2060750"/>
-            <a:ext cx="764770" cy="516579"/>
-          </a:xfrm>
-          <a:prstGeom prst="line">
-            <a:avLst/>
-          </a:prstGeom>
-          <a:ln w="19050">
-            <a:solidFill>
-              <a:srgbClr val="000000"/>
-            </a:solidFill>
-            <a:tailEnd type="triangle"/>
+          <a:xfrm>
+            <a:off x="6092749" y="1962392"/>
+            <a:ext cx="1702867" cy="541691"/>
+          </a:xfrm>
+          <a:prstGeom prst="rightArrow">
+            <a:avLst>
+              <a:gd name="adj1" fmla="val 64000"/>
+              <a:gd name="adj2" fmla="val 50000"/>
+            </a:avLst>
+          </a:prstGeom>
+          <a:solidFill>
+            <a:srgbClr val="3399FF">
+              <a:alpha val="27843"/>
+            </a:srgbClr>
+          </a:solidFill>
+          <a:ln w="12700" cap="flat">
+            <a:noFill/>
+            <a:miter lim="400000"/>
           </a:ln>
-        </p:spPr>
-        <p:txBody>
-          <a:bodyPr lIns="45719" rIns="45719"/>
+          <a:effectLst>
+            <a:outerShdw blurRad="50800" dist="20000" dir="5400000" rotWithShape="0">
+              <a:srgbClr val="000000">
+                <a:alpha val="42000"/>
+              </a:srgbClr>
+            </a:outerShdw>
+          </a:effectLst>
+        </p:spPr>
+        <p:txBody>
+          <a:bodyPr wrap="square" lIns="45719" tIns="45719" rIns="45719" bIns="45719" numCol="1" anchor="ctr">
+            <a:noAutofit/>
+          </a:bodyPr>
           <a:lstStyle/>
           <a:p>
-            <a:endParaRPr/>
-          </a:p>
-        </p:txBody>
-      </p:sp>
-      <p:sp>
-        <p:nvSpPr>
-          <p:cNvPr id="213" name="Shape 213"/>
+            <a:endParaRPr dirty="0"/>
+          </a:p>
+        </p:txBody>
+      </p:sp>
+      <p:sp>
+        <p:nvSpPr>
+          <p:cNvPr id="19" name="Shape 179"/>
           <p:cNvSpPr/>
           <p:nvPr/>
         </p:nvSpPr>
         <p:spPr>
           <a:xfrm>
-            <a:off x="8327977" y="2254112"/>
-            <a:ext cx="934674" cy="1090062"/>
-          </a:xfrm>
-          <a:prstGeom prst="line">
-            <a:avLst/>
-          </a:prstGeom>
-          <a:ln w="19050">
-            <a:solidFill>
-              <a:srgbClr val="000000"/>
-            </a:solidFill>
-            <a:tailEnd type="triangle"/>
+            <a:off x="4325833" y="1596566"/>
+            <a:ext cx="1759628" cy="1226296"/>
+          </a:xfrm>
+          <a:prstGeom prst="roundRect">
+            <a:avLst>
+              <a:gd name="adj" fmla="val 7500"/>
+            </a:avLst>
+          </a:prstGeom>
+          <a:gradFill flip="none" rotWithShape="1">
+            <a:gsLst>
+              <a:gs pos="0">
+                <a:srgbClr val="FA6300"/>
+              </a:gs>
+              <a:gs pos="30000">
+                <a:srgbClr val="F16000"/>
+              </a:gs>
+              <a:gs pos="75000">
+                <a:srgbClr val="B34700"/>
+              </a:gs>
+              <a:gs pos="100000">
+                <a:srgbClr val="823400"/>
+              </a:gs>
+            </a:gsLst>
+            <a:path path="circle">
+              <a:fillToRect l="-19636" t="62278" r="119636" b="37721"/>
+            </a:path>
+          </a:gradFill>
+          <a:ln w="12700" cap="flat">
+            <a:noFill/>
+            <a:miter lim="400000"/>
           </a:ln>
-        </p:spPr>
-        <p:txBody>
-          <a:bodyPr lIns="45719" rIns="45719"/>
+          <a:effectLst>
+            <a:outerShdw blurRad="50800" dist="20000" dir="5400000" rotWithShape="0">
+              <a:srgbClr val="000000">
+                <a:alpha val="42000"/>
+              </a:srgbClr>
+            </a:outerShdw>
+          </a:effectLst>
+        </p:spPr>
+        <p:txBody>
+          <a:bodyPr wrap="square" lIns="45719" tIns="45719" rIns="45719" bIns="45719" numCol="1" anchor="t">
+            <a:noAutofit/>
+          </a:bodyPr>
           <a:lstStyle/>
           <a:p>
+            <a:pPr>
+              <a:defRPr sz="1600">
+                <a:solidFill>
+                  <a:srgbClr val="FFFFFF"/>
+                </a:solidFill>
+              </a:defRPr>
+            </a:pPr>
             <a:endParaRPr/>
           </a:p>
         </p:txBody>
       </p:sp>
-      <p:sp>
-        <p:nvSpPr>
-          <p:cNvPr id="214" name="Shape 214"/>
-          <p:cNvSpPr/>
-          <p:nvPr/>
-        </p:nvSpPr>
-        <p:spPr>
-          <a:xfrm flipH="1">
-            <a:off x="7431578" y="4233131"/>
-            <a:ext cx="1473257" cy="600614"/>
-          </a:xfrm>
-          <a:prstGeom prst="line">
-            <a:avLst/>
-          </a:prstGeom>
-          <a:ln w="19050">
-            <a:solidFill>
-              <a:srgbClr val="000000"/>
-            </a:solidFill>
-            <a:tailEnd type="triangle"/>
-          </a:ln>
-        </p:spPr>
-        <p:txBody>
-          <a:bodyPr lIns="45719" rIns="45719"/>
-          <a:lstStyle/>
-          <a:p>
-            <a:endParaRPr/>
-          </a:p>
-        </p:txBody>
-      </p:sp>
-      <p:sp>
-        <p:nvSpPr>
-          <p:cNvPr id="215" name="Shape 215"/>
-          <p:cNvSpPr/>
-          <p:nvPr/>
-        </p:nvSpPr>
-        <p:spPr>
-          <a:xfrm flipV="1">
-            <a:off x="6623873" y="2987187"/>
-            <a:ext cx="395086" cy="855361"/>
-          </a:xfrm>
-          <a:prstGeom prst="line">
-            <a:avLst/>
-          </a:prstGeom>
-          <a:ln w="19050">
-            <a:solidFill>
-              <a:srgbClr val="000000"/>
-            </a:solidFill>
-            <a:tailEnd type="triangle"/>
-          </a:ln>
-        </p:spPr>
-        <p:txBody>
-          <a:bodyPr lIns="45719" rIns="45719"/>
-          <a:lstStyle/>
-          <a:p>
-            <a:endParaRPr/>
-          </a:p>
-        </p:txBody>
-      </p:sp>
-      <p:sp>
-        <p:nvSpPr>
-          <p:cNvPr id="216" name="Shape 216"/>
-          <p:cNvSpPr/>
-          <p:nvPr/>
-        </p:nvSpPr>
-        <p:spPr>
-          <a:xfrm flipH="1" flipV="1">
-            <a:off x="3563389" y="4876011"/>
-            <a:ext cx="1622612" cy="110301"/>
-          </a:xfrm>
-          <a:prstGeom prst="line">
-            <a:avLst/>
-          </a:prstGeom>
-          <a:ln w="19050">
-            <a:solidFill>
-              <a:srgbClr val="000000"/>
-            </a:solidFill>
-            <a:tailEnd type="triangle"/>
-          </a:ln>
-        </p:spPr>
-        <p:txBody>
-          <a:bodyPr lIns="45719" rIns="45719"/>
-          <a:lstStyle/>
-          <a:p>
-            <a:endParaRPr/>
-          </a:p>
-        </p:txBody>
-      </p:sp>
-    </p:spTree>
-  </p:cSld>
-  <p:clrMapOvr>
-    <a:masterClrMapping/>
-  </p:clrMapOvr>
-  <p:transition spd="med"/>
-</p:sld>
-</file>
-
-<file path=ppt/slides/slide4.xml><?xml version="1.0" encoding="utf-8"?>
-<p:sld xmlns:a="http://schemas.openxmlformats.org/drawingml/2006/main" xmlns:r="http://schemas.openxmlformats.org/officeDocument/2006/relationships" xmlns:p="http://schemas.openxmlformats.org/presentationml/2006/main">
-  <p:cSld>
-    <p:spTree>
-      <p:nvGrpSpPr>
-        <p:cNvPr id="1" name=""/>
-        <p:cNvGrpSpPr/>
-        <p:nvPr/>
-      </p:nvGrpSpPr>
-      <p:grpSpPr>
-        <a:xfrm>
-          <a:off x="0" y="0"/>
-          <a:ext cx="0" cy="0"/>
-          <a:chOff x="0" y="0"/>
-          <a:chExt cx="0" cy="0"/>
-        </a:xfrm>
-      </p:grpSpPr>
       <p:sp>
         <p:nvSpPr>
           <p:cNvPr id="177" name="Shape 177"/>
@@ -6977,6 +7038,7 @@
           </a:lstStyle>
           <a:p>
             <a:r>
+              <a:rPr dirty="0"/>
               <a:t>Use Case</a:t>
             </a:r>
           </a:p>
@@ -6994,8 +7056,8 @@
         </p:nvSpPr>
         <p:spPr>
           <a:xfrm>
-            <a:off x="621476" y="3238994"/>
-            <a:ext cx="9956800" cy="4873754"/>
+            <a:off x="789293" y="3015122"/>
+            <a:ext cx="9956800" cy="3320397"/>
           </a:xfrm>
           <a:prstGeom prst="rect">
             <a:avLst/>
@@ -7008,55 +7070,40 @@
           <a:lstStyle/>
           <a:p>
             <a:r>
-              <a:rPr dirty="0"/>
+              <a:rPr sz="2600" dirty="0"/>
               <a:t>An amateur investor </a:t>
             </a:r>
             <a:r>
-              <a:rPr lang="en-US" dirty="0" smtClean="0"/>
+              <a:rPr lang="en-US" sz="2600" dirty="0"/>
               <a:t>can know after selecting a company:</a:t>
             </a:r>
           </a:p>
           <a:p>
             <a:pPr lvl="1"/>
             <a:r>
-              <a:rPr lang="en-US" dirty="0" smtClean="0"/>
-              <a:t> </a:t>
-            </a:r>
-            <a:r>
-              <a:rPr lang="en-US" dirty="0"/>
-              <a:t>Expected date of </a:t>
-            </a:r>
-            <a:r>
-              <a:rPr lang="en-US" dirty="0" smtClean="0"/>
-              <a:t>next Earnings Report.</a:t>
+              <a:rPr lang="en-US" sz="2600" dirty="0"/>
+              <a:t>the expected date of next Earnings Report;</a:t>
             </a:r>
           </a:p>
           <a:p>
             <a:pPr lvl="1"/>
             <a:r>
-              <a:rPr lang="en-US" dirty="0" smtClean="0"/>
-              <a:t> Prediction of Stock Price Change after Earning Report released.</a:t>
+              <a:rPr lang="en-US" sz="2600" dirty="0"/>
+              <a:t>the predicted probability of Stock Price Change after Earnings Report is released; and</a:t>
             </a:r>
           </a:p>
           <a:p>
             <a:pPr lvl="1"/>
             <a:r>
-              <a:rPr lang="en-US" dirty="0" smtClean="0"/>
-              <a:t>Historical Data Plot for daily stock price and Keywords search count index regarding the company on Google</a:t>
-            </a:r>
-          </a:p>
-          <a:p>
-            <a:pPr lvl="1"/>
-            <a:endParaRPr lang="en-US" dirty="0" smtClean="0"/>
-          </a:p>
-          <a:p>
-            <a:r>
-              <a:rPr dirty="0" smtClean="0"/>
-              <a:t>Note</a:t>
-            </a:r>
-            <a:r>
-              <a:rPr dirty="0"/>
-              <a:t>: No prediction of the stock price itself</a:t>
+              <a:rPr lang="en-US" sz="2600" dirty="0"/>
+              <a:t>the visualization of the correlation between relevant Google keyword searches and the daily stock price</a:t>
+            </a:r>
+            <a:endParaRPr lang="en-US" sz="1000" dirty="0"/>
+          </a:p>
+          <a:p>
+            <a:r>
+              <a:rPr sz="2600" dirty="0"/>
+              <a:t>No prediction of the stock price itself</a:t>
             </a:r>
           </a:p>
         </p:txBody>
@@ -7069,10 +7116,10 @@
         </p:nvGrpSpPr>
         <p:grpSpPr>
           <a:xfrm>
-            <a:off x="1603168" y="1598078"/>
-            <a:ext cx="7449935" cy="2390318"/>
-            <a:chOff x="0" y="0"/>
-            <a:chExt cx="6535500" cy="2390317"/>
+            <a:off x="1048531" y="1579428"/>
+            <a:ext cx="8496737" cy="1226296"/>
+            <a:chOff x="-1" y="-31207"/>
+            <a:chExt cx="7453814" cy="1226295"/>
           </a:xfrm>
         </p:grpSpPr>
         <p:grpSp>
@@ -7083,10 +7130,10 @@
           </p:nvGrpSpPr>
           <p:grpSpPr>
             <a:xfrm>
-              <a:off x="-1" y="39287"/>
-              <a:ext cx="1684409" cy="2351031"/>
-              <a:chOff x="0" y="0"/>
-              <a:chExt cx="1684407" cy="2351029"/>
+              <a:off x="-1" y="-31207"/>
+              <a:ext cx="1543644" cy="1226295"/>
+              <a:chOff x="0" y="-70494"/>
+              <a:chExt cx="1543642" cy="1226294"/>
             </a:xfrm>
           </p:grpSpPr>
           <p:sp>
@@ -7097,8 +7144,8 @@
             </p:nvSpPr>
             <p:spPr>
               <a:xfrm>
-                <a:off x="0" y="0"/>
-                <a:ext cx="1684408" cy="1263305"/>
+                <a:off x="0" y="-70494"/>
+                <a:ext cx="1543642" cy="1226294"/>
               </a:xfrm>
               <a:prstGeom prst="roundRect">
                 <a:avLst>
@@ -7149,7 +7196,7 @@
                     </a:solidFill>
                   </a:defRPr>
                 </a:pPr>
-                <a:endParaRPr/>
+                <a:endParaRPr dirty="0"/>
               </a:p>
             </p:txBody>
           </p:sp>
@@ -7161,8 +7208,8 @@
             </p:nvSpPr>
             <p:spPr>
               <a:xfrm>
-                <a:off x="27722" y="27722"/>
-                <a:ext cx="1628963" cy="2323308"/>
+                <a:off x="318320" y="219282"/>
+                <a:ext cx="881064" cy="634582"/>
               </a:xfrm>
               <a:prstGeom prst="rect">
                 <a:avLst/>
@@ -7175,7 +7222,7 @@
               <a:effectLst/>
               <a:extLst>
                 <a:ext uri="{C572A759-6A51-4108-AA02-DFA0A04FC94B}">
-                  <ma14:wrappingTextBoxFlag xmlns:ma14="http://schemas.microsoft.com/office/mac/drawingml/2011/main" xmlns="" val="1"/>
+                  <ma14:wrappingTextBoxFlag xmlns="" xmlns:ma14="http://schemas.microsoft.com/office/mac/drawingml/2011/main" val="1"/>
                 </a:ext>
               </a:extLst>
             </p:spPr>
@@ -7194,79 +7241,38 @@
                 </a:pPr>
                 <a:r>
                   <a:rPr sz="1600" dirty="0"/>
-                  <a:t>Python </a:t>
-                </a:r>
-                <a:r>
-                  <a:rPr sz="1600" dirty="0" smtClean="0"/>
-                  <a:t>Interface</a:t>
+                  <a:t>Python Interface</a:t>
                 </a:r>
                 <a:endParaRPr sz="1100" dirty="0"/>
-              </a:p>
-              <a:p>
-                <a:pPr marL="179823" indent="-179823">
-                  <a:buSzPct val="100000"/>
-                  <a:buChar char="•"/>
-                  <a:defRPr sz="1600">
-                    <a:solidFill>
-                      <a:srgbClr val="FFFFFF"/>
-                    </a:solidFill>
-                  </a:defRPr>
-                </a:pPr>
-                <a:r>
-                  <a:rPr dirty="0"/>
-                  <a:t>Company Selection</a:t>
-                </a:r>
               </a:p>
             </p:txBody>
           </p:sp>
         </p:grpSp>
         <p:sp>
           <p:nvSpPr>
-            <p:cNvPr id="182" name="Shape 182"/>
+            <p:cNvPr id="188" name="Shape 188"/>
             <p:cNvSpPr/>
             <p:nvPr/>
           </p:nvSpPr>
           <p:spPr>
             <a:xfrm>
-              <a:off x="1869692" y="485655"/>
-              <a:ext cx="370570" cy="370570"/>
+              <a:off x="5918920" y="234117"/>
+              <a:ext cx="1534893" cy="710446"/>
             </a:xfrm>
-            <a:prstGeom prst="rightArrow">
-              <a:avLst>
-                <a:gd name="adj1" fmla="val 64000"/>
-                <a:gd name="adj2" fmla="val 50000"/>
-              </a:avLst>
+            <a:prstGeom prst="rect">
+              <a:avLst/>
             </a:prstGeom>
-            <a:gradFill flip="none" rotWithShape="1">
-              <a:gsLst>
-                <a:gs pos="0">
-                  <a:srgbClr val="FEC2AC"/>
-                </a:gs>
-                <a:gs pos="30000">
-                  <a:srgbClr val="FEC2AC"/>
-                </a:gs>
-                <a:gs pos="75000">
-                  <a:srgbClr val="FEC2AC"/>
-                </a:gs>
-                <a:gs pos="100000">
-                  <a:srgbClr val="FEC2AC"/>
-                </a:gs>
-              </a:gsLst>
-              <a:path path="circle">
-                <a:fillToRect l="-19636" t="62278" r="119636" b="37721"/>
-              </a:path>
-            </a:gradFill>
+            <a:noFill/>
             <a:ln w="12700" cap="flat">
               <a:noFill/>
               <a:miter lim="400000"/>
             </a:ln>
-            <a:effectLst>
-              <a:outerShdw blurRad="50800" dist="20000" dir="5400000" rotWithShape="0">
-                <a:srgbClr val="000000">
-                  <a:alpha val="42000"/>
-                </a:srgbClr>
-              </a:outerShdw>
-            </a:effectLst>
+            <a:effectLst/>
+            <a:extLst>
+              <a:ext uri="{C572A759-6A51-4108-AA02-DFA0A04FC94B}">
+                <ma14:wrappingTextBoxFlag xmlns="" xmlns:ma14="http://schemas.microsoft.com/office/mac/drawingml/2011/main" val="1"/>
+              </a:ext>
+            </a:extLst>
           </p:spPr>
           <p:txBody>
             <a:bodyPr wrap="square" lIns="45719" tIns="45719" rIns="45719" bIns="45719" numCol="1" anchor="ctr">
@@ -7274,362 +7280,301 @@
             </a:bodyPr>
             <a:lstStyle/>
             <a:p>
-              <a:endParaRPr/>
+              <a:pPr>
+                <a:defRPr sz="1400">
+                  <a:solidFill>
+                    <a:srgbClr val="FFFFFF"/>
+                  </a:solidFill>
+                </a:defRPr>
+              </a:pPr>
+              <a:r>
+                <a:rPr sz="1600" dirty="0"/>
+                <a:t>Keywords Plot</a:t>
+              </a:r>
+            </a:p>
+            <a:p>
+              <a:pPr>
+                <a:defRPr sz="1400">
+                  <a:solidFill>
+                    <a:srgbClr val="FFFFFF"/>
+                  </a:solidFill>
+                </a:defRPr>
+              </a:pPr>
+              <a:r>
+                <a:rPr sz="1600" dirty="0"/>
+                <a:t>Stock Price Plot</a:t>
+              </a:r>
             </a:p>
           </p:txBody>
         </p:sp>
-        <p:grpSp>
-          <p:nvGrpSpPr>
-            <p:cNvPr id="185" name="Group 185"/>
-            <p:cNvGrpSpPr/>
-            <p:nvPr/>
-          </p:nvGrpSpPr>
-          <p:grpSpPr>
-            <a:xfrm>
-              <a:off x="2425546" y="39287"/>
-              <a:ext cx="1684408" cy="1851395"/>
-              <a:chOff x="0" y="0"/>
-              <a:chExt cx="1684407" cy="1851393"/>
-            </a:xfrm>
-          </p:grpSpPr>
-          <p:sp>
-            <p:nvSpPr>
-              <p:cNvPr id="183" name="Shape 183"/>
-              <p:cNvSpPr/>
-              <p:nvPr/>
-            </p:nvSpPr>
-            <p:spPr>
-              <a:xfrm>
-                <a:off x="0" y="0"/>
-                <a:ext cx="1684408" cy="1263305"/>
-              </a:xfrm>
-              <a:prstGeom prst="roundRect">
-                <a:avLst>
-                  <a:gd name="adj" fmla="val 7500"/>
-                </a:avLst>
-              </a:prstGeom>
-              <a:gradFill flip="none" rotWithShape="1">
-                <a:gsLst>
-                  <a:gs pos="0">
-                    <a:srgbClr val="FA6300"/>
-                  </a:gs>
-                  <a:gs pos="30000">
-                    <a:srgbClr val="F16000"/>
-                  </a:gs>
-                  <a:gs pos="75000">
-                    <a:srgbClr val="B34700"/>
-                  </a:gs>
-                  <a:gs pos="100000">
-                    <a:srgbClr val="823400"/>
-                  </a:gs>
-                </a:gsLst>
-                <a:path path="circle">
-                  <a:fillToRect l="-19636" t="62278" r="119636" b="37721"/>
-                </a:path>
-              </a:gradFill>
-              <a:ln w="12700" cap="flat">
-                <a:noFill/>
-                <a:miter lim="400000"/>
-              </a:ln>
-              <a:effectLst>
-                <a:outerShdw blurRad="50800" dist="20000" dir="5400000" rotWithShape="0">
-                  <a:srgbClr val="000000">
-                    <a:alpha val="42000"/>
-                  </a:srgbClr>
-                </a:outerShdw>
-              </a:effectLst>
-            </p:spPr>
-            <p:txBody>
-              <a:bodyPr wrap="square" lIns="45719" tIns="45719" rIns="45719" bIns="45719" numCol="1" anchor="t">
-                <a:noAutofit/>
-              </a:bodyPr>
-              <a:lstStyle/>
-              <a:p>
-                <a:pPr>
-                  <a:defRPr sz="1600">
-                    <a:solidFill>
-                      <a:srgbClr val="FFFFFF"/>
-                    </a:solidFill>
-                  </a:defRPr>
-                </a:pPr>
-                <a:endParaRPr/>
-              </a:p>
-            </p:txBody>
-          </p:sp>
-          <p:sp>
-            <p:nvSpPr>
-              <p:cNvPr id="184" name="Shape 184"/>
-              <p:cNvSpPr/>
-              <p:nvPr/>
-            </p:nvSpPr>
-            <p:spPr>
-              <a:xfrm>
-                <a:off x="27722" y="27722"/>
-                <a:ext cx="1628963" cy="1823672"/>
-              </a:xfrm>
-              <a:prstGeom prst="rect">
-                <a:avLst/>
-              </a:prstGeom>
-              <a:noFill/>
-              <a:ln w="12700" cap="flat">
-                <a:noFill/>
-                <a:miter lim="400000"/>
-              </a:ln>
-              <a:effectLst/>
-              <a:extLst>
-                <a:ext uri="{C572A759-6A51-4108-AA02-DFA0A04FC94B}">
-                  <ma14:wrappingTextBoxFlag xmlns:ma14="http://schemas.microsoft.com/office/mac/drawingml/2011/main" xmlns="" val="1"/>
-                </a:ext>
-              </a:extLst>
-            </p:spPr>
-            <p:txBody>
-              <a:bodyPr wrap="square" lIns="45719" tIns="45719" rIns="45719" bIns="45719" numCol="1" anchor="t">
-                <a:noAutofit/>
-              </a:bodyPr>
-              <a:lstStyle/>
-              <a:p>
-                <a:pPr>
-                  <a:defRPr sz="1600">
-                    <a:solidFill>
-                      <a:srgbClr val="FFFFFF"/>
-                    </a:solidFill>
-                  </a:defRPr>
-                </a:pPr>
-                <a:r>
-                  <a:rPr dirty="0"/>
-                  <a:t>Date Finder</a:t>
-                </a:r>
-                <a:endParaRPr sz="1415" dirty="0"/>
-              </a:p>
-              <a:p>
-                <a:pPr>
-                  <a:defRPr sz="1600">
-                    <a:solidFill>
-                      <a:srgbClr val="FFFFFF"/>
-                    </a:solidFill>
-                  </a:defRPr>
-                </a:pPr>
-                <a:r>
-                  <a:rPr dirty="0"/>
-                  <a:t>ML Model</a:t>
-                </a:r>
-              </a:p>
-              <a:p>
-                <a:pPr marL="179823" indent="-179823">
-                  <a:buSzPct val="100000"/>
-                  <a:buChar char="•"/>
-                  <a:defRPr sz="1600">
-                    <a:solidFill>
-                      <a:srgbClr val="FFFFFF"/>
-                    </a:solidFill>
-                  </a:defRPr>
-                </a:pPr>
-                <a:r>
-                  <a:rPr dirty="0"/>
-                  <a:t>Keywords </a:t>
-                </a:r>
-              </a:p>
-            </p:txBody>
-          </p:sp>
-        </p:grpSp>
         <p:sp>
           <p:nvSpPr>
-            <p:cNvPr id="186" name="Shape 186"/>
+            <p:cNvPr id="184" name="Shape 184"/>
             <p:cNvSpPr/>
             <p:nvPr/>
           </p:nvSpPr>
           <p:spPr>
             <a:xfrm>
-              <a:off x="4295238" y="485655"/>
-              <a:ext cx="370570" cy="370570"/>
+              <a:off x="3148362" y="271947"/>
+              <a:ext cx="1219556" cy="633991"/>
             </a:xfrm>
-            <a:prstGeom prst="rightArrow">
-              <a:avLst>
-                <a:gd name="adj1" fmla="val 64000"/>
-                <a:gd name="adj2" fmla="val 50000"/>
-              </a:avLst>
+            <a:prstGeom prst="rect">
+              <a:avLst/>
             </a:prstGeom>
-            <a:gradFill flip="none" rotWithShape="1">
-              <a:gsLst>
-                <a:gs pos="0">
-                  <a:srgbClr val="FEC2AC"/>
-                </a:gs>
-                <a:gs pos="30000">
-                  <a:srgbClr val="FEC2AC"/>
-                </a:gs>
-                <a:gs pos="75000">
-                  <a:srgbClr val="FEC2AC"/>
-                </a:gs>
-                <a:gs pos="100000">
-                  <a:srgbClr val="FEC2AC"/>
-                </a:gs>
-              </a:gsLst>
-              <a:path path="circle">
-                <a:fillToRect l="-19636" t="62278" r="119636" b="37721"/>
-              </a:path>
-            </a:gradFill>
+            <a:noFill/>
             <a:ln w="12700" cap="flat">
               <a:noFill/>
               <a:miter lim="400000"/>
             </a:ln>
-            <a:effectLst>
-              <a:outerShdw blurRad="50800" dist="20000" dir="5400000" rotWithShape="0">
-                <a:srgbClr val="000000">
-                  <a:alpha val="42000"/>
-                </a:srgbClr>
-              </a:outerShdw>
-            </a:effectLst>
+            <a:effectLst/>
+            <a:extLst>
+              <a:ext uri="{C572A759-6A51-4108-AA02-DFA0A04FC94B}">
+                <ma14:wrappingTextBoxFlag xmlns="" xmlns:ma14="http://schemas.microsoft.com/office/mac/drawingml/2011/main" val="1"/>
+              </a:ext>
+            </a:extLst>
           </p:spPr>
           <p:txBody>
-            <a:bodyPr wrap="square" lIns="45719" tIns="45719" rIns="45719" bIns="45719" numCol="1" anchor="ctr">
+            <a:bodyPr wrap="square" lIns="45719" tIns="45719" rIns="45719" bIns="45719" numCol="1" anchor="t">
               <a:noAutofit/>
             </a:bodyPr>
             <a:lstStyle/>
             <a:p>
-              <a:endParaRPr/>
+              <a:pPr>
+                <a:defRPr sz="1600">
+                  <a:solidFill>
+                    <a:srgbClr val="FFFFFF"/>
+                  </a:solidFill>
+                </a:defRPr>
+              </a:pPr>
+              <a:r>
+                <a:rPr dirty="0"/>
+                <a:t>Date Finder</a:t>
+              </a:r>
+              <a:endParaRPr sz="1415" dirty="0"/>
+            </a:p>
+            <a:p>
+              <a:pPr>
+                <a:defRPr sz="1600">
+                  <a:solidFill>
+                    <a:srgbClr val="FFFFFF"/>
+                  </a:solidFill>
+                </a:defRPr>
+              </a:pPr>
+              <a:r>
+                <a:rPr dirty="0"/>
+                <a:t>ML Model </a:t>
+              </a:r>
             </a:p>
           </p:txBody>
         </p:sp>
-        <p:grpSp>
-          <p:nvGrpSpPr>
-            <p:cNvPr id="189" name="Group 189"/>
-            <p:cNvGrpSpPr/>
-            <p:nvPr/>
-          </p:nvGrpSpPr>
-          <p:grpSpPr>
-            <a:xfrm>
-              <a:off x="4851093" y="-1"/>
-              <a:ext cx="1684408" cy="1341881"/>
-              <a:chOff x="0" y="0"/>
-              <a:chExt cx="1684407" cy="1341879"/>
-            </a:xfrm>
-          </p:grpSpPr>
-          <p:sp>
-            <p:nvSpPr>
-              <p:cNvPr id="187" name="Shape 187"/>
-              <p:cNvSpPr/>
-              <p:nvPr/>
-            </p:nvSpPr>
-            <p:spPr>
-              <a:xfrm>
-                <a:off x="0" y="39287"/>
-                <a:ext cx="1684408" cy="1263306"/>
-              </a:xfrm>
-              <a:prstGeom prst="roundRect">
-                <a:avLst>
-                  <a:gd name="adj" fmla="val 7500"/>
-                </a:avLst>
-              </a:prstGeom>
-              <a:gradFill flip="none" rotWithShape="1">
-                <a:gsLst>
-                  <a:gs pos="0">
-                    <a:srgbClr val="FA6300"/>
-                  </a:gs>
-                  <a:gs pos="30000">
-                    <a:srgbClr val="F16000"/>
-                  </a:gs>
-                  <a:gs pos="75000">
-                    <a:srgbClr val="B34700"/>
-                  </a:gs>
-                  <a:gs pos="100000">
-                    <a:srgbClr val="823400"/>
-                  </a:gs>
-                </a:gsLst>
-                <a:path path="circle">
-                  <a:fillToRect l="-19636" t="62278" r="119636" b="37721"/>
-                </a:path>
-              </a:gradFill>
-              <a:ln w="12700" cap="flat">
-                <a:noFill/>
-                <a:miter lim="400000"/>
-              </a:ln>
-              <a:effectLst>
-                <a:outerShdw blurRad="50800" dist="20000" dir="5400000" rotWithShape="0">
-                  <a:srgbClr val="000000">
-                    <a:alpha val="42000"/>
-                  </a:srgbClr>
-                </a:outerShdw>
-              </a:effectLst>
-            </p:spPr>
-            <p:txBody>
-              <a:bodyPr wrap="square" lIns="45719" tIns="45719" rIns="45719" bIns="45719" numCol="1" anchor="ctr">
-                <a:noAutofit/>
-              </a:bodyPr>
-              <a:lstStyle/>
-              <a:p>
-                <a:pPr algn="ctr">
-                  <a:defRPr sz="1400">
-                    <a:solidFill>
-                      <a:srgbClr val="FFFFFF"/>
-                    </a:solidFill>
-                  </a:defRPr>
-                </a:pPr>
-                <a:endParaRPr/>
-              </a:p>
-            </p:txBody>
-          </p:sp>
-          <p:sp>
-            <p:nvSpPr>
-              <p:cNvPr id="188" name="Shape 188"/>
-              <p:cNvSpPr/>
-              <p:nvPr/>
-            </p:nvSpPr>
-            <p:spPr>
-              <a:xfrm>
-                <a:off x="27722" y="-1"/>
-                <a:ext cx="1628963" cy="1341881"/>
-              </a:xfrm>
-              <a:prstGeom prst="rect">
-                <a:avLst/>
-              </a:prstGeom>
-              <a:noFill/>
-              <a:ln w="12700" cap="flat">
-                <a:noFill/>
-                <a:miter lim="400000"/>
-              </a:ln>
-              <a:effectLst/>
-              <a:extLst>
-                <a:ext uri="{C572A759-6A51-4108-AA02-DFA0A04FC94B}">
-                  <ma14:wrappingTextBoxFlag xmlns:ma14="http://schemas.microsoft.com/office/mac/drawingml/2011/main" xmlns="" val="1"/>
-                </a:ext>
-              </a:extLst>
-            </p:spPr>
-            <p:txBody>
-              <a:bodyPr wrap="square" lIns="45719" tIns="45719" rIns="45719" bIns="45719" numCol="1" anchor="ctr">
-                <a:noAutofit/>
-              </a:bodyPr>
-              <a:lstStyle/>
-              <a:p>
-                <a:pPr algn="ctr">
-                  <a:defRPr sz="1400">
-                    <a:solidFill>
-                      <a:srgbClr val="FFFFFF"/>
-                    </a:solidFill>
-                  </a:defRPr>
-                </a:pPr>
-                <a:r>
-                  <a:rPr dirty="0"/>
-                  <a:t>Keywords Plot</a:t>
-                </a:r>
-                <a:endParaRPr sz="1415" dirty="0"/>
-              </a:p>
-              <a:p>
-                <a:pPr algn="ctr">
-                  <a:defRPr sz="1400">
-                    <a:solidFill>
-                      <a:srgbClr val="FFFFFF"/>
-                    </a:solidFill>
-                  </a:defRPr>
-                </a:pPr>
-                <a:r>
-                  <a:rPr dirty="0"/>
-                  <a:t>Stock Price Plot</a:t>
-                </a:r>
-              </a:p>
-            </p:txBody>
-          </p:sp>
-        </p:grpSp>
       </p:grpSp>
+      <p:sp>
+        <p:nvSpPr>
+          <p:cNvPr id="17" name="Shape 186"/>
+          <p:cNvSpPr/>
+          <p:nvPr/>
+        </p:nvSpPr>
+        <p:spPr>
+          <a:xfrm>
+            <a:off x="2736508" y="1965209"/>
+            <a:ext cx="1702867" cy="541691"/>
+          </a:xfrm>
+          <a:prstGeom prst="rightArrow">
+            <a:avLst>
+              <a:gd name="adj1" fmla="val 64000"/>
+              <a:gd name="adj2" fmla="val 50000"/>
+            </a:avLst>
+          </a:prstGeom>
+          <a:solidFill>
+            <a:srgbClr val="3399FF">
+              <a:alpha val="27843"/>
+            </a:srgbClr>
+          </a:solidFill>
+          <a:ln w="12700" cap="flat">
+            <a:noFill/>
+            <a:miter lim="400000"/>
+          </a:ln>
+          <a:effectLst>
+            <a:outerShdw blurRad="50800" dist="20000" dir="5400000" rotWithShape="0">
+              <a:srgbClr val="000000">
+                <a:alpha val="42000"/>
+              </a:srgbClr>
+            </a:outerShdw>
+          </a:effectLst>
+        </p:spPr>
+        <p:txBody>
+          <a:bodyPr wrap="square" lIns="45719" tIns="45719" rIns="45719" bIns="45719" numCol="1" anchor="ctr">
+            <a:noAutofit/>
+          </a:bodyPr>
+          <a:lstStyle/>
+          <a:p>
+            <a:endParaRPr dirty="0"/>
+          </a:p>
+        </p:txBody>
+      </p:sp>
+      <p:sp>
+        <p:nvSpPr>
+          <p:cNvPr id="2" name="TextBox 1"/>
+          <p:cNvSpPr txBox="1"/>
+          <p:nvPr/>
+        </p:nvSpPr>
+        <p:spPr>
+          <a:xfrm>
+            <a:off x="3027646" y="2038579"/>
+            <a:ext cx="1129870" cy="369330"/>
+          </a:xfrm>
+          <a:prstGeom prst="rect">
+            <a:avLst/>
+          </a:prstGeom>
+          <a:noFill/>
+          <a:ln w="12700" cap="flat">
+            <a:noFill/>
+            <a:miter lim="400000"/>
+          </a:ln>
+          <a:effectLst/>
+          <a:sp3d/>
+        </p:spPr>
+        <p:style>
+          <a:lnRef idx="0">
+            <a:scrgbClr r="0" g="0" b="0"/>
+          </a:lnRef>
+          <a:fillRef idx="0">
+            <a:scrgbClr r="0" g="0" b="0"/>
+          </a:fillRef>
+          <a:effectRef idx="0">
+            <a:scrgbClr r="0" g="0" b="0"/>
+          </a:effectRef>
+          <a:fontRef idx="none"/>
+        </p:style>
+        <p:txBody>
+          <a:bodyPr rot="0" spcFirstLastPara="1" vertOverflow="overflow" horzOverflow="overflow" vert="horz" wrap="square" lIns="45719" tIns="45719" rIns="45719" bIns="45719" numCol="1" spcCol="38100" rtlCol="0" anchor="t">
+            <a:spAutoFit/>
+          </a:bodyPr>
+          <a:lstStyle/>
+          <a:p>
+            <a:pPr marL="0" marR="0" indent="0" algn="l" defTabSz="914400" rtl="0" fontAlgn="auto" latinLnBrk="0" hangingPunct="0">
+              <a:lnSpc>
+                <a:spcPct val="100000"/>
+              </a:lnSpc>
+              <a:spcBef>
+                <a:spcPts val="0"/>
+              </a:spcBef>
+              <a:spcAft>
+                <a:spcPts val="0"/>
+              </a:spcAft>
+              <a:buClrTx/>
+              <a:buSzTx/>
+              <a:buFontTx/>
+              <a:buNone/>
+              <a:tabLst/>
+            </a:pPr>
+            <a:r>
+              <a:rPr kumimoji="0" lang="en-US" sz="1800" i="0" u="none" strike="noStrike" cap="none" spc="0" normalizeH="0" baseline="0" dirty="0">
+                <a:ln>
+                  <a:noFill/>
+                </a:ln>
+                <a:solidFill>
+                  <a:schemeClr val="accent6">
+                    <a:lumMod val="50000"/>
+                  </a:schemeClr>
+                </a:solidFill>
+                <a:effectLst/>
+                <a:uFillTx/>
+                <a:latin typeface="Gill Sans MT" panose="020B0502020104020203" pitchFamily="34" charset="0"/>
+                <a:sym typeface="Century Schoolbook"/>
+              </a:rPr>
+              <a:t>Company</a:t>
+            </a:r>
+          </a:p>
+        </p:txBody>
+      </p:sp>
+      <p:sp>
+        <p:nvSpPr>
+          <p:cNvPr id="21" name="TextBox 20"/>
+          <p:cNvSpPr txBox="1"/>
+          <p:nvPr/>
+        </p:nvSpPr>
+        <p:spPr>
+          <a:xfrm>
+            <a:off x="6409854" y="2025049"/>
+            <a:ext cx="1068656" cy="369330"/>
+          </a:xfrm>
+          <a:prstGeom prst="rect">
+            <a:avLst/>
+          </a:prstGeom>
+          <a:noFill/>
+          <a:ln w="12700" cap="flat">
+            <a:noFill/>
+            <a:miter lim="400000"/>
+          </a:ln>
+          <a:effectLst/>
+          <a:sp3d/>
+        </p:spPr>
+        <p:style>
+          <a:lnRef idx="0">
+            <a:scrgbClr r="0" g="0" b="0"/>
+          </a:lnRef>
+          <a:fillRef idx="0">
+            <a:scrgbClr r="0" g="0" b="0"/>
+          </a:fillRef>
+          <a:effectRef idx="0">
+            <a:scrgbClr r="0" g="0" b="0"/>
+          </a:effectRef>
+          <a:fontRef idx="none"/>
+        </p:style>
+        <p:txBody>
+          <a:bodyPr rot="0" spcFirstLastPara="1" vertOverflow="overflow" horzOverflow="overflow" vert="horz" wrap="square" lIns="45719" tIns="45719" rIns="45719" bIns="45719" numCol="1" spcCol="38100" rtlCol="0" anchor="t">
+            <a:spAutoFit/>
+          </a:bodyPr>
+          <a:lstStyle/>
+          <a:p>
+            <a:pPr marL="0" marR="0" indent="0" algn="l" defTabSz="914400" rtl="0" fontAlgn="auto" latinLnBrk="0" hangingPunct="0">
+              <a:lnSpc>
+                <a:spcPct val="100000"/>
+              </a:lnSpc>
+              <a:spcBef>
+                <a:spcPts val="0"/>
+              </a:spcBef>
+              <a:spcAft>
+                <a:spcPts val="0"/>
+              </a:spcAft>
+              <a:buClrTx/>
+              <a:buSzTx/>
+              <a:buFontTx/>
+              <a:buNone/>
+              <a:tabLst/>
+            </a:pPr>
+            <a:r>
+              <a:rPr lang="en-US" dirty="0">
+                <a:solidFill>
+                  <a:schemeClr val="accent6">
+                    <a:lumMod val="50000"/>
+                  </a:schemeClr>
+                </a:solidFill>
+                <a:latin typeface="Gill Sans MT" panose="020B0502020104020203" pitchFamily="34" charset="0"/>
+              </a:rPr>
+              <a:t>Ke</a:t>
+            </a:r>
+            <a:r>
+              <a:rPr kumimoji="0" lang="en-US" sz="1800" i="0" u="none" strike="noStrike" cap="none" spc="0" normalizeH="0" baseline="0" dirty="0">
+                <a:ln>
+                  <a:noFill/>
+                </a:ln>
+                <a:solidFill>
+                  <a:schemeClr val="accent6">
+                    <a:lumMod val="50000"/>
+                  </a:schemeClr>
+                </a:solidFill>
+                <a:effectLst/>
+                <a:uFillTx/>
+                <a:latin typeface="Gill Sans MT" panose="020B0502020104020203" pitchFamily="34" charset="0"/>
+                <a:sym typeface="Century Schoolbook"/>
+              </a:rPr>
+              <a:t>ywords</a:t>
+            </a:r>
+          </a:p>
+        </p:txBody>
+      </p:sp>
     </p:spTree>
   </p:cSld>
   <p:clrMapOvr>
@@ -7639,7 +7584,7 @@
 </p:sld>
 </file>
 
-<file path=ppt/slides/slide5.xml><?xml version="1.0" encoding="utf-8"?>
+<file path=ppt/slides/slide4.xml><?xml version="1.0" encoding="utf-8"?>
 <p:sld xmlns:a="http://schemas.openxmlformats.org/drawingml/2006/main" xmlns:r="http://schemas.openxmlformats.org/officeDocument/2006/relationships" xmlns:p="http://schemas.openxmlformats.org/presentationml/2006/main">
   <p:cSld>
     <p:spTree>
@@ -7668,25 +7613,27 @@
         </p:nvSpPr>
         <p:spPr>
           <a:xfrm>
-            <a:off x="445694" y="4642338"/>
-            <a:ext cx="9957090" cy="2215662"/>
+            <a:off x="480671" y="4405745"/>
+            <a:ext cx="10182332" cy="1450412"/>
           </a:xfrm>
           <a:prstGeom prst="rect">
             <a:avLst/>
           </a:prstGeom>
         </p:spPr>
         <p:txBody>
-          <a:bodyPr/>
+          <a:bodyPr>
+            <a:normAutofit/>
+          </a:bodyPr>
           <a:lstStyle/>
           <a:p>
             <a:pPr marL="0" indent="0">
               <a:buNone/>
             </a:pPr>
             <a:r>
-              <a:rPr lang="en-US" b="1" dirty="0" smtClean="0">
+              <a:rPr lang="en-US" b="1" dirty="0">
                 <a:solidFill>
                   <a:schemeClr val="accent6">
-                    <a:lumMod val="75000"/>
+                    <a:lumMod val="50000"/>
                   </a:schemeClr>
                 </a:solidFill>
               </a:rPr>
@@ -7695,7 +7642,7 @@
             <a:endParaRPr b="1" dirty="0">
               <a:solidFill>
                 <a:schemeClr val="accent6">
-                  <a:lumMod val="75000"/>
+                  <a:lumMod val="50000"/>
                 </a:schemeClr>
               </a:solidFill>
             </a:endParaRPr>
@@ -7709,24 +7656,16 @@
               <a:defRPr sz="2100"/>
             </a:pPr>
             <a:r>
-              <a:rPr lang="en-US" dirty="0" err="1" smtClean="0"/>
+              <a:rPr lang="en-US" b="1" dirty="0" err="1"/>
               <a:t>Pytrends</a:t>
             </a:r>
             <a:r>
-              <a:rPr lang="en-US" dirty="0" smtClean="0"/>
-              <a:t>: </a:t>
-            </a:r>
-            <a:r>
-              <a:rPr lang="en-US" sz="2100" dirty="0" smtClean="0"/>
-              <a:t>Automate download of </a:t>
+              <a:rPr lang="en-US" dirty="0"/>
+              <a:t>: D</a:t>
             </a:r>
             <a:r>
               <a:rPr lang="en-US" sz="2100" dirty="0"/>
-              <a:t>reports from Google </a:t>
-            </a:r>
-            <a:r>
-              <a:rPr lang="en-US" sz="2100" dirty="0" smtClean="0"/>
-              <a:t>Trends</a:t>
+              <a:t>ownload Google trend data automatically</a:t>
             </a:r>
           </a:p>
           <a:p>
@@ -7738,28 +7677,12 @@
               <a:defRPr sz="2100"/>
             </a:pPr>
             <a:r>
-              <a:rPr lang="en-US" sz="2100" dirty="0" err="1" smtClean="0"/>
+              <a:rPr lang="en-US" sz="2100" b="1" dirty="0" err="1"/>
               <a:t>Datetime</a:t>
             </a:r>
             <a:r>
-              <a:rPr lang="en-US" sz="2100" dirty="0" smtClean="0"/>
-              <a:t>: </a:t>
-            </a:r>
-            <a:r>
-              <a:rPr lang="en-US" sz="2100" dirty="0" err="1" smtClean="0"/>
-              <a:t>Manipulateg</a:t>
-            </a:r>
-            <a:r>
-              <a:rPr lang="en-US" sz="2100" dirty="0" smtClean="0"/>
-              <a:t> </a:t>
-            </a:r>
-            <a:r>
               <a:rPr lang="en-US" sz="2100" dirty="0"/>
-              <a:t>dates and </a:t>
-            </a:r>
-            <a:r>
-              <a:rPr lang="en-US" sz="2100" dirty="0" smtClean="0"/>
-              <a:t>times for Time Series analysis</a:t>
+              <a:t>: Extract and format the dates and times for Time Series analysis</a:t>
             </a:r>
           </a:p>
         </p:txBody>
@@ -7783,7 +7706,7 @@
           </a:ln>
           <a:extLst>
             <a:ext uri="{C572A759-6A51-4108-AA02-DFA0A04FC94B}">
-              <ma14:wrappingTextBoxFlag xmlns:ma14="http://schemas.microsoft.com/office/mac/drawingml/2011/main" xmlns="" val="1"/>
+              <ma14:wrappingTextBoxFlag xmlns="" xmlns:ma14="http://schemas.microsoft.com/office/mac/drawingml/2011/main" val="1"/>
             </a:ext>
           </a:extLst>
         </p:spPr>
@@ -7802,10 +7725,9 @@
           </a:lstStyle>
           <a:p>
             <a:r>
-              <a:rPr b="1" dirty="0" smtClean="0"/>
+              <a:rPr b="1" dirty="0"/>
               <a:t>Data</a:t>
             </a:r>
-            <a:endParaRPr b="1" dirty="0"/>
           </a:p>
         </p:txBody>
       </p:sp>
@@ -7820,7 +7742,7 @@
         <p:spPr>
           <a:xfrm>
             <a:off x="445694" y="1250487"/>
-            <a:ext cx="8199542" cy="3155258"/>
+            <a:ext cx="10527106" cy="3155258"/>
           </a:xfrm>
           <a:prstGeom prst="rect">
             <a:avLst/>
@@ -7830,13 +7752,13 @@
           </a:ln>
           <a:extLst>
             <a:ext uri="{C572A759-6A51-4108-AA02-DFA0A04FC94B}">
-              <ma14:wrappingTextBoxFlag xmlns:ma14="http://schemas.microsoft.com/office/mac/drawingml/2011/main" xmlns="" val="1"/>
+              <ma14:wrappingTextBoxFlag xmlns="" xmlns:ma14="http://schemas.microsoft.com/office/mac/drawingml/2011/main" val="1"/>
             </a:ext>
           </a:extLst>
         </p:spPr>
         <p:txBody>
           <a:bodyPr lIns="45719" rIns="45719">
-            <a:normAutofit lnSpcReduction="10000"/>
+            <a:normAutofit fontScale="92500" lnSpcReduction="10000"/>
           </a:bodyPr>
           <a:lstStyle>
             <a:lvl1pPr marL="274320" marR="0" indent="-274320" algn="l" defTabSz="914400" rtl="0" latinLnBrk="0">
@@ -8122,12 +8044,15 @@
           <a:p>
             <a:pPr hangingPunct="1"/>
             <a:r>
-              <a:rPr lang="en-US" dirty="0" smtClean="0"/>
-              <a:t>Daily Google </a:t>
-            </a:r>
-            <a:r>
-              <a:rPr lang="en-US" dirty="0"/>
-              <a:t>Search Index Data</a:t>
+              <a:rPr lang="en-US" sz="2600" b="1" dirty="0">
+                <a:solidFill>
+                  <a:schemeClr val="tx1">
+                    <a:lumMod val="85000"/>
+                    <a:lumOff val="15000"/>
+                  </a:schemeClr>
+                </a:solidFill>
+              </a:rPr>
+              <a:t>Daily Google Search Index Data</a:t>
             </a:r>
           </a:p>
           <a:p>
@@ -8135,31 +8060,32 @@
               <a:spcBef>
                 <a:spcPts val="500"/>
               </a:spcBef>
+              <a:spcAft>
+                <a:spcPts val="400"/>
+              </a:spcAft>
               <a:buFont typeface="Wingdings 2"/>
               <a:buChar char="●"/>
               <a:defRPr sz="2100"/>
             </a:pPr>
             <a:r>
-              <a:rPr lang="en-US" sz="2100" dirty="0"/>
-              <a:t>Unbiased sample of Google search </a:t>
-            </a:r>
-            <a:r>
-              <a:rPr lang="en-US" sz="2100" dirty="0" smtClean="0"/>
-              <a:t>data from Google Trends</a:t>
-            </a:r>
-            <a:endParaRPr lang="en-US" sz="2100" dirty="0"/>
+              <a:rPr lang="en-US" sz="2200" dirty="0"/>
+              <a:t>Unbiased sample of Google search data from Google Trends</a:t>
+            </a:r>
           </a:p>
           <a:p>
             <a:pPr marL="640080" lvl="1" indent="-274320" hangingPunct="1">
               <a:spcBef>
                 <a:spcPts val="500"/>
               </a:spcBef>
+              <a:spcAft>
+                <a:spcPts val="400"/>
+              </a:spcAft>
               <a:buFont typeface="Wingdings 2"/>
               <a:buChar char="●"/>
               <a:defRPr sz="2100"/>
             </a:pPr>
             <a:r>
-              <a:rPr lang="en-US" sz="2100" dirty="0"/>
+              <a:rPr lang="en-US" sz="2200" dirty="0"/>
               <a:t>Normalized data</a:t>
             </a:r>
           </a:p>
@@ -8168,13 +8094,16 @@
               <a:spcBef>
                 <a:spcPts val="500"/>
               </a:spcBef>
+              <a:spcAft>
+                <a:spcPts val="400"/>
+              </a:spcAft>
               <a:buFont typeface="Wingdings 2"/>
               <a:buChar char="●"/>
               <a:defRPr sz="2100"/>
             </a:pPr>
             <a:r>
-              <a:rPr lang="en-US" sz="2100" dirty="0"/>
-              <a:t>Data is indexed at 100, where 100 is the maximum search interest for the time selected.</a:t>
+              <a:rPr lang="en-US" sz="2200" dirty="0"/>
+              <a:t>Data is indexed at 100, with 100 as the maximum search interest within the time frame selected</a:t>
             </a:r>
           </a:p>
           <a:p>
@@ -8182,34 +8111,35 @@
               <a:spcBef>
                 <a:spcPts val="500"/>
               </a:spcBef>
+              <a:spcAft>
+                <a:spcPts val="400"/>
+              </a:spcAft>
               <a:buFont typeface="Wingdings 2"/>
               <a:buChar char="●"/>
               <a:defRPr sz="2100"/>
             </a:pPr>
             <a:r>
-              <a:rPr lang="en-US" sz="2100" dirty="0"/>
-              <a:t>15 keywords search trends for Q-2 </a:t>
-            </a:r>
-            <a:r>
-              <a:rPr lang="en-US" sz="2100" dirty="0" smtClean="0"/>
-              <a:t>2007-2017.</a:t>
-            </a:r>
-          </a:p>
-          <a:p>
-            <a:pPr hangingPunct="1"/>
-            <a:r>
-              <a:rPr lang="en-US" dirty="0"/>
-              <a:t>Daily </a:t>
-            </a:r>
-            <a:r>
-              <a:rPr lang="en-US" sz="2800" dirty="0" smtClean="0"/>
-              <a:t>Stock</a:t>
-            </a:r>
-            <a:r>
-              <a:rPr lang="en-US" dirty="0" smtClean="0"/>
-              <a:t> Price</a:t>
-            </a:r>
-            <a:endParaRPr lang="en-US" dirty="0"/>
+              <a:rPr lang="en-US" sz="2200" dirty="0"/>
+              <a:t>15 keywords search trends for Q-2 2007-2017</a:t>
+            </a:r>
+          </a:p>
+          <a:p>
+            <a:pPr hangingPunct="1">
+              <a:spcBef>
+                <a:spcPts val="1200"/>
+              </a:spcBef>
+            </a:pPr>
+            <a:r>
+              <a:rPr lang="en-US" sz="2600" b="1" dirty="0">
+                <a:solidFill>
+                  <a:schemeClr val="tx1">
+                    <a:lumMod val="85000"/>
+                    <a:lumOff val="15000"/>
+                  </a:schemeClr>
+                </a:solidFill>
+              </a:rPr>
+              <a:t>Daily Stock Price</a:t>
+            </a:r>
           </a:p>
           <a:p>
             <a:pPr marL="640080" lvl="1" hangingPunct="1">
@@ -8221,8 +8151,8 @@
               <a:defRPr sz="2100"/>
             </a:pPr>
             <a:r>
-              <a:rPr lang="en-US" sz="2100" dirty="0" smtClean="0"/>
-              <a:t>Adjusted Close Price fro Q-2 2007-2017 from Yahoo Finance</a:t>
+              <a:rPr lang="en-US" sz="2200" dirty="0"/>
+              <a:t>Daily adjusted close price within the Q-2 for 2007-2017 from Yahoo Finance</a:t>
             </a:r>
           </a:p>
           <a:p>
@@ -8235,6 +8165,1100 @@
               <a:defRPr sz="2100"/>
             </a:pPr>
             <a:endParaRPr lang="en-US" sz="2100" dirty="0"/>
+          </a:p>
+        </p:txBody>
+      </p:sp>
+    </p:spTree>
+  </p:cSld>
+  <p:clrMapOvr>
+    <a:masterClrMapping/>
+  </p:clrMapOvr>
+  <p:transition spd="med"/>
+</p:sld>
+</file>
+
+<file path=ppt/slides/slide5.xml><?xml version="1.0" encoding="utf-8"?>
+<p:sld xmlns:a="http://schemas.openxmlformats.org/drawingml/2006/main" xmlns:r="http://schemas.openxmlformats.org/officeDocument/2006/relationships" xmlns:p="http://schemas.openxmlformats.org/presentationml/2006/main">
+  <p:cSld>
+    <p:spTree>
+      <p:nvGrpSpPr>
+        <p:cNvPr id="1" name=""/>
+        <p:cNvGrpSpPr/>
+        <p:nvPr/>
+      </p:nvGrpSpPr>
+      <p:grpSpPr>
+        <a:xfrm>
+          <a:off x="0" y="0"/>
+          <a:ext cx="0" cy="0"/>
+          <a:chOff x="0" y="0"/>
+          <a:chExt cx="0" cy="0"/>
+        </a:xfrm>
+      </p:grpSpPr>
+      <p:sp>
+        <p:nvSpPr>
+          <p:cNvPr id="192" name="Shape 192"/>
+          <p:cNvSpPr>
+            <a:spLocks noGrp="1"/>
+          </p:cNvSpPr>
+          <p:nvPr>
+            <p:ph type="title"/>
+          </p:nvPr>
+        </p:nvSpPr>
+        <p:spPr>
+          <a:xfrm>
+            <a:off x="609600" y="274638"/>
+            <a:ext cx="7110334" cy="1143001"/>
+          </a:xfrm>
+          <a:prstGeom prst="rect">
+            <a:avLst/>
+          </a:prstGeom>
+        </p:spPr>
+        <p:txBody>
+          <a:bodyPr/>
+          <a:lstStyle>
+            <a:lvl1pPr>
+              <a:defRPr sz="4800" b="1"/>
+            </a:lvl1pPr>
+          </a:lstStyle>
+          <a:p>
+            <a:r>
+              <a:rPr dirty="0"/>
+              <a:t>Design Process</a:t>
+            </a:r>
+          </a:p>
+        </p:txBody>
+      </p:sp>
+      <p:grpSp>
+        <p:nvGrpSpPr>
+          <p:cNvPr id="195" name="Group 195"/>
+          <p:cNvGrpSpPr/>
+          <p:nvPr/>
+        </p:nvGrpSpPr>
+        <p:grpSpPr>
+          <a:xfrm>
+            <a:off x="1062270" y="1539408"/>
+            <a:ext cx="1959033" cy="2075842"/>
+            <a:chOff x="0" y="-1"/>
+            <a:chExt cx="1959032" cy="2075840"/>
+          </a:xfrm>
+        </p:grpSpPr>
+        <p:sp>
+          <p:nvSpPr>
+            <p:cNvPr id="193" name="Shape 193"/>
+            <p:cNvSpPr/>
+            <p:nvPr/>
+          </p:nvSpPr>
+          <p:spPr>
+            <a:xfrm>
+              <a:off x="0" y="-1"/>
+              <a:ext cx="1959032" cy="2075840"/>
+            </a:xfrm>
+            <a:prstGeom prst="ellipse">
+              <a:avLst/>
+            </a:prstGeom>
+            <a:solidFill>
+              <a:srgbClr val="EEEEEE"/>
+            </a:solidFill>
+            <a:ln w="28575" cap="flat">
+              <a:solidFill>
+                <a:schemeClr val="accent1"/>
+              </a:solidFill>
+              <a:prstDash val="solid"/>
+              <a:round/>
+            </a:ln>
+            <a:effectLst/>
+          </p:spPr>
+          <p:txBody>
+            <a:bodyPr wrap="square" lIns="45719" tIns="45719" rIns="45719" bIns="45719" numCol="1" anchor="ctr">
+              <a:noAutofit/>
+            </a:bodyPr>
+            <a:lstStyle/>
+            <a:p>
+              <a:pPr algn="ctr">
+                <a:defRPr sz="1000">
+                  <a:latin typeface="Roboto Condensed"/>
+                  <a:ea typeface="Roboto Condensed"/>
+                  <a:cs typeface="Roboto Condensed"/>
+                  <a:sym typeface="Roboto Condensed"/>
+                </a:defRPr>
+              </a:pPr>
+              <a:endParaRPr/>
+            </a:p>
+          </p:txBody>
+        </p:sp>
+        <p:sp>
+          <p:nvSpPr>
+            <p:cNvPr id="194" name="Shape 194"/>
+            <p:cNvSpPr/>
+            <p:nvPr/>
+          </p:nvSpPr>
+          <p:spPr>
+            <a:xfrm>
+              <a:off x="286893" y="383913"/>
+              <a:ext cx="1385246" cy="1308017"/>
+            </a:xfrm>
+            <a:prstGeom prst="rect">
+              <a:avLst/>
+            </a:prstGeom>
+            <a:noFill/>
+            <a:ln w="12700" cap="flat">
+              <a:noFill/>
+              <a:miter lim="400000"/>
+            </a:ln>
+            <a:effectLst/>
+            <a:extLst>
+              <a:ext uri="{C572A759-6A51-4108-AA02-DFA0A04FC94B}">
+                <ma14:wrappingTextBoxFlag xmlns="" xmlns:ma14="http://schemas.microsoft.com/office/mac/drawingml/2011/main" val="1"/>
+              </a:ext>
+            </a:extLst>
+          </p:spPr>
+          <p:txBody>
+            <a:bodyPr wrap="square" lIns="91424" tIns="91424" rIns="91424" bIns="91424" numCol="1" anchor="ctr">
+              <a:spAutoFit/>
+            </a:bodyPr>
+            <a:lstStyle/>
+            <a:p>
+              <a:pPr algn="ctr">
+                <a:defRPr sz="1000" b="1">
+                  <a:solidFill>
+                    <a:schemeClr val="accent1"/>
+                  </a:solidFill>
+                  <a:latin typeface="Roboto Condensed"/>
+                  <a:ea typeface="Roboto Condensed"/>
+                  <a:cs typeface="Roboto Condensed"/>
+                  <a:sym typeface="Roboto Condensed"/>
+                </a:defRPr>
+              </a:pPr>
+              <a:r>
+                <a:rPr sz="1600" dirty="0"/>
+                <a:t>PLAN</a:t>
+              </a:r>
+            </a:p>
+            <a:p>
+              <a:pPr algn="ctr">
+                <a:defRPr sz="900" b="1">
+                  <a:latin typeface="Roboto Condensed"/>
+                  <a:ea typeface="Roboto Condensed"/>
+                  <a:cs typeface="Roboto Condensed"/>
+                  <a:sym typeface="Roboto Condensed"/>
+                </a:defRPr>
+              </a:pPr>
+              <a:endParaRPr dirty="0"/>
+            </a:p>
+            <a:p>
+              <a:pPr algn="ctr">
+                <a:defRPr sz="1000">
+                  <a:latin typeface="Roboto Condensed"/>
+                  <a:ea typeface="Roboto Condensed"/>
+                  <a:cs typeface="Roboto Condensed"/>
+                  <a:sym typeface="Roboto Condensed"/>
+                </a:defRPr>
+              </a:pPr>
+              <a:r>
+                <a:rPr sz="1600" dirty="0"/>
+                <a:t>Project Functional Specification</a:t>
+              </a:r>
+            </a:p>
+          </p:txBody>
+        </p:sp>
+      </p:grpSp>
+      <p:grpSp>
+        <p:nvGrpSpPr>
+          <p:cNvPr id="198" name="Group 198"/>
+          <p:cNvGrpSpPr/>
+          <p:nvPr/>
+        </p:nvGrpSpPr>
+        <p:grpSpPr>
+          <a:xfrm>
+            <a:off x="3717150" y="1628930"/>
+            <a:ext cx="1954903" cy="1795381"/>
+            <a:chOff x="0" y="-1"/>
+            <a:chExt cx="1698926" cy="1685096"/>
+          </a:xfrm>
+        </p:grpSpPr>
+        <p:sp>
+          <p:nvSpPr>
+            <p:cNvPr id="196" name="Shape 196"/>
+            <p:cNvSpPr/>
+            <p:nvPr/>
+          </p:nvSpPr>
+          <p:spPr>
+            <a:xfrm>
+              <a:off x="0" y="-1"/>
+              <a:ext cx="1698926" cy="1685096"/>
+            </a:xfrm>
+            <a:prstGeom prst="ellipse">
+              <a:avLst/>
+            </a:prstGeom>
+            <a:solidFill>
+              <a:srgbClr val="EEEEEE"/>
+            </a:solidFill>
+            <a:ln w="28575" cap="flat">
+              <a:solidFill>
+                <a:schemeClr val="accent1"/>
+              </a:solidFill>
+              <a:prstDash val="solid"/>
+              <a:round/>
+            </a:ln>
+            <a:effectLst/>
+          </p:spPr>
+          <p:txBody>
+            <a:bodyPr wrap="square" lIns="45719" tIns="45719" rIns="45719" bIns="45719" numCol="1" anchor="ctr">
+              <a:noAutofit/>
+            </a:bodyPr>
+            <a:lstStyle/>
+            <a:p>
+              <a:pPr algn="ctr">
+                <a:defRPr sz="1000">
+                  <a:latin typeface="Roboto Condensed"/>
+                  <a:ea typeface="Roboto Condensed"/>
+                  <a:cs typeface="Roboto Condensed"/>
+                  <a:sym typeface="Roboto Condensed"/>
+                </a:defRPr>
+              </a:pPr>
+              <a:endParaRPr/>
+            </a:p>
+          </p:txBody>
+        </p:sp>
+        <p:sp>
+          <p:nvSpPr>
+            <p:cNvPr id="197" name="Shape 197"/>
+            <p:cNvSpPr/>
+            <p:nvPr/>
+          </p:nvSpPr>
+          <p:spPr>
+            <a:xfrm>
+              <a:off x="134973" y="459808"/>
+              <a:ext cx="1427340" cy="765478"/>
+            </a:xfrm>
+            <a:prstGeom prst="rect">
+              <a:avLst/>
+            </a:prstGeom>
+            <a:noFill/>
+            <a:ln w="12700" cap="flat">
+              <a:noFill/>
+              <a:miter lim="400000"/>
+            </a:ln>
+            <a:effectLst/>
+            <a:extLst>
+              <a:ext uri="{C572A759-6A51-4108-AA02-DFA0A04FC94B}">
+                <ma14:wrappingTextBoxFlag xmlns="" xmlns:ma14="http://schemas.microsoft.com/office/mac/drawingml/2011/main" val="1"/>
+              </a:ext>
+            </a:extLst>
+          </p:spPr>
+          <p:txBody>
+            <a:bodyPr wrap="square" lIns="91424" tIns="91424" rIns="91424" bIns="91424" numCol="1" anchor="ctr">
+              <a:spAutoFit/>
+            </a:bodyPr>
+            <a:lstStyle/>
+            <a:p>
+              <a:pPr algn="ctr">
+                <a:defRPr sz="1000" b="1">
+                  <a:solidFill>
+                    <a:schemeClr val="accent1"/>
+                  </a:solidFill>
+                  <a:latin typeface="Roboto Condensed"/>
+                  <a:ea typeface="Roboto Condensed"/>
+                  <a:cs typeface="Roboto Condensed"/>
+                  <a:sym typeface="Roboto Condensed"/>
+                </a:defRPr>
+              </a:pPr>
+              <a:r>
+                <a:rPr sz="1600" dirty="0"/>
+                <a:t>INVESTIGATE</a:t>
+              </a:r>
+            </a:p>
+            <a:p>
+              <a:pPr algn="ctr">
+                <a:defRPr sz="900" b="1">
+                  <a:latin typeface="Roboto Condensed"/>
+                  <a:ea typeface="Roboto Condensed"/>
+                  <a:cs typeface="Roboto Condensed"/>
+                  <a:sym typeface="Roboto Condensed"/>
+                </a:defRPr>
+              </a:pPr>
+              <a:endParaRPr dirty="0"/>
+            </a:p>
+            <a:p>
+              <a:pPr algn="ctr">
+                <a:defRPr sz="1000">
+                  <a:latin typeface="Roboto Condensed"/>
+                  <a:ea typeface="Roboto Condensed"/>
+                  <a:cs typeface="Roboto Condensed"/>
+                  <a:sym typeface="Roboto Condensed"/>
+                </a:defRPr>
+              </a:pPr>
+              <a:r>
+                <a:rPr sz="1600" dirty="0"/>
+                <a:t>Clean Dataset</a:t>
+              </a:r>
+            </a:p>
+          </p:txBody>
+        </p:sp>
+      </p:grpSp>
+      <p:grpSp>
+        <p:nvGrpSpPr>
+          <p:cNvPr id="201" name="Group 201"/>
+          <p:cNvGrpSpPr/>
+          <p:nvPr/>
+        </p:nvGrpSpPr>
+        <p:grpSpPr>
+          <a:xfrm>
+            <a:off x="6406808" y="929291"/>
+            <a:ext cx="2120343" cy="1988062"/>
+            <a:chOff x="-23704" y="-53959"/>
+            <a:chExt cx="1845432" cy="1830410"/>
+          </a:xfrm>
+        </p:grpSpPr>
+        <p:sp>
+          <p:nvSpPr>
+            <p:cNvPr id="199" name="Shape 199"/>
+            <p:cNvSpPr/>
+            <p:nvPr/>
+          </p:nvSpPr>
+          <p:spPr>
+            <a:xfrm>
+              <a:off x="-23704" y="-53959"/>
+              <a:ext cx="1845432" cy="1830410"/>
+            </a:xfrm>
+            <a:prstGeom prst="ellipse">
+              <a:avLst/>
+            </a:prstGeom>
+            <a:solidFill>
+              <a:srgbClr val="EEEEEE"/>
+            </a:solidFill>
+            <a:ln w="28575" cap="flat">
+              <a:solidFill>
+                <a:schemeClr val="accent1"/>
+              </a:solidFill>
+              <a:prstDash val="solid"/>
+              <a:round/>
+            </a:ln>
+            <a:effectLst/>
+          </p:spPr>
+          <p:txBody>
+            <a:bodyPr wrap="square" lIns="45719" tIns="45719" rIns="45719" bIns="45719" numCol="1" anchor="ctr">
+              <a:noAutofit/>
+            </a:bodyPr>
+            <a:lstStyle/>
+            <a:p>
+              <a:pPr algn="ctr">
+                <a:defRPr sz="1000">
+                  <a:latin typeface="Roboto Condensed"/>
+                  <a:ea typeface="Roboto Condensed"/>
+                  <a:cs typeface="Roboto Condensed"/>
+                  <a:sym typeface="Roboto Condensed"/>
+                </a:defRPr>
+              </a:pPr>
+              <a:endParaRPr/>
+            </a:p>
+          </p:txBody>
+        </p:sp>
+        <p:sp>
+          <p:nvSpPr>
+            <p:cNvPr id="200" name="Shape 200"/>
+            <p:cNvSpPr/>
+            <p:nvPr/>
+          </p:nvSpPr>
+          <p:spPr>
+            <a:xfrm>
+              <a:off x="134397" y="426405"/>
+              <a:ext cx="1590400" cy="977597"/>
+            </a:xfrm>
+            <a:prstGeom prst="rect">
+              <a:avLst/>
+            </a:prstGeom>
+            <a:noFill/>
+            <a:ln w="12700" cap="flat">
+              <a:noFill/>
+              <a:miter lim="400000"/>
+            </a:ln>
+            <a:effectLst/>
+            <a:extLst>
+              <a:ext uri="{C572A759-6A51-4108-AA02-DFA0A04FC94B}">
+                <ma14:wrappingTextBoxFlag xmlns="" xmlns:ma14="http://schemas.microsoft.com/office/mac/drawingml/2011/main" val="1"/>
+              </a:ext>
+            </a:extLst>
+          </p:spPr>
+          <p:txBody>
+            <a:bodyPr wrap="square" lIns="91424" tIns="91424" rIns="91424" bIns="91424" numCol="1" anchor="ctr">
+              <a:spAutoFit/>
+            </a:bodyPr>
+            <a:lstStyle/>
+            <a:p>
+              <a:pPr algn="ctr">
+                <a:defRPr sz="1000" b="1">
+                  <a:solidFill>
+                    <a:schemeClr val="accent1"/>
+                  </a:solidFill>
+                  <a:latin typeface="Roboto Condensed"/>
+                  <a:ea typeface="Roboto Condensed"/>
+                  <a:cs typeface="Roboto Condensed"/>
+                  <a:sym typeface="Roboto Condensed"/>
+                </a:defRPr>
+              </a:pPr>
+              <a:r>
+                <a:rPr lang="en-US" sz="1600" dirty="0"/>
+                <a:t>REQUIREMENTS</a:t>
+              </a:r>
+              <a:endParaRPr sz="1600" dirty="0"/>
+            </a:p>
+            <a:p>
+              <a:pPr algn="ctr">
+                <a:defRPr sz="900" b="1">
+                  <a:latin typeface="Roboto Condensed"/>
+                  <a:ea typeface="Roboto Condensed"/>
+                  <a:cs typeface="Roboto Condensed"/>
+                  <a:sym typeface="Roboto Condensed"/>
+                </a:defRPr>
+              </a:pPr>
+              <a:endParaRPr dirty="0"/>
+            </a:p>
+            <a:p>
+              <a:pPr algn="ctr">
+                <a:defRPr sz="1000">
+                  <a:latin typeface="Roboto Condensed"/>
+                  <a:ea typeface="Roboto Condensed"/>
+                  <a:cs typeface="Roboto Condensed"/>
+                  <a:sym typeface="Roboto Condensed"/>
+                </a:defRPr>
+              </a:pPr>
+              <a:r>
+                <a:rPr sz="1600" dirty="0"/>
+                <a:t>Personas</a:t>
+              </a:r>
+            </a:p>
+            <a:p>
+              <a:pPr algn="ctr">
+                <a:defRPr sz="1000">
+                  <a:latin typeface="Roboto Condensed"/>
+                  <a:ea typeface="Roboto Condensed"/>
+                  <a:cs typeface="Roboto Condensed"/>
+                  <a:sym typeface="Roboto Condensed"/>
+                </a:defRPr>
+              </a:pPr>
+              <a:r>
+                <a:rPr sz="1600" dirty="0"/>
+                <a:t>Use Cases</a:t>
+              </a:r>
+            </a:p>
+          </p:txBody>
+        </p:sp>
+      </p:grpSp>
+      <p:grpSp>
+        <p:nvGrpSpPr>
+          <p:cNvPr id="204" name="Group 204"/>
+          <p:cNvGrpSpPr/>
+          <p:nvPr/>
+        </p:nvGrpSpPr>
+        <p:grpSpPr>
+          <a:xfrm>
+            <a:off x="4945816" y="3833085"/>
+            <a:ext cx="2245581" cy="2227300"/>
+            <a:chOff x="-1" y="0"/>
+            <a:chExt cx="2245580" cy="2227298"/>
+          </a:xfrm>
+        </p:grpSpPr>
+        <p:sp>
+          <p:nvSpPr>
+            <p:cNvPr id="202" name="Shape 202"/>
+            <p:cNvSpPr/>
+            <p:nvPr/>
+          </p:nvSpPr>
+          <p:spPr>
+            <a:xfrm>
+              <a:off x="-1" y="0"/>
+              <a:ext cx="2245580" cy="2227298"/>
+            </a:xfrm>
+            <a:prstGeom prst="ellipse">
+              <a:avLst/>
+            </a:prstGeom>
+            <a:solidFill>
+              <a:srgbClr val="EEEEEE"/>
+            </a:solidFill>
+            <a:ln w="28575" cap="flat">
+              <a:solidFill>
+                <a:schemeClr val="accent1"/>
+              </a:solidFill>
+              <a:prstDash val="solid"/>
+              <a:round/>
+            </a:ln>
+            <a:effectLst/>
+          </p:spPr>
+          <p:txBody>
+            <a:bodyPr wrap="square" lIns="45719" tIns="45719" rIns="45719" bIns="45719" numCol="1" anchor="ctr">
+              <a:noAutofit/>
+            </a:bodyPr>
+            <a:lstStyle/>
+            <a:p>
+              <a:pPr algn="ctr">
+                <a:defRPr sz="1000">
+                  <a:latin typeface="Roboto Condensed"/>
+                  <a:ea typeface="Roboto Condensed"/>
+                  <a:cs typeface="Roboto Condensed"/>
+                  <a:sym typeface="Roboto Condensed"/>
+                </a:defRPr>
+              </a:pPr>
+              <a:endParaRPr/>
+            </a:p>
+          </p:txBody>
+        </p:sp>
+        <p:sp>
+          <p:nvSpPr>
+            <p:cNvPr id="203" name="Shape 203"/>
+            <p:cNvSpPr/>
+            <p:nvPr/>
+          </p:nvSpPr>
+          <p:spPr>
+            <a:xfrm>
+              <a:off x="328856" y="582752"/>
+              <a:ext cx="1587866" cy="1061796"/>
+            </a:xfrm>
+            <a:prstGeom prst="rect">
+              <a:avLst/>
+            </a:prstGeom>
+            <a:noFill/>
+            <a:ln w="12700" cap="flat">
+              <a:noFill/>
+              <a:miter lim="400000"/>
+            </a:ln>
+            <a:effectLst/>
+            <a:extLst>
+              <a:ext uri="{C572A759-6A51-4108-AA02-DFA0A04FC94B}">
+                <ma14:wrappingTextBoxFlag xmlns="" xmlns:ma14="http://schemas.microsoft.com/office/mac/drawingml/2011/main" val="1"/>
+              </a:ext>
+            </a:extLst>
+          </p:spPr>
+          <p:txBody>
+            <a:bodyPr wrap="square" lIns="91424" tIns="91424" rIns="91424" bIns="91424" numCol="1" anchor="ctr">
+              <a:spAutoFit/>
+            </a:bodyPr>
+            <a:lstStyle/>
+            <a:p>
+              <a:pPr algn="ctr">
+                <a:defRPr sz="1000" b="1">
+                  <a:solidFill>
+                    <a:schemeClr val="accent1"/>
+                  </a:solidFill>
+                  <a:latin typeface="Roboto Condensed"/>
+                  <a:ea typeface="Roboto Condensed"/>
+                  <a:cs typeface="Roboto Condensed"/>
+                  <a:sym typeface="Roboto Condensed"/>
+                </a:defRPr>
+              </a:pPr>
+              <a:r>
+                <a:rPr lang="en-US" sz="1600" dirty="0"/>
+                <a:t>PROTOTYPE</a:t>
+              </a:r>
+              <a:endParaRPr sz="1600" dirty="0"/>
+            </a:p>
+            <a:p>
+              <a:pPr algn="ctr">
+                <a:defRPr sz="900" b="1">
+                  <a:latin typeface="Roboto Condensed"/>
+                  <a:ea typeface="Roboto Condensed"/>
+                  <a:cs typeface="Roboto Condensed"/>
+                  <a:sym typeface="Roboto Condensed"/>
+                </a:defRPr>
+              </a:pPr>
+              <a:endParaRPr dirty="0"/>
+            </a:p>
+            <a:p>
+              <a:pPr algn="ctr">
+                <a:defRPr sz="1000">
+                  <a:latin typeface="Roboto Condensed"/>
+                  <a:ea typeface="Roboto Condensed"/>
+                  <a:cs typeface="Roboto Condensed"/>
+                  <a:sym typeface="Roboto Condensed"/>
+                </a:defRPr>
+              </a:pPr>
+              <a:r>
+                <a:rPr sz="1600" dirty="0"/>
+                <a:t>Interface</a:t>
+              </a:r>
+            </a:p>
+            <a:p>
+              <a:pPr algn="ctr">
+                <a:defRPr sz="1000">
+                  <a:latin typeface="Roboto Condensed"/>
+                  <a:ea typeface="Roboto Condensed"/>
+                  <a:cs typeface="Roboto Condensed"/>
+                  <a:sym typeface="Roboto Condensed"/>
+                </a:defRPr>
+              </a:pPr>
+              <a:r>
+                <a:rPr sz="1600" dirty="0"/>
+                <a:t>User Testing</a:t>
+              </a:r>
+            </a:p>
+          </p:txBody>
+        </p:sp>
+      </p:grpSp>
+      <p:grpSp>
+        <p:nvGrpSpPr>
+          <p:cNvPr id="207" name="Group 207"/>
+          <p:cNvGrpSpPr/>
+          <p:nvPr/>
+        </p:nvGrpSpPr>
+        <p:grpSpPr>
+          <a:xfrm>
+            <a:off x="1553980" y="3960852"/>
+            <a:ext cx="2009410" cy="1925286"/>
+            <a:chOff x="0" y="-1"/>
+            <a:chExt cx="1571108" cy="1558319"/>
+          </a:xfrm>
+        </p:grpSpPr>
+        <p:sp>
+          <p:nvSpPr>
+            <p:cNvPr id="205" name="Shape 205"/>
+            <p:cNvSpPr/>
+            <p:nvPr/>
+          </p:nvSpPr>
+          <p:spPr>
+            <a:xfrm>
+              <a:off x="0" y="-1"/>
+              <a:ext cx="1571108" cy="1558319"/>
+            </a:xfrm>
+            <a:prstGeom prst="ellipse">
+              <a:avLst/>
+            </a:prstGeom>
+            <a:solidFill>
+              <a:srgbClr val="EEEEEE"/>
+            </a:solidFill>
+            <a:ln w="28575" cap="flat">
+              <a:solidFill>
+                <a:schemeClr val="accent1"/>
+              </a:solidFill>
+              <a:prstDash val="solid"/>
+              <a:round/>
+            </a:ln>
+            <a:effectLst/>
+          </p:spPr>
+          <p:txBody>
+            <a:bodyPr wrap="square" lIns="45719" tIns="45719" rIns="45719" bIns="45719" numCol="1" anchor="ctr">
+              <a:noAutofit/>
+            </a:bodyPr>
+            <a:lstStyle/>
+            <a:p>
+              <a:pPr algn="ctr">
+                <a:defRPr sz="1000">
+                  <a:latin typeface="Roboto Condensed"/>
+                  <a:ea typeface="Roboto Condensed"/>
+                  <a:cs typeface="Roboto Condensed"/>
+                  <a:sym typeface="Roboto Condensed"/>
+                </a:defRPr>
+              </a:pPr>
+              <a:endParaRPr/>
+            </a:p>
+          </p:txBody>
+        </p:sp>
+        <p:sp>
+          <p:nvSpPr>
+            <p:cNvPr id="206" name="Shape 206"/>
+            <p:cNvSpPr/>
+            <p:nvPr/>
+          </p:nvSpPr>
+          <p:spPr>
+            <a:xfrm>
+              <a:off x="194188" y="119690"/>
+              <a:ext cx="1182731" cy="1377086"/>
+            </a:xfrm>
+            <a:prstGeom prst="rect">
+              <a:avLst/>
+            </a:prstGeom>
+            <a:noFill/>
+            <a:ln w="12700" cap="flat">
+              <a:noFill/>
+              <a:miter lim="400000"/>
+            </a:ln>
+            <a:effectLst/>
+            <a:extLst>
+              <a:ext uri="{C572A759-6A51-4108-AA02-DFA0A04FC94B}">
+                <ma14:wrappingTextBoxFlag xmlns="" xmlns:ma14="http://schemas.microsoft.com/office/mac/drawingml/2011/main" val="1"/>
+              </a:ext>
+            </a:extLst>
+          </p:spPr>
+          <p:txBody>
+            <a:bodyPr wrap="square" lIns="91424" tIns="91424" rIns="91424" bIns="91424" numCol="1" anchor="ctr">
+              <a:spAutoFit/>
+            </a:bodyPr>
+            <a:lstStyle/>
+            <a:p>
+              <a:pPr algn="ctr">
+                <a:defRPr sz="1000" b="1">
+                  <a:solidFill>
+                    <a:schemeClr val="accent1"/>
+                  </a:solidFill>
+                  <a:latin typeface="Roboto Condensed"/>
+                  <a:ea typeface="Roboto Condensed"/>
+                  <a:cs typeface="Roboto Condensed"/>
+                  <a:sym typeface="Roboto Condensed"/>
+                </a:defRPr>
+              </a:pPr>
+              <a:r>
+                <a:rPr sz="1600" dirty="0"/>
+                <a:t>EVALUATE</a:t>
+              </a:r>
+            </a:p>
+            <a:p>
+              <a:pPr algn="ctr">
+                <a:defRPr sz="900" b="1">
+                  <a:latin typeface="Roboto Condensed"/>
+                  <a:ea typeface="Roboto Condensed"/>
+                  <a:cs typeface="Roboto Condensed"/>
+                  <a:sym typeface="Roboto Condensed"/>
+                </a:defRPr>
+              </a:pPr>
+              <a:endParaRPr sz="900" dirty="0"/>
+            </a:p>
+            <a:p>
+              <a:pPr algn="ctr">
+                <a:defRPr sz="1000">
+                  <a:latin typeface="Roboto Condensed"/>
+                  <a:ea typeface="Roboto Condensed"/>
+                  <a:cs typeface="Roboto Condensed"/>
+                  <a:sym typeface="Roboto Condensed"/>
+                </a:defRPr>
+              </a:pPr>
+              <a:r>
+                <a:rPr sz="1600" dirty="0"/>
+                <a:t>Review Feedback</a:t>
+              </a:r>
+            </a:p>
+            <a:p>
+              <a:pPr algn="ctr">
+                <a:defRPr sz="1000">
+                  <a:latin typeface="Roboto Condensed"/>
+                  <a:ea typeface="Roboto Condensed"/>
+                  <a:cs typeface="Roboto Condensed"/>
+                  <a:sym typeface="Roboto Condensed"/>
+                </a:defRPr>
+              </a:pPr>
+              <a:r>
+                <a:rPr sz="1600" dirty="0"/>
+                <a:t>Lesson Learned</a:t>
+              </a:r>
+            </a:p>
+          </p:txBody>
+        </p:sp>
+      </p:grpSp>
+      <p:grpSp>
+        <p:nvGrpSpPr>
+          <p:cNvPr id="210" name="Group 210"/>
+          <p:cNvGrpSpPr/>
+          <p:nvPr/>
+        </p:nvGrpSpPr>
+        <p:grpSpPr>
+          <a:xfrm>
+            <a:off x="8703884" y="3030498"/>
+            <a:ext cx="2443330" cy="2514358"/>
+            <a:chOff x="-1" y="-1"/>
+            <a:chExt cx="2443328" cy="2514356"/>
+          </a:xfrm>
+        </p:grpSpPr>
+        <p:sp>
+          <p:nvSpPr>
+            <p:cNvPr id="208" name="Shape 208"/>
+            <p:cNvSpPr/>
+            <p:nvPr/>
+          </p:nvSpPr>
+          <p:spPr>
+            <a:xfrm>
+              <a:off x="-1" y="-1"/>
+              <a:ext cx="2443328" cy="2514356"/>
+            </a:xfrm>
+            <a:prstGeom prst="ellipse">
+              <a:avLst/>
+            </a:prstGeom>
+            <a:solidFill>
+              <a:srgbClr val="EEEEEE"/>
+            </a:solidFill>
+            <a:ln w="28575" cap="flat">
+              <a:solidFill>
+                <a:schemeClr val="accent1"/>
+              </a:solidFill>
+              <a:prstDash val="solid"/>
+              <a:round/>
+            </a:ln>
+            <a:effectLst/>
+          </p:spPr>
+          <p:txBody>
+            <a:bodyPr wrap="square" lIns="45719" tIns="45719" rIns="45719" bIns="45719" numCol="1" anchor="ctr">
+              <a:noAutofit/>
+            </a:bodyPr>
+            <a:lstStyle/>
+            <a:p>
+              <a:pPr algn="ctr">
+                <a:defRPr sz="1000">
+                  <a:latin typeface="Roboto Condensed"/>
+                  <a:ea typeface="Roboto Condensed"/>
+                  <a:cs typeface="Roboto Condensed"/>
+                  <a:sym typeface="Roboto Condensed"/>
+                </a:defRPr>
+              </a:pPr>
+              <a:endParaRPr/>
+            </a:p>
+          </p:txBody>
+        </p:sp>
+        <p:sp>
+          <p:nvSpPr>
+            <p:cNvPr id="209" name="Shape 209"/>
+            <p:cNvSpPr/>
+            <p:nvPr/>
+          </p:nvSpPr>
+          <p:spPr>
+            <a:xfrm>
+              <a:off x="357816" y="849389"/>
+              <a:ext cx="1727694" cy="815575"/>
+            </a:xfrm>
+            <a:prstGeom prst="rect">
+              <a:avLst/>
+            </a:prstGeom>
+            <a:noFill/>
+            <a:ln w="12700" cap="flat">
+              <a:noFill/>
+              <a:miter lim="400000"/>
+            </a:ln>
+            <a:effectLst/>
+            <a:extLst>
+              <a:ext uri="{C572A759-6A51-4108-AA02-DFA0A04FC94B}">
+                <ma14:wrappingTextBoxFlag xmlns="" xmlns:ma14="http://schemas.microsoft.com/office/mac/drawingml/2011/main" val="1"/>
+              </a:ext>
+            </a:extLst>
+          </p:spPr>
+          <p:txBody>
+            <a:bodyPr wrap="square" lIns="91424" tIns="91424" rIns="91424" bIns="91424" numCol="1" anchor="ctr">
+              <a:spAutoFit/>
+            </a:bodyPr>
+            <a:lstStyle/>
+            <a:p>
+              <a:pPr algn="ctr">
+                <a:defRPr sz="1000" b="1">
+                  <a:solidFill>
+                    <a:schemeClr val="accent1"/>
+                  </a:solidFill>
+                  <a:latin typeface="Roboto Condensed"/>
+                  <a:ea typeface="Roboto Condensed"/>
+                  <a:cs typeface="Roboto Condensed"/>
+                  <a:sym typeface="Roboto Condensed"/>
+                </a:defRPr>
+              </a:pPr>
+              <a:r>
+                <a:rPr sz="1600" dirty="0"/>
+                <a:t>IDEATE</a:t>
+              </a:r>
+            </a:p>
+            <a:p>
+              <a:pPr algn="ctr">
+                <a:defRPr sz="900" b="1">
+                  <a:latin typeface="Roboto Condensed"/>
+                  <a:ea typeface="Roboto Condensed"/>
+                  <a:cs typeface="Roboto Condensed"/>
+                  <a:sym typeface="Roboto Condensed"/>
+                </a:defRPr>
+              </a:pPr>
+              <a:endParaRPr dirty="0"/>
+            </a:p>
+            <a:p>
+              <a:pPr algn="ctr">
+                <a:defRPr sz="1000">
+                  <a:latin typeface="Roboto Condensed"/>
+                  <a:ea typeface="Roboto Condensed"/>
+                  <a:cs typeface="Roboto Condensed"/>
+                  <a:sym typeface="Roboto Condensed"/>
+                </a:defRPr>
+              </a:pPr>
+              <a:r>
+                <a:rPr sz="1600" dirty="0"/>
+                <a:t>Design</a:t>
+              </a:r>
+            </a:p>
+          </p:txBody>
+        </p:sp>
+      </p:grpSp>
+      <p:sp>
+        <p:nvSpPr>
+          <p:cNvPr id="211" name="Shape 211"/>
+          <p:cNvSpPr/>
+          <p:nvPr/>
+        </p:nvSpPr>
+        <p:spPr>
+          <a:xfrm>
+            <a:off x="3021303" y="2365234"/>
+            <a:ext cx="695846" cy="111507"/>
+          </a:xfrm>
+          <a:prstGeom prst="line">
+            <a:avLst/>
+          </a:prstGeom>
+          <a:ln w="38100">
+            <a:solidFill>
+              <a:schemeClr val="accent5">
+                <a:lumMod val="50000"/>
+              </a:schemeClr>
+            </a:solidFill>
+            <a:tailEnd type="triangle"/>
+          </a:ln>
+        </p:spPr>
+        <p:txBody>
+          <a:bodyPr lIns="45719" rIns="45719"/>
+          <a:lstStyle/>
+          <a:p>
+            <a:endParaRPr/>
+          </a:p>
+        </p:txBody>
+      </p:sp>
+      <p:sp>
+        <p:nvSpPr>
+          <p:cNvPr id="212" name="Shape 212"/>
+          <p:cNvSpPr/>
+          <p:nvPr/>
+        </p:nvSpPr>
+        <p:spPr>
+          <a:xfrm flipV="1">
+            <a:off x="5669274" y="2060750"/>
+            <a:ext cx="764770" cy="516579"/>
+          </a:xfrm>
+          <a:prstGeom prst="line">
+            <a:avLst/>
+          </a:prstGeom>
+          <a:ln w="38100">
+            <a:solidFill>
+              <a:schemeClr val="accent5">
+                <a:lumMod val="50000"/>
+              </a:schemeClr>
+            </a:solidFill>
+            <a:tailEnd type="triangle"/>
+          </a:ln>
+        </p:spPr>
+        <p:txBody>
+          <a:bodyPr lIns="45719" rIns="45719"/>
+          <a:lstStyle/>
+          <a:p>
+            <a:endParaRPr/>
+          </a:p>
+        </p:txBody>
+      </p:sp>
+      <p:sp>
+        <p:nvSpPr>
+          <p:cNvPr id="213" name="Shape 213"/>
+          <p:cNvSpPr/>
+          <p:nvPr/>
+        </p:nvSpPr>
+        <p:spPr>
+          <a:xfrm>
+            <a:off x="8424472" y="2361142"/>
+            <a:ext cx="786974" cy="870198"/>
+          </a:xfrm>
+          <a:prstGeom prst="line">
+            <a:avLst/>
+          </a:prstGeom>
+          <a:ln w="38100">
+            <a:solidFill>
+              <a:schemeClr val="accent5">
+                <a:lumMod val="50000"/>
+              </a:schemeClr>
+            </a:solidFill>
+            <a:tailEnd type="triangle"/>
+          </a:ln>
+        </p:spPr>
+        <p:txBody>
+          <a:bodyPr lIns="45719" rIns="45719"/>
+          <a:lstStyle/>
+          <a:p>
+            <a:endParaRPr/>
+          </a:p>
+        </p:txBody>
+      </p:sp>
+      <p:sp>
+        <p:nvSpPr>
+          <p:cNvPr id="214" name="Shape 214"/>
+          <p:cNvSpPr/>
+          <p:nvPr/>
+        </p:nvSpPr>
+        <p:spPr>
+          <a:xfrm flipH="1">
+            <a:off x="7210446" y="4346121"/>
+            <a:ext cx="1473257" cy="600614"/>
+          </a:xfrm>
+          <a:prstGeom prst="line">
+            <a:avLst/>
+          </a:prstGeom>
+          <a:ln w="38100">
+            <a:solidFill>
+              <a:schemeClr val="accent5">
+                <a:lumMod val="50000"/>
+              </a:schemeClr>
+            </a:solidFill>
+            <a:tailEnd type="triangle"/>
+          </a:ln>
+        </p:spPr>
+        <p:txBody>
+          <a:bodyPr lIns="45719" rIns="45719"/>
+          <a:lstStyle/>
+          <a:p>
+            <a:endParaRPr/>
+          </a:p>
+        </p:txBody>
+      </p:sp>
+      <p:sp>
+        <p:nvSpPr>
+          <p:cNvPr id="215" name="Shape 215"/>
+          <p:cNvSpPr/>
+          <p:nvPr/>
+        </p:nvSpPr>
+        <p:spPr>
+          <a:xfrm flipV="1">
+            <a:off x="6560695" y="2824809"/>
+            <a:ext cx="493784" cy="1136043"/>
+          </a:xfrm>
+          <a:prstGeom prst="line">
+            <a:avLst/>
+          </a:prstGeom>
+          <a:ln w="38100">
+            <a:solidFill>
+              <a:schemeClr val="accent5">
+                <a:lumMod val="50000"/>
+              </a:schemeClr>
+            </a:solidFill>
+            <a:tailEnd type="triangle"/>
+          </a:ln>
+        </p:spPr>
+        <p:txBody>
+          <a:bodyPr lIns="45719" rIns="45719"/>
+          <a:lstStyle/>
+          <a:p>
+            <a:endParaRPr/>
+          </a:p>
+        </p:txBody>
+      </p:sp>
+      <p:sp>
+        <p:nvSpPr>
+          <p:cNvPr id="216" name="Shape 216"/>
+          <p:cNvSpPr/>
+          <p:nvPr/>
+        </p:nvSpPr>
+        <p:spPr>
+          <a:xfrm flipH="1" flipV="1">
+            <a:off x="3563389" y="4876011"/>
+            <a:ext cx="1363378" cy="70724"/>
+          </a:xfrm>
+          <a:prstGeom prst="line">
+            <a:avLst/>
+          </a:prstGeom>
+          <a:ln w="38100">
+            <a:solidFill>
+              <a:schemeClr val="accent5">
+                <a:lumMod val="50000"/>
+              </a:schemeClr>
+            </a:solidFill>
+            <a:tailEnd type="triangle"/>
+          </a:ln>
+        </p:spPr>
+        <p:txBody>
+          <a:bodyPr lIns="45719" rIns="45719"/>
+          <a:lstStyle/>
+          <a:p>
+            <a:endParaRPr/>
           </a:p>
         </p:txBody>
       </p:sp>
@@ -8330,7 +9354,7 @@
           <p:nvPr/>
         </p:nvPicPr>
         <p:blipFill>
-          <a:blip r:embed="rId2">
+          <a:blip r:embed="rId3">
             <a:extLst/>
           </a:blip>
           <a:stretch>
@@ -8350,212 +9374,21 @@
           </a:ln>
         </p:spPr>
       </p:pic>
-    </p:spTree>
-  </p:cSld>
-  <p:clrMapOvr>
-    <a:masterClrMapping/>
-  </p:clrMapOvr>
-  <p:transition spd="med"/>
-</p:sld>
-</file>
-
-<file path=ppt/slides/slide7.xml><?xml version="1.0" encoding="utf-8"?>
-<p:sld xmlns:a="http://schemas.openxmlformats.org/drawingml/2006/main" xmlns:r="http://schemas.openxmlformats.org/officeDocument/2006/relationships" xmlns:p="http://schemas.openxmlformats.org/presentationml/2006/main">
-  <p:cSld>
-    <p:spTree>
-      <p:nvGrpSpPr>
-        <p:cNvPr id="1" name=""/>
-        <p:cNvGrpSpPr/>
-        <p:nvPr/>
-      </p:nvGrpSpPr>
-      <p:grpSpPr>
-        <a:xfrm>
-          <a:off x="0" y="0"/>
-          <a:ext cx="0" cy="0"/>
-          <a:chOff x="0" y="0"/>
-          <a:chExt cx="0" cy="0"/>
-        </a:xfrm>
-      </p:grpSpPr>
-      <p:sp>
-        <p:nvSpPr>
-          <p:cNvPr id="222" name="Shape 222"/>
-          <p:cNvSpPr>
-            <a:spLocks noGrp="1"/>
-          </p:cNvSpPr>
-          <p:nvPr>
-            <p:ph type="title"/>
-          </p:nvPr>
-        </p:nvSpPr>
-        <p:spPr>
-          <a:xfrm>
-            <a:off x="592304" y="120259"/>
-            <a:ext cx="9956800" cy="1143001"/>
-          </a:xfrm>
-          <a:prstGeom prst="rect">
-            <a:avLst/>
-          </a:prstGeom>
-        </p:spPr>
-        <p:txBody>
-          <a:bodyPr/>
-          <a:lstStyle>
-            <a:lvl1pPr>
-              <a:defRPr sz="3200" b="1"/>
-            </a:lvl1pPr>
-          </a:lstStyle>
-          <a:p>
-            <a:r>
-              <a:rPr dirty="0"/>
-              <a:t>Control Logic – Earnings Report Module</a:t>
-            </a:r>
-          </a:p>
-        </p:txBody>
-      </p:sp>
-      <p:sp>
-        <p:nvSpPr>
-          <p:cNvPr id="225" name="Shape 225"/>
+      <p:sp>
+        <p:nvSpPr>
+          <p:cNvPr id="3" name="Oval 2"/>
           <p:cNvSpPr/>
           <p:nvPr/>
         </p:nvSpPr>
         <p:spPr>
           <a:xfrm>
-            <a:off x="5570704" y="1522412"/>
-            <a:ext cx="4167061" cy="1569660"/>
-          </a:xfrm>
-          <a:prstGeom prst="rect">
-            <a:avLst/>
-          </a:prstGeom>
-          <a:solidFill>
-            <a:srgbClr val="FAFAFA"/>
-          </a:solidFill>
-          <a:ln w="12700">
-            <a:solidFill>
-              <a:schemeClr val="accent1"/>
-            </a:solidFill>
-          </a:ln>
-          <a:extLst>
-            <a:ext uri="{C572A759-6A51-4108-AA02-DFA0A04FC94B}">
-              <ma14:wrappingTextBoxFlag xmlns:ma14="http://schemas.microsoft.com/office/mac/drawingml/2011/main" xmlns="" val="1"/>
-            </a:ext>
-          </a:extLst>
-        </p:spPr>
-        <p:txBody>
-          <a:bodyPr wrap="square" lIns="45719" rIns="45719">
-            <a:spAutoFit/>
-          </a:bodyPr>
-          <a:lstStyle/>
-          <a:p>
-            <a:pPr>
-              <a:buSzPct val="100000"/>
-              <a:defRPr sz="2400">
-                <a:latin typeface="Gill Sans MT"/>
-                <a:ea typeface="Gill Sans MT"/>
-                <a:cs typeface="Gill Sans MT"/>
-                <a:sym typeface="Gill Sans MT"/>
-              </a:defRPr>
-            </a:pPr>
-            <a:r>
-              <a:rPr lang="en-US" dirty="0" smtClean="0"/>
-              <a:t>T</a:t>
-            </a:r>
-            <a:r>
-              <a:rPr dirty="0" smtClean="0"/>
-              <a:t>he </a:t>
-            </a:r>
-            <a:r>
-              <a:rPr dirty="0"/>
-              <a:t>start and </a:t>
-            </a:r>
-            <a:r>
-              <a:rPr lang="en-US" dirty="0" smtClean="0"/>
-              <a:t>E</a:t>
-            </a:r>
-            <a:r>
-              <a:rPr dirty="0" smtClean="0"/>
-              <a:t>nd </a:t>
-            </a:r>
-            <a:r>
-              <a:rPr dirty="0"/>
-              <a:t>dates of each quarter to parse our Google trends data</a:t>
-            </a:r>
-          </a:p>
-          <a:p>
-            <a:pPr marL="514350" indent="-514350">
-              <a:buSzPct val="100000"/>
-              <a:buAutoNum type="arabicPeriod"/>
-              <a:defRPr sz="2400">
-                <a:latin typeface="Gill Sans MT"/>
-                <a:ea typeface="Gill Sans MT"/>
-                <a:cs typeface="Gill Sans MT"/>
-                <a:sym typeface="Gill Sans MT"/>
-              </a:defRPr>
-            </a:pPr>
-            <a:endParaRPr dirty="0"/>
-          </a:p>
-        </p:txBody>
-      </p:sp>
-      <p:sp>
-        <p:nvSpPr>
-          <p:cNvPr id="2" name="Rectangle 1"/>
-          <p:cNvSpPr/>
-          <p:nvPr/>
-        </p:nvSpPr>
-        <p:spPr>
-          <a:xfrm>
-            <a:off x="681347" y="1721921"/>
-            <a:ext cx="2520242" cy="984885"/>
-          </a:xfrm>
-          <a:prstGeom prst="rect">
-            <a:avLst/>
-          </a:prstGeom>
-        </p:spPr>
-        <p:txBody>
-          <a:bodyPr wrap="none">
-            <a:spAutoFit/>
-          </a:bodyPr>
-          <a:lstStyle/>
-          <a:p>
-            <a:r>
-              <a:rPr lang="en-US" sz="2000" dirty="0" err="1"/>
-              <a:t>get_quarter_begin</a:t>
-            </a:r>
-            <a:r>
-              <a:rPr lang="en-US" sz="2000" dirty="0" smtClean="0"/>
-              <a:t>()</a:t>
-            </a:r>
-          </a:p>
-          <a:p>
-            <a:r>
-              <a:rPr lang="en-US" sz="2000" dirty="0" err="1"/>
-              <a:t>get_quarter_end</a:t>
-            </a:r>
-            <a:r>
-              <a:rPr lang="en-US" sz="2000" dirty="0" smtClean="0"/>
-              <a:t>()</a:t>
-            </a:r>
-            <a:endParaRPr lang="en-US" sz="2000" dirty="0"/>
-          </a:p>
-          <a:p>
-            <a:endParaRPr lang="en-US" dirty="0"/>
-          </a:p>
-        </p:txBody>
-      </p:sp>
-      <p:sp>
-        <p:nvSpPr>
-          <p:cNvPr id="3" name="Right Arrow 2"/>
-          <p:cNvSpPr/>
-          <p:nvPr/>
-        </p:nvSpPr>
-        <p:spPr>
-          <a:xfrm>
-            <a:off x="3705101" y="1846360"/>
-            <a:ext cx="978408" cy="484632"/>
-          </a:xfrm>
-          <a:prstGeom prst="rightArrow">
-            <a:avLst/>
-          </a:prstGeom>
-          <a:solidFill>
-            <a:srgbClr val="FFFFFF"/>
-          </a:solidFill>
+            <a:off x="769496" y="1484371"/>
+            <a:ext cx="3292838" cy="849097"/>
+          </a:xfrm>
+          <a:prstGeom prst="ellipse">
+            <a:avLst/>
+          </a:prstGeom>
+          <a:noFill/>
           <a:ln w="25400" cap="flat">
             <a:solidFill>
               <a:schemeClr val="accent1"/>
@@ -8623,16 +9456,76 @@
           </a:p>
         </p:txBody>
       </p:sp>
-      <p:sp>
-        <p:nvSpPr>
-          <p:cNvPr id="9" name="Shape 225"/>
+    </p:spTree>
+  </p:cSld>
+  <p:clrMapOvr>
+    <a:masterClrMapping/>
+  </p:clrMapOvr>
+  <p:transition spd="med"/>
+</p:sld>
+</file>
+
+<file path=ppt/slides/slide7.xml><?xml version="1.0" encoding="utf-8"?>
+<p:sld xmlns:a="http://schemas.openxmlformats.org/drawingml/2006/main" xmlns:r="http://schemas.openxmlformats.org/officeDocument/2006/relationships" xmlns:p="http://schemas.openxmlformats.org/presentationml/2006/main">
+  <p:cSld>
+    <p:spTree>
+      <p:nvGrpSpPr>
+        <p:cNvPr id="1" name=""/>
+        <p:cNvGrpSpPr/>
+        <p:nvPr/>
+      </p:nvGrpSpPr>
+      <p:grpSpPr>
+        <a:xfrm>
+          <a:off x="0" y="0"/>
+          <a:ext cx="0" cy="0"/>
+          <a:chOff x="0" y="0"/>
+          <a:chExt cx="0" cy="0"/>
+        </a:xfrm>
+      </p:grpSpPr>
+      <p:sp>
+        <p:nvSpPr>
+          <p:cNvPr id="222" name="Shape 222"/>
+          <p:cNvSpPr>
+            <a:spLocks noGrp="1"/>
+          </p:cNvSpPr>
+          <p:nvPr>
+            <p:ph type="title"/>
+          </p:nvPr>
+        </p:nvSpPr>
+        <p:spPr>
+          <a:xfrm>
+            <a:off x="592304" y="120259"/>
+            <a:ext cx="9956800" cy="1143001"/>
+          </a:xfrm>
+          <a:prstGeom prst="rect">
+            <a:avLst/>
+          </a:prstGeom>
+        </p:spPr>
+        <p:txBody>
+          <a:bodyPr/>
+          <a:lstStyle>
+            <a:lvl1pPr>
+              <a:defRPr sz="3200" b="1"/>
+            </a:lvl1pPr>
+          </a:lstStyle>
+          <a:p>
+            <a:r>
+              <a:rPr dirty="0"/>
+              <a:t>Control Logic – Earnings Report Module</a:t>
+            </a:r>
+          </a:p>
+        </p:txBody>
+      </p:sp>
+      <p:sp>
+        <p:nvSpPr>
+          <p:cNvPr id="225" name="Shape 225"/>
           <p:cNvSpPr/>
           <p:nvPr/>
         </p:nvSpPr>
         <p:spPr>
           <a:xfrm>
-            <a:off x="5570704" y="3703317"/>
-            <a:ext cx="4014662" cy="1938992"/>
+            <a:off x="5046048" y="1452237"/>
+            <a:ext cx="5227211" cy="2062103"/>
           </a:xfrm>
           <a:prstGeom prst="rect">
             <a:avLst/>
@@ -8647,7 +9540,7 @@
           </a:ln>
           <a:extLst>
             <a:ext uri="{C572A759-6A51-4108-AA02-DFA0A04FC94B}">
-              <ma14:wrappingTextBoxFlag xmlns:ma14="http://schemas.microsoft.com/office/mac/drawingml/2011/main" xmlns="" val="1"/>
+              <ma14:wrappingTextBoxFlag xmlns="" xmlns:ma14="http://schemas.microsoft.com/office/mac/drawingml/2011/main" val="1"/>
             </a:ext>
           </a:extLst>
         </p:spPr>
@@ -8667,53 +9560,55 @@
               </a:defRPr>
             </a:pPr>
             <a:r>
-              <a:rPr lang="en-US" dirty="0" smtClean="0"/>
-              <a:t>1.</a:t>
-            </a:r>
-            <a:r>
-              <a:rPr lang="en-US" dirty="0"/>
-              <a:t> Get earnings release </a:t>
-            </a:r>
-            <a:r>
-              <a:rPr lang="en-US" dirty="0" smtClean="0"/>
-              <a:t>date for each company </a:t>
-            </a:r>
-            <a:r>
-              <a:rPr lang="en-US" dirty="0"/>
-              <a:t>from Yahoo </a:t>
-            </a:r>
-            <a:r>
-              <a:rPr lang="en-US" dirty="0" smtClean="0"/>
-              <a:t>finance</a:t>
-            </a:r>
-          </a:p>
-          <a:p>
-            <a:pPr>
-              <a:buSzPct val="100000"/>
-              <a:defRPr sz="2400">
-                <a:latin typeface="Gill Sans MT"/>
-                <a:ea typeface="Gill Sans MT"/>
-                <a:cs typeface="Gill Sans MT"/>
-                <a:sym typeface="Gill Sans MT"/>
-              </a:defRPr>
-            </a:pPr>
-            <a:r>
-              <a:rPr lang="en-US" dirty="0" smtClean="0"/>
-              <a:t>2. Pass the date to ML model for prediction</a:t>
-            </a:r>
-          </a:p>
-        </p:txBody>
-      </p:sp>
-      <p:sp>
-        <p:nvSpPr>
-          <p:cNvPr id="4" name="Rectangle 3"/>
+              <a:rPr lang="en-US" sz="3200" dirty="0"/>
+              <a:t>T</a:t>
+            </a:r>
+            <a:r>
+              <a:rPr sz="3200" dirty="0"/>
+              <a:t>he </a:t>
+            </a:r>
+            <a:r>
+              <a:rPr lang="en-US" sz="3200" dirty="0"/>
+              <a:t>s</a:t>
+            </a:r>
+            <a:r>
+              <a:rPr sz="3200" dirty="0"/>
+              <a:t>tart and </a:t>
+            </a:r>
+            <a:r>
+              <a:rPr lang="en-US" sz="3200" dirty="0"/>
+              <a:t>e</a:t>
+            </a:r>
+            <a:r>
+              <a:rPr sz="3200" dirty="0"/>
+              <a:t>nd dates of each quarter to</a:t>
+            </a:r>
+            <a:r>
+              <a:rPr lang="en-US" sz="3200" dirty="0"/>
+              <a:t> define the range of</a:t>
+            </a:r>
+            <a:r>
+              <a:rPr sz="3200" dirty="0"/>
+              <a:t> Google trends data</a:t>
+            </a:r>
+            <a:r>
+              <a:rPr lang="en-US" sz="3200" dirty="0"/>
+              <a:t> used in the model</a:t>
+            </a:r>
+            <a:endParaRPr sz="3200" dirty="0"/>
+          </a:p>
+        </p:txBody>
+      </p:sp>
+      <p:sp>
+        <p:nvSpPr>
+          <p:cNvPr id="2" name="Rectangle 1"/>
           <p:cNvSpPr/>
           <p:nvPr/>
         </p:nvSpPr>
         <p:spPr>
           <a:xfrm>
-            <a:off x="803051" y="4233182"/>
-            <a:ext cx="2544286" cy="400110"/>
+            <a:off x="705391" y="2330992"/>
+            <a:ext cx="2520242" cy="984885"/>
           </a:xfrm>
           <a:prstGeom prst="rect">
             <a:avLst/>
@@ -8726,26 +9621,38 @@
           <a:lstStyle/>
           <a:p>
             <a:r>
-              <a:rPr lang="en-US" sz="2000" dirty="0" err="1" smtClean="0"/>
-              <a:t>get_earnings_data</a:t>
-            </a:r>
-            <a:r>
-              <a:rPr lang="en-US" sz="2000" dirty="0" smtClean="0"/>
+              <a:rPr lang="en-US" sz="2000" dirty="0" err="1"/>
+              <a:t>get_quarter_begin</a:t>
+            </a:r>
+            <a:r>
+              <a:rPr lang="en-US" sz="2000" dirty="0"/>
               <a:t>()</a:t>
             </a:r>
-            <a:endParaRPr lang="en-US" sz="2000" dirty="0"/>
-          </a:p>
-        </p:txBody>
-      </p:sp>
-      <p:sp>
-        <p:nvSpPr>
-          <p:cNvPr id="11" name="Right Arrow 10"/>
+          </a:p>
+          <a:p>
+            <a:r>
+              <a:rPr lang="en-US" sz="2000" dirty="0" err="1"/>
+              <a:t>get_quarter_end</a:t>
+            </a:r>
+            <a:r>
+              <a:rPr lang="en-US" sz="2000" dirty="0"/>
+              <a:t>()</a:t>
+            </a:r>
+          </a:p>
+          <a:p>
+            <a:endParaRPr lang="en-US" dirty="0"/>
+          </a:p>
+        </p:txBody>
+      </p:sp>
+      <p:sp>
+        <p:nvSpPr>
+          <p:cNvPr id="3" name="Right Arrow 2"/>
           <p:cNvSpPr/>
           <p:nvPr/>
         </p:nvSpPr>
         <p:spPr>
           <a:xfrm>
-            <a:off x="3731167" y="4175532"/>
+            <a:off x="3570189" y="2338802"/>
             <a:ext cx="978408" cy="484632"/>
           </a:xfrm>
           <a:prstGeom prst="rightArrow">
@@ -8821,75 +9728,112 @@
           </a:p>
         </p:txBody>
       </p:sp>
-    </p:spTree>
-  </p:cSld>
-  <p:clrMapOvr>
-    <a:masterClrMapping/>
-  </p:clrMapOvr>
-  <p:transition spd="med"/>
-</p:sld>
-</file>
-
-<file path=ppt/slides/slide8.xml><?xml version="1.0" encoding="utf-8"?>
-<p:sld xmlns:a="http://schemas.openxmlformats.org/drawingml/2006/main" xmlns:r="http://schemas.openxmlformats.org/officeDocument/2006/relationships" xmlns:p="http://schemas.openxmlformats.org/presentationml/2006/main">
-  <p:cSld>
-    <p:spTree>
-      <p:nvGrpSpPr>
-        <p:cNvPr id="1" name=""/>
-        <p:cNvGrpSpPr/>
-        <p:nvPr/>
-      </p:nvGrpSpPr>
-      <p:grpSpPr>
-        <a:xfrm>
-          <a:off x="0" y="0"/>
-          <a:ext cx="0" cy="0"/>
-          <a:chOff x="0" y="0"/>
-          <a:chExt cx="0" cy="0"/>
-        </a:xfrm>
-      </p:grpSpPr>
-      <p:sp>
-        <p:nvSpPr>
-          <p:cNvPr id="246" name="Shape 246"/>
-          <p:cNvSpPr>
-            <a:spLocks noGrp="1"/>
-          </p:cNvSpPr>
-          <p:nvPr>
-            <p:ph type="title"/>
-          </p:nvPr>
-        </p:nvSpPr>
-        <p:spPr>
-          <a:xfrm>
-            <a:off x="609599" y="274638"/>
-            <a:ext cx="10861966" cy="1143001"/>
-          </a:xfrm>
-          <a:prstGeom prst="rect">
-            <a:avLst/>
-          </a:prstGeom>
-        </p:spPr>
-        <p:txBody>
-          <a:bodyPr/>
-          <a:lstStyle/>
-          <a:p>
-            <a:pPr>
-              <a:defRPr sz="3200" b="1"/>
-            </a:pPr>
-            <a:r>
-              <a:t>Control Logic – PredictionStockPrice Module</a:t>
-            </a:r>
-            <a:br/>
-            <a:endParaRPr/>
-          </a:p>
-        </p:txBody>
-      </p:sp>
-      <p:sp>
-        <p:nvSpPr>
-          <p:cNvPr id="4" name="Right Arrow 3"/>
+      <p:sp>
+        <p:nvSpPr>
+          <p:cNvPr id="9" name="Shape 225"/>
           <p:cNvSpPr/>
           <p:nvPr/>
         </p:nvSpPr>
         <p:spPr>
           <a:xfrm>
-            <a:off x="6055667" y="3908420"/>
+            <a:off x="5046048" y="3703316"/>
+            <a:ext cx="5227212" cy="2400657"/>
+          </a:xfrm>
+          <a:prstGeom prst="rect">
+            <a:avLst/>
+          </a:prstGeom>
+          <a:solidFill>
+            <a:srgbClr val="FAFAFA"/>
+          </a:solidFill>
+          <a:ln w="12700">
+            <a:solidFill>
+              <a:schemeClr val="accent1"/>
+            </a:solidFill>
+          </a:ln>
+          <a:extLst>
+            <a:ext uri="{C572A759-6A51-4108-AA02-DFA0A04FC94B}">
+              <ma14:wrappingTextBoxFlag xmlns="" xmlns:ma14="http://schemas.microsoft.com/office/mac/drawingml/2011/main" val="1"/>
+            </a:ext>
+          </a:extLst>
+        </p:spPr>
+        <p:txBody>
+          <a:bodyPr wrap="square" lIns="45719" rIns="45719">
+            <a:spAutoFit/>
+          </a:bodyPr>
+          <a:lstStyle/>
+          <a:p>
+            <a:pPr>
+              <a:buSzPct val="100000"/>
+              <a:defRPr sz="2400">
+                <a:latin typeface="Gill Sans MT"/>
+                <a:ea typeface="Gill Sans MT"/>
+                <a:cs typeface="Gill Sans MT"/>
+                <a:sym typeface="Gill Sans MT"/>
+              </a:defRPr>
+            </a:pPr>
+            <a:r>
+              <a:rPr lang="en-US" sz="3000" dirty="0"/>
+              <a:t>1. Get the Earnings Report release date for each company from Yahoo finance</a:t>
+            </a:r>
+          </a:p>
+          <a:p>
+            <a:pPr>
+              <a:buSzPct val="100000"/>
+              <a:defRPr sz="2400">
+                <a:latin typeface="Gill Sans MT"/>
+                <a:ea typeface="Gill Sans MT"/>
+                <a:cs typeface="Gill Sans MT"/>
+                <a:sym typeface="Gill Sans MT"/>
+              </a:defRPr>
+            </a:pPr>
+            <a:r>
+              <a:rPr lang="en-US" sz="3000" dirty="0"/>
+              <a:t>2. This date is used in the ML model for prediction</a:t>
+            </a:r>
+          </a:p>
+        </p:txBody>
+      </p:sp>
+      <p:sp>
+        <p:nvSpPr>
+          <p:cNvPr id="4" name="Rectangle 3"/>
+          <p:cNvSpPr/>
+          <p:nvPr/>
+        </p:nvSpPr>
+        <p:spPr>
+          <a:xfrm>
+            <a:off x="681347" y="4703589"/>
+            <a:ext cx="2544286" cy="400110"/>
+          </a:xfrm>
+          <a:prstGeom prst="rect">
+            <a:avLst/>
+          </a:prstGeom>
+        </p:spPr>
+        <p:txBody>
+          <a:bodyPr wrap="none">
+            <a:spAutoFit/>
+          </a:bodyPr>
+          <a:lstStyle/>
+          <a:p>
+            <a:r>
+              <a:rPr lang="en-US" sz="2000" dirty="0" err="1"/>
+              <a:t>get_earnings_data</a:t>
+            </a:r>
+            <a:r>
+              <a:rPr lang="en-US" sz="2000" dirty="0"/>
+              <a:t>()</a:t>
+            </a:r>
+          </a:p>
+        </p:txBody>
+      </p:sp>
+      <p:sp>
+        <p:nvSpPr>
+          <p:cNvPr id="11" name="Right Arrow 10"/>
+          <p:cNvSpPr/>
+          <p:nvPr/>
+        </p:nvSpPr>
+        <p:spPr>
+          <a:xfrm>
+            <a:off x="3570189" y="4661328"/>
             <a:ext cx="978408" cy="484632"/>
           </a:xfrm>
           <a:prstGeom prst="rightArrow">
@@ -8965,281 +9909,75 @@
           </a:p>
         </p:txBody>
       </p:sp>
-      <p:sp>
-        <p:nvSpPr>
-          <p:cNvPr id="2" name="Rectangle 1"/>
+    </p:spTree>
+  </p:cSld>
+  <p:clrMapOvr>
+    <a:masterClrMapping/>
+  </p:clrMapOvr>
+  <p:transition spd="med"/>
+</p:sld>
+</file>
+
+<file path=ppt/slides/slide8.xml><?xml version="1.0" encoding="utf-8"?>
+<p:sld xmlns:a="http://schemas.openxmlformats.org/drawingml/2006/main" xmlns:r="http://schemas.openxmlformats.org/officeDocument/2006/relationships" xmlns:p="http://schemas.openxmlformats.org/presentationml/2006/main">
+  <p:cSld>
+    <p:spTree>
+      <p:nvGrpSpPr>
+        <p:cNvPr id="1" name=""/>
+        <p:cNvGrpSpPr/>
+        <p:nvPr/>
+      </p:nvGrpSpPr>
+      <p:grpSpPr>
+        <a:xfrm>
+          <a:off x="0" y="0"/>
+          <a:ext cx="0" cy="0"/>
+          <a:chOff x="0" y="0"/>
+          <a:chExt cx="0" cy="0"/>
+        </a:xfrm>
+      </p:grpSpPr>
+      <p:sp>
+        <p:nvSpPr>
+          <p:cNvPr id="246" name="Shape 246"/>
+          <p:cNvSpPr>
+            <a:spLocks noGrp="1"/>
+          </p:cNvSpPr>
+          <p:nvPr>
+            <p:ph type="title"/>
+          </p:nvPr>
+        </p:nvSpPr>
+        <p:spPr>
+          <a:xfrm>
+            <a:off x="609599" y="274638"/>
+            <a:ext cx="10861966" cy="1143001"/>
+          </a:xfrm>
+          <a:prstGeom prst="rect">
+            <a:avLst/>
+          </a:prstGeom>
+        </p:spPr>
+        <p:txBody>
+          <a:bodyPr/>
+          <a:lstStyle/>
+          <a:p>
+            <a:pPr>
+              <a:defRPr sz="3200" b="1"/>
+            </a:pPr>
+            <a:r>
+              <a:t>Control Logic – PredictionStockPrice Module</a:t>
+            </a:r>
+            <a:br/>
+            <a:endParaRPr/>
+          </a:p>
+        </p:txBody>
+      </p:sp>
+      <p:sp>
+        <p:nvSpPr>
+          <p:cNvPr id="4" name="Right Arrow 3"/>
           <p:cNvSpPr/>
           <p:nvPr/>
         </p:nvSpPr>
         <p:spPr>
           <a:xfrm>
-            <a:off x="-166254" y="1458788"/>
-            <a:ext cx="5854536" cy="1092607"/>
-          </a:xfrm>
-          <a:prstGeom prst="rect">
-            <a:avLst/>
-          </a:prstGeom>
-        </p:spPr>
-        <p:txBody>
-          <a:bodyPr wrap="square">
-            <a:spAutoFit/>
-          </a:bodyPr>
-          <a:lstStyle/>
-          <a:p>
-            <a:pPr marL="365760" lvl="1" indent="0">
-              <a:spcBef>
-                <a:spcPts val="300"/>
-              </a:spcBef>
-              <a:defRPr sz="1600"/>
-            </a:pPr>
-            <a:r>
-              <a:rPr lang="en-US" sz="2000" dirty="0" err="1" smtClean="0"/>
-              <a:t>feature_selection</a:t>
-            </a:r>
-            <a:r>
-              <a:rPr lang="en-US" sz="2000" dirty="0" smtClean="0"/>
-              <a:t>()</a:t>
-            </a:r>
-          </a:p>
-          <a:p>
-            <a:pPr marL="651510" lvl="1" indent="-285750">
-              <a:spcBef>
-                <a:spcPts val="300"/>
-              </a:spcBef>
-              <a:buFont typeface="Arial" panose="020B0604020202020204" pitchFamily="34" charset="0"/>
-              <a:buChar char="•"/>
-              <a:defRPr sz="1600"/>
-            </a:pPr>
-            <a:r>
-              <a:rPr lang="en-US" sz="2000" dirty="0" smtClean="0"/>
-              <a:t>Potential </a:t>
-            </a:r>
-            <a:r>
-              <a:rPr lang="en-US" sz="2000" dirty="0"/>
-              <a:t>Keywords Google Trend Index </a:t>
-            </a:r>
-          </a:p>
-          <a:p>
-            <a:pPr marL="651510" lvl="1" indent="-285750">
-              <a:spcBef>
-                <a:spcPts val="300"/>
-              </a:spcBef>
-              <a:buFont typeface="Arial" panose="020B0604020202020204" pitchFamily="34" charset="0"/>
-              <a:buChar char="•"/>
-              <a:defRPr sz="1600"/>
-            </a:pPr>
-            <a:r>
-              <a:rPr lang="en-US" sz="2000" dirty="0"/>
-              <a:t>Daily </a:t>
-            </a:r>
-            <a:r>
-              <a:rPr lang="en-US" sz="2000" dirty="0" smtClean="0"/>
-              <a:t>Stock performance</a:t>
-            </a:r>
-            <a:endParaRPr lang="en-US" sz="2000" dirty="0"/>
-          </a:p>
-        </p:txBody>
-      </p:sp>
-      <p:sp>
-        <p:nvSpPr>
-          <p:cNvPr id="6" name="Shape 225"/>
-          <p:cNvSpPr/>
-          <p:nvPr/>
-        </p:nvSpPr>
-        <p:spPr>
-          <a:xfrm>
-            <a:off x="7280748" y="1231280"/>
-            <a:ext cx="4167061" cy="1938992"/>
-          </a:xfrm>
-          <a:prstGeom prst="rect">
-            <a:avLst/>
-          </a:prstGeom>
-          <a:solidFill>
-            <a:srgbClr val="FAFAFA"/>
-          </a:solidFill>
-          <a:ln w="12700">
-            <a:solidFill>
-              <a:schemeClr val="accent1"/>
-            </a:solidFill>
-          </a:ln>
-          <a:extLst>
-            <a:ext uri="{C572A759-6A51-4108-AA02-DFA0A04FC94B}">
-              <ma14:wrappingTextBoxFlag xmlns:ma14="http://schemas.microsoft.com/office/mac/drawingml/2011/main" xmlns="" val="1"/>
-            </a:ext>
-          </a:extLst>
-        </p:spPr>
-        <p:txBody>
-          <a:bodyPr wrap="square" lIns="45719" rIns="45719">
-            <a:spAutoFit/>
-          </a:bodyPr>
-          <a:lstStyle/>
-          <a:p>
-            <a:pPr marL="457200" indent="-457200">
-              <a:buSzPct val="100000"/>
-              <a:buAutoNum type="arabicPeriod"/>
-              <a:defRPr sz="2400">
-                <a:latin typeface="Gill Sans MT"/>
-                <a:ea typeface="Gill Sans MT"/>
-                <a:cs typeface="Gill Sans MT"/>
-                <a:sym typeface="Gill Sans MT"/>
-              </a:defRPr>
-            </a:pPr>
-            <a:r>
-              <a:rPr lang="en-US" dirty="0" smtClean="0"/>
-              <a:t>5 </a:t>
-            </a:r>
-            <a:r>
-              <a:rPr lang="en-US" dirty="0"/>
-              <a:t>keywords that have a high impact on </a:t>
-            </a:r>
-            <a:r>
-              <a:rPr lang="en-US" dirty="0" smtClean="0"/>
-              <a:t>Stock Price</a:t>
-            </a:r>
-          </a:p>
-          <a:p>
-            <a:pPr marL="457200" indent="-457200">
-              <a:buSzPct val="100000"/>
-              <a:buAutoNum type="arabicPeriod"/>
-              <a:defRPr sz="2400">
-                <a:latin typeface="Gill Sans MT"/>
-                <a:ea typeface="Gill Sans MT"/>
-                <a:cs typeface="Gill Sans MT"/>
-                <a:sym typeface="Gill Sans MT"/>
-              </a:defRPr>
-            </a:pPr>
-            <a:r>
-              <a:rPr lang="en-US" dirty="0" smtClean="0"/>
-              <a:t>Pass  keywords to ML model for prediction</a:t>
-            </a:r>
-          </a:p>
-          <a:p>
-            <a:pPr marL="457200" indent="-457200">
-              <a:buSzPct val="100000"/>
-              <a:buAutoNum type="arabicPeriod"/>
-              <a:defRPr sz="2400">
-                <a:latin typeface="Gill Sans MT"/>
-                <a:ea typeface="Gill Sans MT"/>
-                <a:cs typeface="Gill Sans MT"/>
-                <a:sym typeface="Gill Sans MT"/>
-              </a:defRPr>
-            </a:pPr>
-            <a:r>
-              <a:rPr lang="en-US" dirty="0" smtClean="0"/>
-              <a:t>Pass keywords to plot</a:t>
-            </a:r>
-            <a:endParaRPr lang="en-US" dirty="0"/>
-          </a:p>
-        </p:txBody>
-      </p:sp>
-      <p:sp>
-        <p:nvSpPr>
-          <p:cNvPr id="3" name="Rectangle 2"/>
-          <p:cNvSpPr/>
-          <p:nvPr/>
-        </p:nvSpPr>
-        <p:spPr>
-          <a:xfrm>
-            <a:off x="255681" y="3426031"/>
-            <a:ext cx="5799986" cy="2246769"/>
-          </a:xfrm>
-          <a:prstGeom prst="rect">
-            <a:avLst/>
-          </a:prstGeom>
-        </p:spPr>
-        <p:txBody>
-          <a:bodyPr wrap="none">
-            <a:spAutoFit/>
-          </a:bodyPr>
-          <a:lstStyle/>
-          <a:p>
-            <a:r>
-              <a:rPr lang="en-US" sz="2000" dirty="0" err="1" smtClean="0"/>
-              <a:t>prediction_model</a:t>
-            </a:r>
-            <a:r>
-              <a:rPr lang="en-US" sz="2000" dirty="0" smtClean="0"/>
-              <a:t>:</a:t>
-            </a:r>
-          </a:p>
-          <a:p>
-            <a:pPr marL="342900" lvl="1" indent="-342900">
-              <a:buFont typeface="Arial" panose="020B0604020202020204" pitchFamily="34" charset="0"/>
-              <a:buChar char="•"/>
-            </a:pPr>
-            <a:r>
-              <a:rPr lang="en-US" sz="2000" dirty="0"/>
-              <a:t>Keywords identified by </a:t>
-            </a:r>
-            <a:r>
-              <a:rPr lang="en-US" sz="2000" dirty="0" err="1" smtClean="0"/>
-              <a:t>feature_selection</a:t>
-            </a:r>
-            <a:r>
-              <a:rPr lang="en-US" sz="2000" dirty="0" smtClean="0"/>
-              <a:t>()</a:t>
-            </a:r>
-          </a:p>
-          <a:p>
-            <a:pPr marL="342900" lvl="1" indent="-342900">
-              <a:buFont typeface="Arial" panose="020B0604020202020204" pitchFamily="34" charset="0"/>
-              <a:buChar char="•"/>
-            </a:pPr>
-            <a:r>
-              <a:rPr lang="en-US" sz="2000" dirty="0"/>
-              <a:t>Stock Performance of Company</a:t>
-            </a:r>
-            <a:r>
-              <a:rPr lang="en-US" sz="2000" dirty="0" smtClean="0"/>
-              <a:t>.</a:t>
-            </a:r>
-          </a:p>
-          <a:p>
-            <a:pPr marL="342900" lvl="1" indent="-342900">
-              <a:buFont typeface="Arial" panose="020B0604020202020204" pitchFamily="34" charset="0"/>
-              <a:buChar char="•"/>
-            </a:pPr>
-            <a:r>
-              <a:rPr lang="en-US" sz="2000" dirty="0" smtClean="0"/>
-              <a:t>Earning Report Date by </a:t>
-            </a:r>
-            <a:r>
-              <a:rPr lang="en-US" sz="2000" dirty="0" err="1"/>
-              <a:t>get_earnings_data</a:t>
-            </a:r>
-            <a:r>
-              <a:rPr lang="en-US" sz="2000" dirty="0"/>
-              <a:t>()</a:t>
-            </a:r>
-          </a:p>
-          <a:p>
-            <a:pPr marL="342900" lvl="1" indent="-342900">
-              <a:buFont typeface="Arial" panose="020B0604020202020204" pitchFamily="34" charset="0"/>
-              <a:buChar char="•"/>
-            </a:pPr>
-            <a:endParaRPr lang="en-US" sz="2000" dirty="0"/>
-          </a:p>
-          <a:p>
-            <a:pPr marL="342900" lvl="1" indent="-342900">
-              <a:buFont typeface="Arial" panose="020B0604020202020204" pitchFamily="34" charset="0"/>
-              <a:buChar char="•"/>
-            </a:pPr>
-            <a:endParaRPr lang="en-US" sz="2000" dirty="0"/>
-          </a:p>
-          <a:p>
-            <a:endParaRPr lang="en-US" sz="2000" dirty="0"/>
-          </a:p>
-        </p:txBody>
-      </p:sp>
-      <p:sp>
-        <p:nvSpPr>
-          <p:cNvPr id="9" name="Right Arrow 8"/>
-          <p:cNvSpPr/>
-          <p:nvPr/>
-        </p:nvSpPr>
-        <p:spPr>
-          <a:xfrm>
-            <a:off x="5923059" y="1838510"/>
+            <a:off x="5443374" y="4543313"/>
             <a:ext cx="978408" cy="484632"/>
           </a:xfrm>
           <a:prstGeom prst="rightArrow">
@@ -9317,14 +10055,88 @@
       </p:sp>
       <p:sp>
         <p:nvSpPr>
-          <p:cNvPr id="10" name="Shape 225"/>
+          <p:cNvPr id="2" name="Rectangle 1"/>
           <p:cNvSpPr/>
           <p:nvPr/>
         </p:nvSpPr>
         <p:spPr>
           <a:xfrm>
-            <a:off x="7280749" y="3674134"/>
-            <a:ext cx="4357070" cy="1200329"/>
+            <a:off x="609599" y="1458788"/>
+            <a:ext cx="4606978" cy="1400383"/>
+          </a:xfrm>
+          <a:prstGeom prst="rect">
+            <a:avLst/>
+          </a:prstGeom>
+        </p:spPr>
+        <p:txBody>
+          <a:bodyPr wrap="square">
+            <a:spAutoFit/>
+          </a:bodyPr>
+          <a:lstStyle/>
+          <a:p>
+            <a:pPr marL="365760" lvl="1" indent="0">
+              <a:spcBef>
+                <a:spcPts val="300"/>
+              </a:spcBef>
+              <a:defRPr sz="1600"/>
+            </a:pPr>
+            <a:r>
+              <a:rPr lang="en-US" sz="2000" dirty="0" err="1"/>
+              <a:t>feature_selection</a:t>
+            </a:r>
+            <a:r>
+              <a:rPr lang="en-US" sz="2000" dirty="0"/>
+              <a:t>()</a:t>
+            </a:r>
+          </a:p>
+          <a:p>
+            <a:pPr marL="651510" lvl="1" indent="-285750">
+              <a:spcBef>
+                <a:spcPts val="300"/>
+              </a:spcBef>
+              <a:buFont typeface="Arial" panose="020B0604020202020204" pitchFamily="34" charset="0"/>
+              <a:buChar char="•"/>
+              <a:defRPr sz="1600"/>
+            </a:pPr>
+            <a:r>
+              <a:rPr lang="en-US" sz="2000" dirty="0"/>
+              <a:t>Get trend data for all </a:t>
+            </a:r>
+            <a:r>
+              <a:rPr lang="en-US" sz="2000" dirty="0"/>
+              <a:t>Google Trend </a:t>
+            </a:r>
+            <a:r>
+              <a:rPr lang="en-US" sz="2000" dirty="0"/>
+              <a:t>keywords</a:t>
+            </a:r>
+          </a:p>
+          <a:p>
+            <a:pPr marL="651510" lvl="1" indent="-285750">
+              <a:spcBef>
+                <a:spcPts val="300"/>
+              </a:spcBef>
+              <a:buFont typeface="Arial" panose="020B0604020202020204" pitchFamily="34" charset="0"/>
+              <a:buChar char="•"/>
+              <a:defRPr sz="1600"/>
+            </a:pPr>
+            <a:r>
+              <a:rPr lang="en-US" sz="2000" dirty="0"/>
+              <a:t>Get daily stock price data</a:t>
+            </a:r>
+          </a:p>
+        </p:txBody>
+      </p:sp>
+      <p:sp>
+        <p:nvSpPr>
+          <p:cNvPr id="6" name="Shape 225"/>
+          <p:cNvSpPr/>
+          <p:nvPr/>
+        </p:nvSpPr>
+        <p:spPr>
+          <a:xfrm>
+            <a:off x="6736106" y="1191306"/>
+            <a:ext cx="4167061" cy="2677656"/>
           </a:xfrm>
           <a:prstGeom prst="rect">
             <a:avLst/>
@@ -9339,7 +10151,255 @@
           </a:ln>
           <a:extLst>
             <a:ext uri="{C572A759-6A51-4108-AA02-DFA0A04FC94B}">
-              <ma14:wrappingTextBoxFlag xmlns:ma14="http://schemas.microsoft.com/office/mac/drawingml/2011/main" xmlns="" val="1"/>
+              <ma14:wrappingTextBoxFlag xmlns="" xmlns:ma14="http://schemas.microsoft.com/office/mac/drawingml/2011/main" val="1"/>
+            </a:ext>
+          </a:extLst>
+        </p:spPr>
+        <p:txBody>
+          <a:bodyPr wrap="square" lIns="45719" rIns="45719">
+            <a:spAutoFit/>
+          </a:bodyPr>
+          <a:lstStyle/>
+          <a:p>
+            <a:pPr marL="457200" indent="-457200">
+              <a:buSzPct val="100000"/>
+              <a:buAutoNum type="arabicPeriod"/>
+              <a:defRPr sz="2400">
+                <a:latin typeface="Gill Sans MT"/>
+                <a:ea typeface="Gill Sans MT"/>
+                <a:cs typeface="Gill Sans MT"/>
+                <a:sym typeface="Gill Sans MT"/>
+              </a:defRPr>
+            </a:pPr>
+            <a:r>
+              <a:rPr lang="en-US" dirty="0"/>
+              <a:t>Generate the keyword list with the 5 keywords with high impact on Stock Price</a:t>
+            </a:r>
+          </a:p>
+          <a:p>
+            <a:pPr marL="457200" indent="-457200">
+              <a:buSzPct val="100000"/>
+              <a:buAutoNum type="arabicPeriod"/>
+              <a:defRPr sz="2400">
+                <a:latin typeface="Gill Sans MT"/>
+                <a:ea typeface="Gill Sans MT"/>
+                <a:cs typeface="Gill Sans MT"/>
+                <a:sym typeface="Gill Sans MT"/>
+              </a:defRPr>
+            </a:pPr>
+            <a:r>
+              <a:rPr lang="en-US" dirty="0"/>
+              <a:t>The keyword list is used by the ML model for prediction</a:t>
+            </a:r>
+          </a:p>
+          <a:p>
+            <a:pPr marL="457200" indent="-457200">
+              <a:buSzPct val="100000"/>
+              <a:buAutoNum type="arabicPeriod"/>
+              <a:defRPr sz="2400">
+                <a:latin typeface="Gill Sans MT"/>
+                <a:ea typeface="Gill Sans MT"/>
+                <a:cs typeface="Gill Sans MT"/>
+                <a:sym typeface="Gill Sans MT"/>
+              </a:defRPr>
+            </a:pPr>
+            <a:r>
+              <a:rPr lang="en-US" dirty="0"/>
+              <a:t>The keyword list is used by the plot function</a:t>
+            </a:r>
+          </a:p>
+        </p:txBody>
+      </p:sp>
+      <p:sp>
+        <p:nvSpPr>
+          <p:cNvPr id="3" name="Rectangle 2"/>
+          <p:cNvSpPr/>
+          <p:nvPr/>
+        </p:nvSpPr>
+        <p:spPr>
+          <a:xfrm>
+            <a:off x="869430" y="3662245"/>
+            <a:ext cx="4452078" cy="2246769"/>
+          </a:xfrm>
+          <a:prstGeom prst="rect">
+            <a:avLst/>
+          </a:prstGeom>
+        </p:spPr>
+        <p:txBody>
+          <a:bodyPr wrap="square">
+            <a:spAutoFit/>
+          </a:bodyPr>
+          <a:lstStyle/>
+          <a:p>
+            <a:r>
+              <a:rPr lang="en-US" sz="2000" dirty="0" err="1"/>
+              <a:t>prediction_model</a:t>
+            </a:r>
+            <a:r>
+              <a:rPr lang="en-US" sz="2000" dirty="0"/>
+              <a:t>:</a:t>
+            </a:r>
+          </a:p>
+          <a:p>
+            <a:pPr marL="342900" lvl="1" indent="-342900">
+              <a:buFont typeface="Arial" panose="020B0604020202020204" pitchFamily="34" charset="0"/>
+              <a:buChar char="•"/>
+            </a:pPr>
+            <a:r>
+              <a:rPr lang="en-US" sz="2000" dirty="0"/>
+              <a:t>Keywords identified by </a:t>
+            </a:r>
+            <a:r>
+              <a:rPr lang="en-US" sz="2000" dirty="0" err="1"/>
+              <a:t>feature_selection</a:t>
+            </a:r>
+            <a:r>
+              <a:rPr lang="en-US" sz="2000" dirty="0"/>
+              <a:t>()</a:t>
+            </a:r>
+          </a:p>
+          <a:p>
+            <a:pPr marL="342900" lvl="1" indent="-342900">
+              <a:buFont typeface="Arial" panose="020B0604020202020204" pitchFamily="34" charset="0"/>
+              <a:buChar char="•"/>
+            </a:pPr>
+            <a:r>
+              <a:rPr lang="en-US" sz="2000" dirty="0"/>
+              <a:t>Daily stock price data</a:t>
+            </a:r>
+          </a:p>
+          <a:p>
+            <a:pPr marL="342900" lvl="1" indent="-342900">
+              <a:buFont typeface="Arial" panose="020B0604020202020204" pitchFamily="34" charset="0"/>
+              <a:buChar char="•"/>
+            </a:pPr>
+            <a:r>
+              <a:rPr lang="en-US" sz="2000" dirty="0"/>
+              <a:t>Earnings Report date from </a:t>
+            </a:r>
+            <a:r>
+              <a:rPr lang="en-US" sz="2000" dirty="0" err="1"/>
+              <a:t>get_earnings_data</a:t>
+            </a:r>
+            <a:r>
+              <a:rPr lang="en-US" sz="2000" dirty="0"/>
+              <a:t>()</a:t>
+            </a:r>
+          </a:p>
+          <a:p>
+            <a:endParaRPr lang="en-US" sz="2000" dirty="0"/>
+          </a:p>
+        </p:txBody>
+      </p:sp>
+      <p:sp>
+        <p:nvSpPr>
+          <p:cNvPr id="9" name="Right Arrow 8"/>
+          <p:cNvSpPr/>
+          <p:nvPr/>
+        </p:nvSpPr>
+        <p:spPr>
+          <a:xfrm>
+            <a:off x="5443374" y="2066763"/>
+            <a:ext cx="978408" cy="484632"/>
+          </a:xfrm>
+          <a:prstGeom prst="rightArrow">
+            <a:avLst/>
+          </a:prstGeom>
+          <a:solidFill>
+            <a:srgbClr val="FFFFFF"/>
+          </a:solidFill>
+          <a:ln w="25400" cap="flat">
+            <a:solidFill>
+              <a:schemeClr val="accent1"/>
+            </a:solidFill>
+            <a:prstDash val="solid"/>
+            <a:round/>
+          </a:ln>
+          <a:effectLst>
+            <a:outerShdw blurRad="50800" dist="20000" dir="5400000" rotWithShape="0">
+              <a:srgbClr val="000000">
+                <a:alpha val="42000"/>
+              </a:srgbClr>
+            </a:outerShdw>
+          </a:effectLst>
+          <a:sp3d/>
+        </p:spPr>
+        <p:style>
+          <a:lnRef idx="0">
+            <a:scrgbClr r="0" g="0" b="0"/>
+          </a:lnRef>
+          <a:fillRef idx="0">
+            <a:scrgbClr r="0" g="0" b="0"/>
+          </a:fillRef>
+          <a:effectRef idx="0">
+            <a:scrgbClr r="0" g="0" b="0"/>
+          </a:effectRef>
+          <a:fontRef idx="none"/>
+        </p:style>
+        <p:txBody>
+          <a:bodyPr rot="0" spcFirstLastPara="1" vertOverflow="overflow" horzOverflow="overflow" vert="horz" wrap="square" lIns="45719" tIns="45719" rIns="45719" bIns="45719" numCol="1" spcCol="38100" rtlCol="0" anchor="ctr">
+            <a:spAutoFit/>
+          </a:bodyPr>
+          <a:lstStyle/>
+          <a:p>
+            <a:pPr marL="0" marR="0" indent="0" algn="l" defTabSz="914400" rtl="0" fontAlgn="auto" latinLnBrk="0" hangingPunct="0">
+              <a:lnSpc>
+                <a:spcPct val="100000"/>
+              </a:lnSpc>
+              <a:spcBef>
+                <a:spcPts val="0"/>
+              </a:spcBef>
+              <a:spcAft>
+                <a:spcPts val="0"/>
+              </a:spcAft>
+              <a:buClrTx/>
+              <a:buSzTx/>
+              <a:buFontTx/>
+              <a:buNone/>
+              <a:tabLst/>
+            </a:pPr>
+            <a:endParaRPr kumimoji="0" lang="en-US" sz="1800" b="0" i="0" u="none" strike="noStrike" cap="none" spc="0" normalizeH="0" baseline="0">
+              <a:ln>
+                <a:noFill/>
+              </a:ln>
+              <a:solidFill>
+                <a:srgbClr val="000000"/>
+              </a:solidFill>
+              <a:effectLst/>
+              <a:uFillTx/>
+              <a:latin typeface="Century Schoolbook"/>
+              <a:ea typeface="Century Schoolbook"/>
+              <a:cs typeface="Century Schoolbook"/>
+              <a:sym typeface="Century Schoolbook"/>
+            </a:endParaRPr>
+          </a:p>
+        </p:txBody>
+      </p:sp>
+      <p:sp>
+        <p:nvSpPr>
+          <p:cNvPr id="10" name="Shape 225"/>
+          <p:cNvSpPr/>
+          <p:nvPr/>
+        </p:nvSpPr>
+        <p:spPr>
+          <a:xfrm>
+            <a:off x="6736106" y="4000800"/>
+            <a:ext cx="4127087" cy="1569660"/>
+          </a:xfrm>
+          <a:prstGeom prst="rect">
+            <a:avLst/>
+          </a:prstGeom>
+          <a:solidFill>
+            <a:srgbClr val="FAFAFA"/>
+          </a:solidFill>
+          <a:ln w="12700">
+            <a:solidFill>
+              <a:schemeClr val="accent1"/>
+            </a:solidFill>
+          </a:ln>
+          <a:extLst>
+            <a:ext uri="{C572A759-6A51-4108-AA02-DFA0A04FC94B}">
+              <ma14:wrappingTextBoxFlag xmlns="" xmlns:ma14="http://schemas.microsoft.com/office/mac/drawingml/2011/main" val="1"/>
             </a:ext>
           </a:extLst>
         </p:spPr>
@@ -9359,10 +10419,9 @@
               </a:defRPr>
             </a:pPr>
             <a:r>
-              <a:rPr lang="en-US" dirty="0" smtClean="0"/>
-              <a:t>Likelihood of Stock Price increase after Earning Report date</a:t>
-            </a:r>
-            <a:endParaRPr lang="en-US" dirty="0"/>
+              <a:rPr lang="en-US" dirty="0"/>
+              <a:t>Likelihood the Stock Price will increase after the quarterly Earnings Report is released</a:t>
+            </a:r>
           </a:p>
           <a:p>
             <a:pPr marL="514350" indent="-514350">
@@ -9433,15 +10492,23 @@
             </a:pPr>
             <a:r>
               <a:rPr dirty="0"/>
-              <a:t>Control Logic – </a:t>
-            </a:r>
-            <a:r>
-              <a:rPr dirty="0" err="1"/>
-              <a:t>HistoricalDataPlot</a:t>
+              <a:t>Control Logic – Historical</a:t>
+            </a:r>
+            <a:r>
+              <a:rPr lang="en-US" dirty="0"/>
+              <a:t> </a:t>
             </a:r>
             <a:r>
               <a:rPr dirty="0"/>
-              <a:t> Module</a:t>
+              <a:t>Data</a:t>
+            </a:r>
+            <a:r>
+              <a:rPr lang="en-US" dirty="0"/>
+              <a:t> </a:t>
+            </a:r>
+            <a:r>
+              <a:rPr dirty="0"/>
+              <a:t>Plot Module</a:t>
             </a:r>
             <a:br>
               <a:rPr dirty="0"/>
@@ -9458,18 +10525,17 @@
           </p:cNvPicPr>
           <p:nvPr/>
         </p:nvPicPr>
-        <p:blipFill>
+        <p:blipFill rotWithShape="1">
           <a:blip r:embed="rId2">
             <a:extLst/>
           </a:blip>
-          <a:stretch>
-            <a:fillRect/>
-          </a:stretch>
+          <a:srcRect r="4385"/>
+          <a:stretch/>
         </p:blipFill>
         <p:spPr>
           <a:xfrm>
-            <a:off x="170211" y="2908723"/>
-            <a:ext cx="5757283" cy="3860211"/>
+            <a:off x="207176" y="2728841"/>
+            <a:ext cx="5504853" cy="3860211"/>
           </a:xfrm>
           <a:prstGeom prst="rect">
             <a:avLst/>
@@ -9487,18 +10553,17 @@
           </p:cNvPicPr>
           <p:nvPr/>
         </p:nvPicPr>
-        <p:blipFill>
+        <p:blipFill rotWithShape="1">
           <a:blip r:embed="rId3">
             <a:extLst/>
           </a:blip>
-          <a:stretch>
-            <a:fillRect/>
-          </a:stretch>
+          <a:srcRect r="4702"/>
+          <a:stretch/>
         </p:blipFill>
         <p:spPr>
           <a:xfrm>
-            <a:off x="5712030" y="2941491"/>
-            <a:ext cx="5866411" cy="3827443"/>
+            <a:off x="5457198" y="2728841"/>
+            <a:ext cx="5778009" cy="3955780"/>
           </a:xfrm>
           <a:prstGeom prst="rect">
             <a:avLst/>
@@ -9530,11 +10595,11 @@
           <a:lstStyle/>
           <a:p>
             <a:r>
-              <a:rPr lang="en-US" sz="2000" dirty="0" err="1" smtClean="0"/>
-              <a:t>Historical_data_plot</a:t>
-            </a:r>
-            <a:r>
-              <a:rPr lang="en-US" sz="2000" dirty="0" smtClean="0"/>
+              <a:rPr lang="en-US" sz="2000" dirty="0" err="1"/>
+              <a:t>historical_data_plot</a:t>
+            </a:r>
+            <a:r>
+              <a:rPr lang="en-US" sz="2000" dirty="0"/>
               <a:t>()</a:t>
             </a:r>
           </a:p>
@@ -9544,19 +10609,15 @@
               <a:buChar char="•"/>
             </a:pPr>
             <a:r>
-              <a:rPr lang="en-US" sz="2000" dirty="0" smtClean="0"/>
-              <a:t>Keywords </a:t>
-            </a:r>
-            <a:r>
               <a:rPr lang="en-US" sz="2000" dirty="0"/>
-              <a:t>identified by </a:t>
+              <a:t>Keywords identified by </a:t>
             </a:r>
             <a:r>
               <a:rPr lang="en-US" sz="2000" dirty="0" err="1"/>
               <a:t>feature_selection</a:t>
             </a:r>
             <a:r>
-              <a:rPr lang="en-US" sz="2000" dirty="0" smtClean="0"/>
+              <a:rPr lang="en-US" sz="2000" dirty="0"/>
               <a:t>()</a:t>
             </a:r>
           </a:p>
@@ -9567,7 +10628,7 @@
             </a:pPr>
             <a:r>
               <a:rPr lang="en-US" sz="2000" dirty="0"/>
-              <a:t>Daily Stock performance</a:t>
+              <a:t>Daily stock price data</a:t>
             </a:r>
           </a:p>
           <a:p>
@@ -9587,7 +10648,7 @@
         </p:nvSpPr>
         <p:spPr>
           <a:xfrm rot="5400000">
-            <a:off x="5308881" y="2247902"/>
+            <a:off x="4725678" y="2308335"/>
             <a:ext cx="978408" cy="484632"/>
           </a:xfrm>
           <a:prstGeom prst="rightArrow">

--- a/Doc/FinalPresentation.pptx
+++ b/Doc/FinalPresentation.pptx
@@ -1236,6 +1236,80 @@
     <p:extLst>
       <p:ext uri="{BB962C8B-B14F-4D97-AF65-F5344CB8AC3E}">
         <p14:creationId xmlns:p14="http://schemas.microsoft.com/office/powerpoint/2010/main" val="2572185844"/>
+      </p:ext>
+    </p:extLst>
+  </p:cSld>
+  <p:clrMapOvr>
+    <a:masterClrMapping/>
+  </p:clrMapOvr>
+</p:notes>
+</file>
+
+<file path=ppt/notesSlides/notesSlide7.xml><?xml version="1.0" encoding="utf-8"?>
+<p:notes xmlns:a="http://schemas.openxmlformats.org/drawingml/2006/main" xmlns:r="http://schemas.openxmlformats.org/officeDocument/2006/relationships" xmlns:p="http://schemas.openxmlformats.org/presentationml/2006/main">
+  <p:cSld>
+    <p:spTree>
+      <p:nvGrpSpPr>
+        <p:cNvPr id="1" name=""/>
+        <p:cNvGrpSpPr/>
+        <p:nvPr/>
+      </p:nvGrpSpPr>
+      <p:grpSpPr>
+        <a:xfrm>
+          <a:off x="0" y="0"/>
+          <a:ext cx="0" cy="0"/>
+          <a:chOff x="0" y="0"/>
+          <a:chExt cx="0" cy="0"/>
+        </a:xfrm>
+      </p:grpSpPr>
+      <p:sp>
+        <p:nvSpPr>
+          <p:cNvPr id="2" name="Slide Image Placeholder 1"/>
+          <p:cNvSpPr>
+            <a:spLocks noGrp="1" noRot="1" noChangeAspect="1"/>
+          </p:cNvSpPr>
+          <p:nvPr>
+            <p:ph type="sldImg"/>
+          </p:nvPr>
+        </p:nvSpPr>
+        <p:spPr>
+          <a:xfrm>
+            <a:off x="381000" y="685800"/>
+            <a:ext cx="6096000" cy="3429000"/>
+          </a:xfrm>
+        </p:spPr>
+      </p:sp>
+      <p:sp>
+        <p:nvSpPr>
+          <p:cNvPr id="3" name="Notes Placeholder 2"/>
+          <p:cNvSpPr>
+            <a:spLocks noGrp="1"/>
+          </p:cNvSpPr>
+          <p:nvPr>
+            <p:ph type="body" idx="1"/>
+          </p:nvPr>
+        </p:nvSpPr>
+        <p:spPr/>
+        <p:txBody>
+          <a:bodyPr/>
+          <a:lstStyle/>
+          <a:p>
+            <a:r>
+              <a:rPr lang="en-US" dirty="0"/>
+              <a:t>Example of our intended user, someone</a:t>
+            </a:r>
+            <a:r>
+              <a:rPr lang="en-US" baseline="0" dirty="0"/>
+              <a:t> interested in technology, but not interested inn spending a lot of time investing</a:t>
+            </a:r>
+            <a:endParaRPr lang="en-US" dirty="0"/>
+          </a:p>
+        </p:txBody>
+      </p:sp>
+    </p:spTree>
+    <p:extLst>
+      <p:ext uri="{BB962C8B-B14F-4D97-AF65-F5344CB8AC3E}">
+        <p14:creationId xmlns:p14="http://schemas.microsoft.com/office/powerpoint/2010/main" val="1063755368"/>
       </p:ext>
     </p:extLst>
   </p:cSld>
@@ -5645,8 +5719,8 @@
         </p:nvSpPr>
         <p:spPr>
           <a:xfrm>
-            <a:off x="2985369" y="2172222"/>
-            <a:ext cx="8229601" cy="1894363"/>
+            <a:off x="2985369" y="2172223"/>
+            <a:ext cx="8229601" cy="1558046"/>
           </a:xfrm>
           <a:prstGeom prst="rect">
             <a:avLst/>
@@ -5661,6 +5735,7 @@
           </a:lstStyle>
           <a:p>
             <a:r>
+              <a:rPr dirty="0"/>
               <a:t>Searching for Success</a:t>
             </a:r>
           </a:p>
@@ -5678,7 +5753,7 @@
         </p:nvSpPr>
         <p:spPr>
           <a:xfrm>
-            <a:off x="3060525" y="3976187"/>
+            <a:off x="3060525" y="3727802"/>
             <a:ext cx="8229601" cy="1371601"/>
           </a:xfrm>
           <a:prstGeom prst="rect">
@@ -5694,7 +5769,16 @@
           </a:lstStyle>
           <a:p>
             <a:r>
-              <a:t>Using google searches to predict the stock market</a:t>
+              <a:rPr dirty="0"/>
+              <a:t>Using google searches to </a:t>
+            </a:r>
+            <a:r>
+              <a:rPr sz="2400" dirty="0"/>
+              <a:t>predict</a:t>
+            </a:r>
+            <a:r>
+              <a:rPr dirty="0"/>
+              <a:t> the stock market</a:t>
             </a:r>
           </a:p>
         </p:txBody>
@@ -5857,7 +5941,7 @@
           <p:nvPr/>
         </p:nvPicPr>
         <p:blipFill>
-          <a:blip r:embed="rId2">
+          <a:blip r:embed="rId3">
             <a:extLst/>
           </a:blip>
           <a:srcRect t="79" r="3" b="83"/>
@@ -6846,7 +6930,7 @@
         </p:nvSpPr>
         <p:spPr>
           <a:xfrm>
-            <a:off x="7673687" y="1610096"/>
+            <a:off x="7666400" y="1545881"/>
             <a:ext cx="1759628" cy="1226296"/>
           </a:xfrm>
           <a:prstGeom prst="roundRect">
@@ -6910,7 +6994,7 @@
         </p:nvSpPr>
         <p:spPr>
           <a:xfrm>
-            <a:off x="6092749" y="1962392"/>
+            <a:off x="6092748" y="1906971"/>
             <a:ext cx="1702867" cy="541691"/>
           </a:xfrm>
           <a:prstGeom prst="rightArrow">
@@ -6954,7 +7038,7 @@
         </p:nvSpPr>
         <p:spPr>
           <a:xfrm>
-            <a:off x="4325833" y="1596566"/>
+            <a:off x="4325833" y="1522725"/>
             <a:ext cx="1759628" cy="1226296"/>
           </a:xfrm>
           <a:prstGeom prst="roundRect">
@@ -7056,7 +7140,7 @@
         </p:nvSpPr>
         <p:spPr>
           <a:xfrm>
-            <a:off x="789293" y="3015122"/>
+            <a:off x="789293" y="3049379"/>
             <a:ext cx="9956800" cy="3320397"/>
           </a:xfrm>
           <a:prstGeom prst="rect">
@@ -7116,10 +7200,10 @@
         </p:nvGrpSpPr>
         <p:grpSpPr>
           <a:xfrm>
-            <a:off x="1048531" y="1579428"/>
-            <a:ext cx="8496737" cy="1226296"/>
+            <a:off x="1024308" y="1533307"/>
+            <a:ext cx="8582748" cy="1226296"/>
             <a:chOff x="-1" y="-31207"/>
-            <a:chExt cx="7453814" cy="1226295"/>
+            <a:chExt cx="7529267" cy="1226295"/>
           </a:xfrm>
         </p:grpSpPr>
         <p:grpSp>
@@ -7208,8 +7292,8 @@
             </p:nvSpPr>
             <p:spPr>
               <a:xfrm>
-                <a:off x="318320" y="219282"/>
-                <a:ext cx="881064" cy="634582"/>
+                <a:off x="195761" y="219282"/>
+                <a:ext cx="1003622" cy="634582"/>
               </a:xfrm>
               <a:prstGeom prst="rect">
                 <a:avLst/>
@@ -7240,10 +7324,10 @@
                   </a:defRPr>
                 </a:pPr>
                 <a:r>
-                  <a:rPr sz="1600" dirty="0"/>
+                  <a:rPr sz="1600" b="1" dirty="0"/>
                   <a:t>Python Interface</a:t>
                 </a:r>
-                <a:endParaRPr sz="1100" dirty="0"/>
+                <a:endParaRPr sz="1100" b="1" dirty="0"/>
               </a:p>
             </p:txBody>
           </p:sp>
@@ -7256,7 +7340,7 @@
           </p:nvSpPr>
           <p:spPr>
             <a:xfrm>
-              <a:off x="5918920" y="234117"/>
+              <a:off x="5994373" y="233719"/>
               <a:ext cx="1534893" cy="710446"/>
             </a:xfrm>
             <a:prstGeom prst="rect">
@@ -7288,8 +7372,8 @@
                 </a:defRPr>
               </a:pPr>
               <a:r>
-                <a:rPr sz="1600" dirty="0"/>
-                <a:t>Keywords Plot</a:t>
+                <a:rPr lang="en-US" sz="1600" b="1" dirty="0"/>
+                <a:t>Plots:</a:t>
               </a:r>
             </a:p>
             <a:p>
@@ -7301,8 +7385,26 @@
                 </a:defRPr>
               </a:pPr>
               <a:r>
-                <a:rPr sz="1600" dirty="0"/>
-                <a:t>Stock Price Plot</a:t>
+                <a:rPr sz="1600" b="1" dirty="0"/>
+                <a:t>Keywords</a:t>
+              </a:r>
+              <a:r>
+                <a:rPr lang="en-US" sz="1600" b="1" dirty="0"/>
+                <a:t> &amp;</a:t>
+              </a:r>
+              <a:endParaRPr sz="1600" b="1" dirty="0"/>
+            </a:p>
+            <a:p>
+              <a:pPr>
+                <a:defRPr sz="1400">
+                  <a:solidFill>
+                    <a:srgbClr val="FFFFFF"/>
+                  </a:solidFill>
+                </a:defRPr>
+              </a:pPr>
+              <a:r>
+                <a:rPr sz="1600" b="1" dirty="0"/>
+                <a:t>Stock Price</a:t>
               </a:r>
             </a:p>
           </p:txBody>
@@ -7315,7 +7417,7 @@
           </p:nvSpPr>
           <p:spPr>
             <a:xfrm>
-              <a:off x="3148362" y="271947"/>
+              <a:off x="3058326" y="271947"/>
               <a:ext cx="1219556" cy="633991"/>
             </a:xfrm>
             <a:prstGeom prst="rect">
@@ -7347,10 +7449,10 @@
                 </a:defRPr>
               </a:pPr>
               <a:r>
-                <a:rPr dirty="0"/>
+                <a:rPr b="1" dirty="0"/>
                 <a:t>Date Finder</a:t>
               </a:r>
-              <a:endParaRPr sz="1415" dirty="0"/>
+              <a:endParaRPr sz="1415" b="1" dirty="0"/>
             </a:p>
             <a:p>
               <a:pPr>
@@ -7361,7 +7463,7 @@
                 </a:defRPr>
               </a:pPr>
               <a:r>
-                <a:rPr dirty="0"/>
+                <a:rPr b="1" dirty="0"/>
                 <a:t>ML Model </a:t>
               </a:r>
             </a:p>
@@ -7376,7 +7478,7 @@
         </p:nvSpPr>
         <p:spPr>
           <a:xfrm>
-            <a:off x="2736508" y="1965209"/>
+            <a:off x="2733755" y="1906972"/>
             <a:ext cx="1702867" cy="541691"/>
           </a:xfrm>
           <a:prstGeom prst="rightArrow">
@@ -7420,7 +7522,7 @@
         </p:nvSpPr>
         <p:spPr>
           <a:xfrm>
-            <a:off x="3027646" y="2038579"/>
+            <a:off x="2989949" y="1993151"/>
             <a:ext cx="1129870" cy="369330"/>
           </a:xfrm>
           <a:prstGeom prst="rect">
@@ -7496,7 +7598,7 @@
         </p:nvSpPr>
         <p:spPr>
           <a:xfrm>
-            <a:off x="6409854" y="2025049"/>
+            <a:off x="6345246" y="1968792"/>
             <a:ext cx="1068656" cy="369330"/>
           </a:xfrm>
           <a:prstGeom prst="rect">
@@ -7613,7 +7715,7 @@
         </p:nvSpPr>
         <p:spPr>
           <a:xfrm>
-            <a:off x="480671" y="4405745"/>
+            <a:off x="445693" y="4551080"/>
             <a:ext cx="10182332" cy="1450412"/>
           </a:xfrm>
           <a:prstGeom prst="rect">
@@ -7741,8 +7843,8 @@
         </p:nvSpPr>
         <p:spPr>
           <a:xfrm>
-            <a:off x="445694" y="1250487"/>
-            <a:ext cx="10527106" cy="3155258"/>
+            <a:off x="445693" y="1250486"/>
+            <a:ext cx="10811721" cy="3300593"/>
           </a:xfrm>
           <a:prstGeom prst="rect">
             <a:avLst/>
@@ -7758,7 +7860,7 @@
         </p:spPr>
         <p:txBody>
           <a:bodyPr lIns="45719" rIns="45719">
-            <a:normAutofit fontScale="92500" lnSpcReduction="10000"/>
+            <a:normAutofit fontScale="85000" lnSpcReduction="10000"/>
           </a:bodyPr>
           <a:lstStyle>
             <a:lvl1pPr marL="274320" marR="0" indent="-274320" algn="l" defTabSz="914400" rtl="0" latinLnBrk="0">
@@ -8068,7 +8170,7 @@
               <a:defRPr sz="2100"/>
             </a:pPr>
             <a:r>
-              <a:rPr lang="en-US" sz="2200" dirty="0"/>
+              <a:rPr lang="en-US" sz="2600" dirty="0"/>
               <a:t>Unbiased sample of Google search data from Google Trends</a:t>
             </a:r>
           </a:p>
@@ -8085,7 +8187,7 @@
               <a:defRPr sz="2100"/>
             </a:pPr>
             <a:r>
-              <a:rPr lang="en-US" sz="2200" dirty="0"/>
+              <a:rPr lang="en-US" sz="2600" dirty="0"/>
               <a:t>Normalized data</a:t>
             </a:r>
           </a:p>
@@ -8102,7 +8204,7 @@
               <a:defRPr sz="2100"/>
             </a:pPr>
             <a:r>
-              <a:rPr lang="en-US" sz="2200" dirty="0"/>
+              <a:rPr lang="en-US" sz="2600" dirty="0"/>
               <a:t>Data is indexed at 100, with 100 as the maximum search interest within the time frame selected</a:t>
             </a:r>
           </a:p>
@@ -8119,7 +8221,7 @@
               <a:defRPr sz="2100"/>
             </a:pPr>
             <a:r>
-              <a:rPr lang="en-US" sz="2200" dirty="0"/>
+              <a:rPr lang="en-US" sz="2600" dirty="0"/>
               <a:t>15 keywords search trends for Q-2 2007-2017</a:t>
             </a:r>
           </a:p>
@@ -8151,7 +8253,7 @@
               <a:defRPr sz="2100"/>
             </a:pPr>
             <a:r>
-              <a:rPr lang="en-US" sz="2200" dirty="0"/>
+              <a:rPr lang="en-US" sz="2600" dirty="0"/>
               <a:t>Daily adjusted close price within the Q-2 for 2007-2017 from Yahoo Finance</a:t>
             </a:r>
           </a:p>
@@ -9382,16 +9484,18 @@
         </p:nvSpPr>
         <p:spPr>
           <a:xfrm>
-            <a:off x="769496" y="1484371"/>
-            <a:ext cx="3292838" cy="849097"/>
+            <a:off x="1017777" y="1600199"/>
+            <a:ext cx="2834640" cy="640080"/>
           </a:xfrm>
           <a:prstGeom prst="ellipse">
             <a:avLst/>
           </a:prstGeom>
           <a:noFill/>
-          <a:ln w="25400" cap="flat">
+          <a:ln w="41275" cap="flat" cmpd="sng">
             <a:solidFill>
-              <a:schemeClr val="accent1"/>
+              <a:schemeClr val="accent2">
+                <a:lumMod val="75000"/>
+              </a:schemeClr>
             </a:solidFill>
             <a:prstDash val="solid"/>
             <a:round/>
@@ -9524,8 +9628,8 @@
         </p:nvSpPr>
         <p:spPr>
           <a:xfrm>
-            <a:off x="5046048" y="1452237"/>
-            <a:ext cx="5227211" cy="2062103"/>
+            <a:off x="4553832" y="1796288"/>
+            <a:ext cx="6134352" cy="1569660"/>
           </a:xfrm>
           <a:prstGeom prst="rect">
             <a:avLst/>
@@ -9581,11 +9685,19 @@
             </a:r>
             <a:r>
               <a:rPr sz="3200" dirty="0"/>
-              <a:t>nd dates of each quarter to</a:t>
+              <a:t>nd dates </a:t>
             </a:r>
             <a:r>
               <a:rPr lang="en-US" sz="3200" dirty="0"/>
-              <a:t> define the range of</a:t>
+              <a:t>for</a:t>
+            </a:r>
+            <a:r>
+              <a:rPr sz="3200" dirty="0"/>
+              <a:t> each quarter </a:t>
+            </a:r>
+            <a:r>
+              <a:rPr lang="en-US" sz="3200" dirty="0"/>
+              <a:t>define the range of</a:t>
             </a:r>
             <a:r>
               <a:rPr sz="3200" dirty="0"/>
@@ -9593,7 +9705,7 @@
             </a:r>
             <a:r>
               <a:rPr lang="en-US" sz="3200" dirty="0"/>
-              <a:t> used in the model</a:t>
+              <a:t> in the model</a:t>
             </a:r>
             <a:endParaRPr sz="3200" dirty="0"/>
           </a:p>
@@ -9607,8 +9719,8 @@
         </p:nvSpPr>
         <p:spPr>
           <a:xfrm>
-            <a:off x="705391" y="2330992"/>
-            <a:ext cx="2520242" cy="984885"/>
+            <a:off x="592304" y="1959770"/>
+            <a:ext cx="3299301" cy="1169551"/>
           </a:xfrm>
           <a:prstGeom prst="rect">
             <a:avLst/>
@@ -9621,21 +9733,29 @@
           <a:lstStyle/>
           <a:p>
             <a:r>
-              <a:rPr lang="en-US" sz="2000" dirty="0" err="1"/>
+              <a:rPr lang="en-US" sz="2600" b="1" dirty="0" err="1">
+                <a:latin typeface="Gill Sans MT" panose="020B0502020104020203" pitchFamily="34" charset="0"/>
+              </a:rPr>
               <a:t>get_quarter_begin</a:t>
             </a:r>
             <a:r>
-              <a:rPr lang="en-US" sz="2000" dirty="0"/>
+              <a:rPr lang="en-US" sz="2600" b="1" dirty="0">
+                <a:latin typeface="Gill Sans MT" panose="020B0502020104020203" pitchFamily="34" charset="0"/>
+              </a:rPr>
               <a:t>()</a:t>
             </a:r>
           </a:p>
           <a:p>
             <a:r>
-              <a:rPr lang="en-US" sz="2000" dirty="0" err="1"/>
+              <a:rPr lang="en-US" sz="2600" b="1" dirty="0" err="1">
+                <a:latin typeface="Gill Sans MT" panose="020B0502020104020203" pitchFamily="34" charset="0"/>
+              </a:rPr>
               <a:t>get_quarter_end</a:t>
             </a:r>
             <a:r>
-              <a:rPr lang="en-US" sz="2000" dirty="0"/>
+              <a:rPr lang="en-US" sz="2600" b="1" dirty="0">
+                <a:latin typeface="Gill Sans MT" panose="020B0502020104020203" pitchFamily="34" charset="0"/>
+              </a:rPr>
               <a:t>()</a:t>
             </a:r>
           </a:p>
@@ -9646,20 +9766,132 @@
       </p:sp>
       <p:sp>
         <p:nvSpPr>
-          <p:cNvPr id="3" name="Right Arrow 2"/>
+          <p:cNvPr id="9" name="Shape 225"/>
           <p:cNvSpPr/>
           <p:nvPr/>
         </p:nvSpPr>
         <p:spPr>
           <a:xfrm>
-            <a:off x="3570189" y="2338802"/>
-            <a:ext cx="978408" cy="484632"/>
+            <a:off x="4553832" y="3797171"/>
+            <a:ext cx="6134351" cy="1938992"/>
+          </a:xfrm>
+          <a:prstGeom prst="rect">
+            <a:avLst/>
+          </a:prstGeom>
+          <a:solidFill>
+            <a:srgbClr val="FAFAFA"/>
+          </a:solidFill>
+          <a:ln w="12700">
+            <a:solidFill>
+              <a:schemeClr val="accent1"/>
+            </a:solidFill>
+          </a:ln>
+          <a:extLst>
+            <a:ext uri="{C572A759-6A51-4108-AA02-DFA0A04FC94B}">
+              <ma14:wrappingTextBoxFlag xmlns="" xmlns:ma14="http://schemas.microsoft.com/office/mac/drawingml/2011/main" val="1"/>
+            </a:ext>
+          </a:extLst>
+        </p:spPr>
+        <p:txBody>
+          <a:bodyPr wrap="square" lIns="45719" rIns="45719">
+            <a:spAutoFit/>
+          </a:bodyPr>
+          <a:lstStyle/>
+          <a:p>
+            <a:pPr marL="365760" indent="-457200">
+              <a:buSzPct val="100000"/>
+              <a:defRPr sz="2400">
+                <a:latin typeface="Gill Sans MT"/>
+                <a:ea typeface="Gill Sans MT"/>
+                <a:cs typeface="Gill Sans MT"/>
+                <a:sym typeface="Gill Sans MT"/>
+              </a:defRPr>
+            </a:pPr>
+            <a:r>
+              <a:rPr lang="en-US" sz="3000" dirty="0"/>
+              <a:t>1. Get the </a:t>
+            </a:r>
+            <a:r>
+              <a:rPr lang="en-US" sz="3000" dirty="0"/>
+              <a:t>earnings </a:t>
+            </a:r>
+            <a:r>
+              <a:rPr lang="en-US" sz="3000" dirty="0"/>
+              <a:t>release date for each company from Yahoo finance</a:t>
+            </a:r>
+          </a:p>
+          <a:p>
+            <a:pPr marL="365760" indent="-457200">
+              <a:buSzPct val="100000"/>
+              <a:defRPr sz="2400">
+                <a:latin typeface="Gill Sans MT"/>
+                <a:ea typeface="Gill Sans MT"/>
+                <a:cs typeface="Gill Sans MT"/>
+                <a:sym typeface="Gill Sans MT"/>
+              </a:defRPr>
+            </a:pPr>
+            <a:r>
+              <a:rPr lang="en-US" sz="3000" dirty="0"/>
+              <a:t>2. This date is used in the ML model for prediction</a:t>
+            </a:r>
+          </a:p>
+        </p:txBody>
+      </p:sp>
+      <p:sp>
+        <p:nvSpPr>
+          <p:cNvPr id="4" name="Rectangle 3"/>
+          <p:cNvSpPr/>
+          <p:nvPr/>
+        </p:nvSpPr>
+        <p:spPr>
+          <a:xfrm>
+            <a:off x="592304" y="4629721"/>
+            <a:ext cx="3267241" cy="492443"/>
+          </a:xfrm>
+          <a:prstGeom prst="rect">
+            <a:avLst/>
+          </a:prstGeom>
+        </p:spPr>
+        <p:txBody>
+          <a:bodyPr wrap="none">
+            <a:spAutoFit/>
+          </a:bodyPr>
+          <a:lstStyle/>
+          <a:p>
+            <a:r>
+              <a:rPr lang="en-US" sz="2600" b="1" dirty="0" err="1">
+                <a:latin typeface="Gill Sans MT" panose="020B0502020104020203" pitchFamily="34" charset="0"/>
+              </a:rPr>
+              <a:t>get_earnings_data</a:t>
+            </a:r>
+            <a:r>
+              <a:rPr lang="en-US" sz="2600" b="1" dirty="0">
+                <a:latin typeface="Gill Sans MT" panose="020B0502020104020203" pitchFamily="34" charset="0"/>
+              </a:rPr>
+              <a:t>()</a:t>
+            </a:r>
+          </a:p>
+        </p:txBody>
+      </p:sp>
+      <p:sp>
+        <p:nvSpPr>
+          <p:cNvPr id="12" name="Right Arrow 10"/>
+          <p:cNvSpPr/>
+          <p:nvPr/>
+        </p:nvSpPr>
+        <p:spPr>
+          <a:xfrm>
+            <a:off x="2800707" y="2859864"/>
+            <a:ext cx="1422011" cy="540979"/>
           </a:xfrm>
           <a:prstGeom prst="rightArrow">
             <a:avLst/>
           </a:prstGeom>
           <a:solidFill>
-            <a:srgbClr val="FFFFFF"/>
+            <a:schemeClr val="accent1">
+              <a:lumMod val="40000"/>
+              <a:lumOff val="60000"/>
+            </a:schemeClr>
           </a:solidFill>
           <a:ln w="25400" cap="flat">
             <a:solidFill>
@@ -9730,117 +9962,23 @@
       </p:sp>
       <p:sp>
         <p:nvSpPr>
-          <p:cNvPr id="9" name="Shape 225"/>
+          <p:cNvPr id="13" name="Right Arrow 10"/>
           <p:cNvSpPr/>
           <p:nvPr/>
         </p:nvSpPr>
         <p:spPr>
           <a:xfrm>
-            <a:off x="5046048" y="3703316"/>
-            <a:ext cx="5227212" cy="2400657"/>
-          </a:xfrm>
-          <a:prstGeom prst="rect">
+            <a:off x="2800707" y="5122164"/>
+            <a:ext cx="1422011" cy="540979"/>
+          </a:xfrm>
+          <a:prstGeom prst="rightArrow">
             <a:avLst/>
           </a:prstGeom>
           <a:solidFill>
-            <a:srgbClr val="FAFAFA"/>
-          </a:solidFill>
-          <a:ln w="12700">
-            <a:solidFill>
-              <a:schemeClr val="accent1"/>
-            </a:solidFill>
-          </a:ln>
-          <a:extLst>
-            <a:ext uri="{C572A759-6A51-4108-AA02-DFA0A04FC94B}">
-              <ma14:wrappingTextBoxFlag xmlns="" xmlns:ma14="http://schemas.microsoft.com/office/mac/drawingml/2011/main" val="1"/>
-            </a:ext>
-          </a:extLst>
-        </p:spPr>
-        <p:txBody>
-          <a:bodyPr wrap="square" lIns="45719" rIns="45719">
-            <a:spAutoFit/>
-          </a:bodyPr>
-          <a:lstStyle/>
-          <a:p>
-            <a:pPr>
-              <a:buSzPct val="100000"/>
-              <a:defRPr sz="2400">
-                <a:latin typeface="Gill Sans MT"/>
-                <a:ea typeface="Gill Sans MT"/>
-                <a:cs typeface="Gill Sans MT"/>
-                <a:sym typeface="Gill Sans MT"/>
-              </a:defRPr>
-            </a:pPr>
-            <a:r>
-              <a:rPr lang="en-US" sz="3000" dirty="0"/>
-              <a:t>1. Get the Earnings Report release date for each company from Yahoo finance</a:t>
-            </a:r>
-          </a:p>
-          <a:p>
-            <a:pPr>
-              <a:buSzPct val="100000"/>
-              <a:defRPr sz="2400">
-                <a:latin typeface="Gill Sans MT"/>
-                <a:ea typeface="Gill Sans MT"/>
-                <a:cs typeface="Gill Sans MT"/>
-                <a:sym typeface="Gill Sans MT"/>
-              </a:defRPr>
-            </a:pPr>
-            <a:r>
-              <a:rPr lang="en-US" sz="3000" dirty="0"/>
-              <a:t>2. This date is used in the ML model for prediction</a:t>
-            </a:r>
-          </a:p>
-        </p:txBody>
-      </p:sp>
-      <p:sp>
-        <p:nvSpPr>
-          <p:cNvPr id="4" name="Rectangle 3"/>
-          <p:cNvSpPr/>
-          <p:nvPr/>
-        </p:nvSpPr>
-        <p:spPr>
-          <a:xfrm>
-            <a:off x="681347" y="4703589"/>
-            <a:ext cx="2544286" cy="400110"/>
-          </a:xfrm>
-          <a:prstGeom prst="rect">
-            <a:avLst/>
-          </a:prstGeom>
-        </p:spPr>
-        <p:txBody>
-          <a:bodyPr wrap="none">
-            <a:spAutoFit/>
-          </a:bodyPr>
-          <a:lstStyle/>
-          <a:p>
-            <a:r>
-              <a:rPr lang="en-US" sz="2000" dirty="0" err="1"/>
-              <a:t>get_earnings_data</a:t>
-            </a:r>
-            <a:r>
-              <a:rPr lang="en-US" sz="2000" dirty="0"/>
-              <a:t>()</a:t>
-            </a:r>
-          </a:p>
-        </p:txBody>
-      </p:sp>
-      <p:sp>
-        <p:nvSpPr>
-          <p:cNvPr id="11" name="Right Arrow 10"/>
-          <p:cNvSpPr/>
-          <p:nvPr/>
-        </p:nvSpPr>
-        <p:spPr>
-          <a:xfrm>
-            <a:off x="3570189" y="4661328"/>
-            <a:ext cx="978408" cy="484632"/>
-          </a:xfrm>
-          <a:prstGeom prst="rightArrow">
-            <a:avLst/>
-          </a:prstGeom>
-          <a:solidFill>
-            <a:srgbClr val="FFFFFF"/>
+            <a:schemeClr val="accent1">
+              <a:lumMod val="40000"/>
+              <a:lumOff val="60000"/>
+            </a:schemeClr>
           </a:solidFill>
           <a:ln w="25400" cap="flat">
             <a:solidFill>

--- a/Doc/FinalPresentation.pptx
+++ b/Doc/FinalPresentation.pptx
@@ -4739,7 +4739,7 @@
           </a:ln>
           <a:extLst>
             <a:ext uri="{C572A759-6A51-4108-AA02-DFA0A04FC94B}">
-              <ma14:wrappingTextBoxFlag xmlns="" xmlns:ma14="http://schemas.microsoft.com/office/mac/drawingml/2011/main" val="1"/>
+              <ma14:wrappingTextBoxFlag xmlns:ma14="http://schemas.microsoft.com/office/mac/drawingml/2011/main" xmlns="" val="1"/>
             </a:ext>
           </a:extLst>
         </p:spPr>
@@ -4778,7 +4778,7 @@
           </a:ln>
           <a:extLst>
             <a:ext uri="{C572A759-6A51-4108-AA02-DFA0A04FC94B}">
-              <ma14:wrappingTextBoxFlag xmlns="" xmlns:ma14="http://schemas.microsoft.com/office/mac/drawingml/2011/main" val="1"/>
+              <ma14:wrappingTextBoxFlag xmlns:ma14="http://schemas.microsoft.com/office/mac/drawingml/2011/main" xmlns="" val="1"/>
             </a:ext>
           </a:extLst>
         </p:spPr>
@@ -5802,7 +5802,7 @@
           </a:ln>
           <a:extLst>
             <a:ext uri="{C572A759-6A51-4108-AA02-DFA0A04FC94B}">
-              <ma14:wrappingTextBoxFlag xmlns="" xmlns:ma14="http://schemas.microsoft.com/office/mac/drawingml/2011/main" val="1"/>
+              <ma14:wrappingTextBoxFlag xmlns:ma14="http://schemas.microsoft.com/office/mac/drawingml/2011/main" xmlns="" val="1"/>
             </a:ext>
           </a:extLst>
         </p:spPr>
@@ -6028,7 +6028,7 @@
           </a:ln>
           <a:extLst>
             <a:ext uri="{C572A759-6A51-4108-AA02-DFA0A04FC94B}">
-              <ma14:wrappingTextBoxFlag xmlns="" xmlns:ma14="http://schemas.microsoft.com/office/mac/drawingml/2011/main" val="1"/>
+              <ma14:wrappingTextBoxFlag xmlns:ma14="http://schemas.microsoft.com/office/mac/drawingml/2011/main" xmlns="" val="1"/>
             </a:ext>
           </a:extLst>
         </p:spPr>
@@ -6443,7 +6443,7 @@
           </a:ln>
           <a:extLst>
             <a:ext uri="{C572A759-6A51-4108-AA02-DFA0A04FC94B}">
-              <ma14:wrappingTextBoxFlag xmlns="" xmlns:ma14="http://schemas.microsoft.com/office/mac/drawingml/2011/main" val="1"/>
+              <ma14:wrappingTextBoxFlag xmlns:ma14="http://schemas.microsoft.com/office/mac/drawingml/2011/main" xmlns="" val="1"/>
             </a:ext>
           </a:extLst>
         </p:spPr>
@@ -6486,7 +6486,7 @@
           </a:ln>
           <a:extLst>
             <a:ext uri="{C572A759-6A51-4108-AA02-DFA0A04FC94B}">
-              <ma14:wrappingTextBoxFlag xmlns="" xmlns:ma14="http://schemas.microsoft.com/office/mac/drawingml/2011/main" val="1"/>
+              <ma14:wrappingTextBoxFlag xmlns:ma14="http://schemas.microsoft.com/office/mac/drawingml/2011/main" xmlns="" val="1"/>
             </a:ext>
           </a:extLst>
         </p:spPr>
@@ -7306,7 +7306,7 @@
               <a:effectLst/>
               <a:extLst>
                 <a:ext uri="{C572A759-6A51-4108-AA02-DFA0A04FC94B}">
-                  <ma14:wrappingTextBoxFlag xmlns="" xmlns:ma14="http://schemas.microsoft.com/office/mac/drawingml/2011/main" val="1"/>
+                  <ma14:wrappingTextBoxFlag xmlns:ma14="http://schemas.microsoft.com/office/mac/drawingml/2011/main" xmlns="" val="1"/>
                 </a:ext>
               </a:extLst>
             </p:spPr>
@@ -7354,7 +7354,7 @@
             <a:effectLst/>
             <a:extLst>
               <a:ext uri="{C572A759-6A51-4108-AA02-DFA0A04FC94B}">
-                <ma14:wrappingTextBoxFlag xmlns="" xmlns:ma14="http://schemas.microsoft.com/office/mac/drawingml/2011/main" val="1"/>
+                <ma14:wrappingTextBoxFlag xmlns:ma14="http://schemas.microsoft.com/office/mac/drawingml/2011/main" xmlns="" val="1"/>
               </a:ext>
             </a:extLst>
           </p:spPr>
@@ -7431,7 +7431,7 @@
             <a:effectLst/>
             <a:extLst>
               <a:ext uri="{C572A759-6A51-4108-AA02-DFA0A04FC94B}">
-                <ma14:wrappingTextBoxFlag xmlns="" xmlns:ma14="http://schemas.microsoft.com/office/mac/drawingml/2011/main" val="1"/>
+                <ma14:wrappingTextBoxFlag xmlns:ma14="http://schemas.microsoft.com/office/mac/drawingml/2011/main" xmlns="" val="1"/>
               </a:ext>
             </a:extLst>
           </p:spPr>
@@ -7808,7 +7808,7 @@
           </a:ln>
           <a:extLst>
             <a:ext uri="{C572A759-6A51-4108-AA02-DFA0A04FC94B}">
-              <ma14:wrappingTextBoxFlag xmlns="" xmlns:ma14="http://schemas.microsoft.com/office/mac/drawingml/2011/main" val="1"/>
+              <ma14:wrappingTextBoxFlag xmlns:ma14="http://schemas.microsoft.com/office/mac/drawingml/2011/main" xmlns="" val="1"/>
             </a:ext>
           </a:extLst>
         </p:spPr>
@@ -7854,7 +7854,7 @@
           </a:ln>
           <a:extLst>
             <a:ext uri="{C572A759-6A51-4108-AA02-DFA0A04FC94B}">
-              <ma14:wrappingTextBoxFlag xmlns="" xmlns:ma14="http://schemas.microsoft.com/office/mac/drawingml/2011/main" val="1"/>
+              <ma14:wrappingTextBoxFlag xmlns:ma14="http://schemas.microsoft.com/office/mac/drawingml/2011/main" xmlns="" val="1"/>
             </a:ext>
           </a:extLst>
         </p:spPr>
@@ -8410,7 +8410,7 @@
             <a:effectLst/>
             <a:extLst>
               <a:ext uri="{C572A759-6A51-4108-AA02-DFA0A04FC94B}">
-                <ma14:wrappingTextBoxFlag xmlns="" xmlns:ma14="http://schemas.microsoft.com/office/mac/drawingml/2011/main" val="1"/>
+                <ma14:wrappingTextBoxFlag xmlns:ma14="http://schemas.microsoft.com/office/mac/drawingml/2011/main" xmlns="" val="1"/>
               </a:ext>
             </a:extLst>
           </p:spPr>
@@ -8544,7 +8544,7 @@
             <a:effectLst/>
             <a:extLst>
               <a:ext uri="{C572A759-6A51-4108-AA02-DFA0A04FC94B}">
-                <ma14:wrappingTextBoxFlag xmlns="" xmlns:ma14="http://schemas.microsoft.com/office/mac/drawingml/2011/main" val="1"/>
+                <ma14:wrappingTextBoxFlag xmlns:ma14="http://schemas.microsoft.com/office/mac/drawingml/2011/main" xmlns="" val="1"/>
               </a:ext>
             </a:extLst>
           </p:spPr>
@@ -8678,7 +8678,7 @@
             <a:effectLst/>
             <a:extLst>
               <a:ext uri="{C572A759-6A51-4108-AA02-DFA0A04FC94B}">
-                <ma14:wrappingTextBoxFlag xmlns="" xmlns:ma14="http://schemas.microsoft.com/office/mac/drawingml/2011/main" val="1"/>
+                <ma14:wrappingTextBoxFlag xmlns:ma14="http://schemas.microsoft.com/office/mac/drawingml/2011/main" xmlns="" val="1"/>
               </a:ext>
             </a:extLst>
           </p:spPr>
@@ -8827,7 +8827,7 @@
             <a:effectLst/>
             <a:extLst>
               <a:ext uri="{C572A759-6A51-4108-AA02-DFA0A04FC94B}">
-                <ma14:wrappingTextBoxFlag xmlns="" xmlns:ma14="http://schemas.microsoft.com/office/mac/drawingml/2011/main" val="1"/>
+                <ma14:wrappingTextBoxFlag xmlns:ma14="http://schemas.microsoft.com/office/mac/drawingml/2011/main" xmlns="" val="1"/>
               </a:ext>
             </a:extLst>
           </p:spPr>
@@ -8976,7 +8976,7 @@
             <a:effectLst/>
             <a:extLst>
               <a:ext uri="{C572A759-6A51-4108-AA02-DFA0A04FC94B}">
-                <ma14:wrappingTextBoxFlag xmlns="" xmlns:ma14="http://schemas.microsoft.com/office/mac/drawingml/2011/main" val="1"/>
+                <ma14:wrappingTextBoxFlag xmlns:ma14="http://schemas.microsoft.com/office/mac/drawingml/2011/main" xmlns="" val="1"/>
               </a:ext>
             </a:extLst>
           </p:spPr>
@@ -9124,7 +9124,7 @@
             <a:effectLst/>
             <a:extLst>
               <a:ext uri="{C572A759-6A51-4108-AA02-DFA0A04FC94B}">
-                <ma14:wrappingTextBoxFlag xmlns="" xmlns:ma14="http://schemas.microsoft.com/office/mac/drawingml/2011/main" val="1"/>
+                <ma14:wrappingTextBoxFlag xmlns:ma14="http://schemas.microsoft.com/office/mac/drawingml/2011/main" xmlns="" val="1"/>
               </a:ext>
             </a:extLst>
           </p:spPr>
@@ -9449,7 +9449,7 @@
       </p:sp>
       <p:pic>
         <p:nvPicPr>
-          <p:cNvPr id="220" name="image3.tif"/>
+          <p:cNvPr id="4" name="Picture 3"/>
           <p:cNvPicPr>
             <a:picLocks noChangeAspect="1"/>
           </p:cNvPicPr>
@@ -9457,7 +9457,11 @@
         </p:nvPicPr>
         <p:blipFill>
           <a:blip r:embed="rId3">
-            <a:extLst/>
+            <a:extLst>
+              <a:ext uri="{28A0092B-C50C-407E-A947-70E740481C1C}">
+                <a14:useLocalDpi xmlns:a14="http://schemas.microsoft.com/office/drawing/2010/main" val="0"/>
+              </a:ext>
+            </a:extLst>
           </a:blip>
           <a:stretch>
             <a:fillRect/>
@@ -9465,37 +9469,342 @@
         </p:blipFill>
         <p:spPr>
           <a:xfrm>
-            <a:off x="609601" y="274638"/>
-            <a:ext cx="9956801" cy="6315143"/>
+            <a:off x="165359" y="274638"/>
+            <a:ext cx="10522628" cy="6199315"/>
           </a:xfrm>
           <a:prstGeom prst="rect">
             <a:avLst/>
           </a:prstGeom>
-          <a:ln w="12700">
-            <a:miter lim="400000"/>
-          </a:ln>
         </p:spPr>
       </p:pic>
-      <p:sp>
-        <p:nvSpPr>
-          <p:cNvPr id="3" name="Oval 2"/>
+    </p:spTree>
+  </p:cSld>
+  <p:clrMapOvr>
+    <a:masterClrMapping/>
+  </p:clrMapOvr>
+  <p:transition spd="med"/>
+</p:sld>
+</file>
+
+<file path=ppt/slides/slide7.xml><?xml version="1.0" encoding="utf-8"?>
+<p:sld xmlns:a="http://schemas.openxmlformats.org/drawingml/2006/main" xmlns:r="http://schemas.openxmlformats.org/officeDocument/2006/relationships" xmlns:p="http://schemas.openxmlformats.org/presentationml/2006/main">
+  <p:cSld>
+    <p:spTree>
+      <p:nvGrpSpPr>
+        <p:cNvPr id="1" name=""/>
+        <p:cNvGrpSpPr/>
+        <p:nvPr/>
+      </p:nvGrpSpPr>
+      <p:grpSpPr>
+        <a:xfrm>
+          <a:off x="0" y="0"/>
+          <a:ext cx="0" cy="0"/>
+          <a:chOff x="0" y="0"/>
+          <a:chExt cx="0" cy="0"/>
+        </a:xfrm>
+      </p:grpSpPr>
+      <p:sp>
+        <p:nvSpPr>
+          <p:cNvPr id="222" name="Shape 222"/>
+          <p:cNvSpPr>
+            <a:spLocks noGrp="1"/>
+          </p:cNvSpPr>
+          <p:nvPr>
+            <p:ph type="title"/>
+          </p:nvPr>
+        </p:nvSpPr>
+        <p:spPr>
+          <a:xfrm>
+            <a:off x="592304" y="120259"/>
+            <a:ext cx="9956800" cy="1143001"/>
+          </a:xfrm>
+          <a:prstGeom prst="rect">
+            <a:avLst/>
+          </a:prstGeom>
+        </p:spPr>
+        <p:txBody>
+          <a:bodyPr/>
+          <a:lstStyle>
+            <a:lvl1pPr>
+              <a:defRPr sz="3200" b="1"/>
+            </a:lvl1pPr>
+          </a:lstStyle>
+          <a:p>
+            <a:r>
+              <a:rPr dirty="0"/>
+              <a:t>Control Logic – Earnings Report Module</a:t>
+            </a:r>
+          </a:p>
+        </p:txBody>
+      </p:sp>
+      <p:sp>
+        <p:nvSpPr>
+          <p:cNvPr id="225" name="Shape 225"/>
           <p:cNvSpPr/>
           <p:nvPr/>
         </p:nvSpPr>
         <p:spPr>
           <a:xfrm>
-            <a:off x="1017777" y="1600199"/>
-            <a:ext cx="2834640" cy="640080"/>
-          </a:xfrm>
-          <a:prstGeom prst="ellipse">
-            <a:avLst/>
-          </a:prstGeom>
-          <a:noFill/>
-          <a:ln w="41275" cap="flat" cmpd="sng">
+            <a:off x="4553832" y="1796288"/>
+            <a:ext cx="6134352" cy="1569660"/>
+          </a:xfrm>
+          <a:prstGeom prst="rect">
+            <a:avLst/>
+          </a:prstGeom>
+          <a:solidFill>
+            <a:srgbClr val="FAFAFA"/>
+          </a:solidFill>
+          <a:ln w="12700">
             <a:solidFill>
-              <a:schemeClr val="accent2">
-                <a:lumMod val="75000"/>
-              </a:schemeClr>
+              <a:schemeClr val="accent1"/>
+            </a:solidFill>
+          </a:ln>
+          <a:extLst>
+            <a:ext uri="{C572A759-6A51-4108-AA02-DFA0A04FC94B}">
+              <ma14:wrappingTextBoxFlag xmlns:ma14="http://schemas.microsoft.com/office/mac/drawingml/2011/main" xmlns="" val="1"/>
+            </a:ext>
+          </a:extLst>
+        </p:spPr>
+        <p:txBody>
+          <a:bodyPr wrap="square" lIns="45719" rIns="45719">
+            <a:spAutoFit/>
+          </a:bodyPr>
+          <a:lstStyle/>
+          <a:p>
+            <a:pPr>
+              <a:buSzPct val="100000"/>
+              <a:defRPr sz="2400">
+                <a:latin typeface="Gill Sans MT"/>
+                <a:ea typeface="Gill Sans MT"/>
+                <a:cs typeface="Gill Sans MT"/>
+                <a:sym typeface="Gill Sans MT"/>
+              </a:defRPr>
+            </a:pPr>
+            <a:r>
+              <a:rPr lang="en-US" sz="3200" dirty="0"/>
+              <a:t>T</a:t>
+            </a:r>
+            <a:r>
+              <a:rPr sz="3200" dirty="0"/>
+              <a:t>he </a:t>
+            </a:r>
+            <a:r>
+              <a:rPr lang="en-US" sz="3200" dirty="0"/>
+              <a:t>s</a:t>
+            </a:r>
+            <a:r>
+              <a:rPr sz="3200" dirty="0"/>
+              <a:t>tart and </a:t>
+            </a:r>
+            <a:r>
+              <a:rPr lang="en-US" sz="3200" dirty="0"/>
+              <a:t>e</a:t>
+            </a:r>
+            <a:r>
+              <a:rPr sz="3200" dirty="0"/>
+              <a:t>nd dates </a:t>
+            </a:r>
+            <a:r>
+              <a:rPr lang="en-US" sz="3200" dirty="0"/>
+              <a:t>for</a:t>
+            </a:r>
+            <a:r>
+              <a:rPr sz="3200" dirty="0"/>
+              <a:t> each quarter </a:t>
+            </a:r>
+            <a:r>
+              <a:rPr lang="en-US" sz="3200" dirty="0"/>
+              <a:t>define the range of</a:t>
+            </a:r>
+            <a:r>
+              <a:rPr sz="3200" dirty="0"/>
+              <a:t> Google trends data</a:t>
+            </a:r>
+            <a:r>
+              <a:rPr lang="en-US" sz="3200" dirty="0"/>
+              <a:t> in the model</a:t>
+            </a:r>
+            <a:endParaRPr sz="3200" dirty="0"/>
+          </a:p>
+        </p:txBody>
+      </p:sp>
+      <p:sp>
+        <p:nvSpPr>
+          <p:cNvPr id="2" name="Rectangle 1"/>
+          <p:cNvSpPr/>
+          <p:nvPr/>
+        </p:nvSpPr>
+        <p:spPr>
+          <a:xfrm>
+            <a:off x="592304" y="1959770"/>
+            <a:ext cx="3299301" cy="1169551"/>
+          </a:xfrm>
+          <a:prstGeom prst="rect">
+            <a:avLst/>
+          </a:prstGeom>
+        </p:spPr>
+        <p:txBody>
+          <a:bodyPr wrap="none">
+            <a:spAutoFit/>
+          </a:bodyPr>
+          <a:lstStyle/>
+          <a:p>
+            <a:r>
+              <a:rPr lang="en-US" sz="2600" b="1" dirty="0" err="1">
+                <a:latin typeface="Gill Sans MT" panose="020B0502020104020203" pitchFamily="34" charset="0"/>
+              </a:rPr>
+              <a:t>get_quarter_begin</a:t>
+            </a:r>
+            <a:r>
+              <a:rPr lang="en-US" sz="2600" b="1" dirty="0">
+                <a:latin typeface="Gill Sans MT" panose="020B0502020104020203" pitchFamily="34" charset="0"/>
+              </a:rPr>
+              <a:t>()</a:t>
+            </a:r>
+          </a:p>
+          <a:p>
+            <a:r>
+              <a:rPr lang="en-US" sz="2600" b="1" dirty="0" err="1">
+                <a:latin typeface="Gill Sans MT" panose="020B0502020104020203" pitchFamily="34" charset="0"/>
+              </a:rPr>
+              <a:t>get_quarter_end</a:t>
+            </a:r>
+            <a:r>
+              <a:rPr lang="en-US" sz="2600" b="1" dirty="0">
+                <a:latin typeface="Gill Sans MT" panose="020B0502020104020203" pitchFamily="34" charset="0"/>
+              </a:rPr>
+              <a:t>()</a:t>
+            </a:r>
+          </a:p>
+          <a:p>
+            <a:endParaRPr lang="en-US" dirty="0"/>
+          </a:p>
+        </p:txBody>
+      </p:sp>
+      <p:sp>
+        <p:nvSpPr>
+          <p:cNvPr id="9" name="Shape 225"/>
+          <p:cNvSpPr/>
+          <p:nvPr/>
+        </p:nvSpPr>
+        <p:spPr>
+          <a:xfrm>
+            <a:off x="4553832" y="3797171"/>
+            <a:ext cx="6134351" cy="1938992"/>
+          </a:xfrm>
+          <a:prstGeom prst="rect">
+            <a:avLst/>
+          </a:prstGeom>
+          <a:solidFill>
+            <a:srgbClr val="FAFAFA"/>
+          </a:solidFill>
+          <a:ln w="12700">
+            <a:solidFill>
+              <a:schemeClr val="accent1"/>
+            </a:solidFill>
+          </a:ln>
+          <a:extLst>
+            <a:ext uri="{C572A759-6A51-4108-AA02-DFA0A04FC94B}">
+              <ma14:wrappingTextBoxFlag xmlns:ma14="http://schemas.microsoft.com/office/mac/drawingml/2011/main" xmlns="" val="1"/>
+            </a:ext>
+          </a:extLst>
+        </p:spPr>
+        <p:txBody>
+          <a:bodyPr wrap="square" lIns="45719" rIns="45719">
+            <a:spAutoFit/>
+          </a:bodyPr>
+          <a:lstStyle/>
+          <a:p>
+            <a:pPr marL="365760" indent="-457200">
+              <a:buSzPct val="100000"/>
+              <a:defRPr sz="2400">
+                <a:latin typeface="Gill Sans MT"/>
+                <a:ea typeface="Gill Sans MT"/>
+                <a:cs typeface="Gill Sans MT"/>
+                <a:sym typeface="Gill Sans MT"/>
+              </a:defRPr>
+            </a:pPr>
+            <a:r>
+              <a:rPr lang="en-US" sz="3000" dirty="0"/>
+              <a:t>1. Get the earnings release date for each company from Yahoo finance</a:t>
+            </a:r>
+          </a:p>
+          <a:p>
+            <a:pPr marL="365760" indent="-457200">
+              <a:buSzPct val="100000"/>
+              <a:defRPr sz="2400">
+                <a:latin typeface="Gill Sans MT"/>
+                <a:ea typeface="Gill Sans MT"/>
+                <a:cs typeface="Gill Sans MT"/>
+                <a:sym typeface="Gill Sans MT"/>
+              </a:defRPr>
+            </a:pPr>
+            <a:r>
+              <a:rPr lang="en-US" sz="3000" dirty="0"/>
+              <a:t>2. This date is used in the ML model for prediction</a:t>
+            </a:r>
+          </a:p>
+        </p:txBody>
+      </p:sp>
+      <p:sp>
+        <p:nvSpPr>
+          <p:cNvPr id="4" name="Rectangle 3"/>
+          <p:cNvSpPr/>
+          <p:nvPr/>
+        </p:nvSpPr>
+        <p:spPr>
+          <a:xfrm>
+            <a:off x="592304" y="4629721"/>
+            <a:ext cx="3267241" cy="492443"/>
+          </a:xfrm>
+          <a:prstGeom prst="rect">
+            <a:avLst/>
+          </a:prstGeom>
+        </p:spPr>
+        <p:txBody>
+          <a:bodyPr wrap="none">
+            <a:spAutoFit/>
+          </a:bodyPr>
+          <a:lstStyle/>
+          <a:p>
+            <a:r>
+              <a:rPr lang="en-US" sz="2600" b="1" dirty="0" err="1">
+                <a:latin typeface="Gill Sans MT" panose="020B0502020104020203" pitchFamily="34" charset="0"/>
+              </a:rPr>
+              <a:t>get_earnings_data</a:t>
+            </a:r>
+            <a:r>
+              <a:rPr lang="en-US" sz="2600" b="1" dirty="0">
+                <a:latin typeface="Gill Sans MT" panose="020B0502020104020203" pitchFamily="34" charset="0"/>
+              </a:rPr>
+              <a:t>()</a:t>
+            </a:r>
+          </a:p>
+        </p:txBody>
+      </p:sp>
+      <p:sp>
+        <p:nvSpPr>
+          <p:cNvPr id="12" name="Right Arrow 10"/>
+          <p:cNvSpPr/>
+          <p:nvPr/>
+        </p:nvSpPr>
+        <p:spPr>
+          <a:xfrm>
+            <a:off x="2800707" y="2859864"/>
+            <a:ext cx="1422011" cy="540979"/>
+          </a:xfrm>
+          <a:prstGeom prst="rightArrow">
+            <a:avLst/>
+          </a:prstGeom>
+          <a:solidFill>
+            <a:schemeClr val="accent1">
+              <a:lumMod val="40000"/>
+              <a:lumOff val="60000"/>
+            </a:schemeClr>
+          </a:solidFill>
+          <a:ln w="25400" cap="flat">
+            <a:solidFill>
+              <a:schemeClr val="accent1"/>
             </a:solidFill>
             <a:prstDash val="solid"/>
             <a:round/>
@@ -9560,328 +9869,15 @@
           </a:p>
         </p:txBody>
       </p:sp>
-    </p:spTree>
-  </p:cSld>
-  <p:clrMapOvr>
-    <a:masterClrMapping/>
-  </p:clrMapOvr>
-  <p:transition spd="med"/>
-</p:sld>
-</file>
-
-<file path=ppt/slides/slide7.xml><?xml version="1.0" encoding="utf-8"?>
-<p:sld xmlns:a="http://schemas.openxmlformats.org/drawingml/2006/main" xmlns:r="http://schemas.openxmlformats.org/officeDocument/2006/relationships" xmlns:p="http://schemas.openxmlformats.org/presentationml/2006/main">
-  <p:cSld>
-    <p:spTree>
-      <p:nvGrpSpPr>
-        <p:cNvPr id="1" name=""/>
-        <p:cNvGrpSpPr/>
-        <p:nvPr/>
-      </p:nvGrpSpPr>
-      <p:grpSpPr>
-        <a:xfrm>
-          <a:off x="0" y="0"/>
-          <a:ext cx="0" cy="0"/>
-          <a:chOff x="0" y="0"/>
-          <a:chExt cx="0" cy="0"/>
-        </a:xfrm>
-      </p:grpSpPr>
-      <p:sp>
-        <p:nvSpPr>
-          <p:cNvPr id="222" name="Shape 222"/>
-          <p:cNvSpPr>
-            <a:spLocks noGrp="1"/>
-          </p:cNvSpPr>
-          <p:nvPr>
-            <p:ph type="title"/>
-          </p:nvPr>
-        </p:nvSpPr>
-        <p:spPr>
-          <a:xfrm>
-            <a:off x="592304" y="120259"/>
-            <a:ext cx="9956800" cy="1143001"/>
-          </a:xfrm>
-          <a:prstGeom prst="rect">
-            <a:avLst/>
-          </a:prstGeom>
-        </p:spPr>
-        <p:txBody>
-          <a:bodyPr/>
-          <a:lstStyle>
-            <a:lvl1pPr>
-              <a:defRPr sz="3200" b="1"/>
-            </a:lvl1pPr>
-          </a:lstStyle>
-          <a:p>
-            <a:r>
-              <a:rPr dirty="0"/>
-              <a:t>Control Logic – Earnings Report Module</a:t>
-            </a:r>
-          </a:p>
-        </p:txBody>
-      </p:sp>
-      <p:sp>
-        <p:nvSpPr>
-          <p:cNvPr id="225" name="Shape 225"/>
+      <p:sp>
+        <p:nvSpPr>
+          <p:cNvPr id="13" name="Right Arrow 10"/>
           <p:cNvSpPr/>
           <p:nvPr/>
         </p:nvSpPr>
         <p:spPr>
           <a:xfrm>
-            <a:off x="4553832" y="1796288"/>
-            <a:ext cx="6134352" cy="1569660"/>
-          </a:xfrm>
-          <a:prstGeom prst="rect">
-            <a:avLst/>
-          </a:prstGeom>
-          <a:solidFill>
-            <a:srgbClr val="FAFAFA"/>
-          </a:solidFill>
-          <a:ln w="12700">
-            <a:solidFill>
-              <a:schemeClr val="accent1"/>
-            </a:solidFill>
-          </a:ln>
-          <a:extLst>
-            <a:ext uri="{C572A759-6A51-4108-AA02-DFA0A04FC94B}">
-              <ma14:wrappingTextBoxFlag xmlns="" xmlns:ma14="http://schemas.microsoft.com/office/mac/drawingml/2011/main" val="1"/>
-            </a:ext>
-          </a:extLst>
-        </p:spPr>
-        <p:txBody>
-          <a:bodyPr wrap="square" lIns="45719" rIns="45719">
-            <a:spAutoFit/>
-          </a:bodyPr>
-          <a:lstStyle/>
-          <a:p>
-            <a:pPr>
-              <a:buSzPct val="100000"/>
-              <a:defRPr sz="2400">
-                <a:latin typeface="Gill Sans MT"/>
-                <a:ea typeface="Gill Sans MT"/>
-                <a:cs typeface="Gill Sans MT"/>
-                <a:sym typeface="Gill Sans MT"/>
-              </a:defRPr>
-            </a:pPr>
-            <a:r>
-              <a:rPr lang="en-US" sz="3200" dirty="0"/>
-              <a:t>T</a:t>
-            </a:r>
-            <a:r>
-              <a:rPr sz="3200" dirty="0"/>
-              <a:t>he </a:t>
-            </a:r>
-            <a:r>
-              <a:rPr lang="en-US" sz="3200" dirty="0"/>
-              <a:t>s</a:t>
-            </a:r>
-            <a:r>
-              <a:rPr sz="3200" dirty="0"/>
-              <a:t>tart and </a:t>
-            </a:r>
-            <a:r>
-              <a:rPr lang="en-US" sz="3200" dirty="0"/>
-              <a:t>e</a:t>
-            </a:r>
-            <a:r>
-              <a:rPr sz="3200" dirty="0"/>
-              <a:t>nd dates </a:t>
-            </a:r>
-            <a:r>
-              <a:rPr lang="en-US" sz="3200" dirty="0"/>
-              <a:t>for</a:t>
-            </a:r>
-            <a:r>
-              <a:rPr sz="3200" dirty="0"/>
-              <a:t> each quarter </a:t>
-            </a:r>
-            <a:r>
-              <a:rPr lang="en-US" sz="3200" dirty="0"/>
-              <a:t>define the range of</a:t>
-            </a:r>
-            <a:r>
-              <a:rPr sz="3200" dirty="0"/>
-              <a:t> Google trends data</a:t>
-            </a:r>
-            <a:r>
-              <a:rPr lang="en-US" sz="3200" dirty="0"/>
-              <a:t> in the model</a:t>
-            </a:r>
-            <a:endParaRPr sz="3200" dirty="0"/>
-          </a:p>
-        </p:txBody>
-      </p:sp>
-      <p:sp>
-        <p:nvSpPr>
-          <p:cNvPr id="2" name="Rectangle 1"/>
-          <p:cNvSpPr/>
-          <p:nvPr/>
-        </p:nvSpPr>
-        <p:spPr>
-          <a:xfrm>
-            <a:off x="592304" y="1959770"/>
-            <a:ext cx="3299301" cy="1169551"/>
-          </a:xfrm>
-          <a:prstGeom prst="rect">
-            <a:avLst/>
-          </a:prstGeom>
-        </p:spPr>
-        <p:txBody>
-          <a:bodyPr wrap="none">
-            <a:spAutoFit/>
-          </a:bodyPr>
-          <a:lstStyle/>
-          <a:p>
-            <a:r>
-              <a:rPr lang="en-US" sz="2600" b="1" dirty="0" err="1">
-                <a:latin typeface="Gill Sans MT" panose="020B0502020104020203" pitchFamily="34" charset="0"/>
-              </a:rPr>
-              <a:t>get_quarter_begin</a:t>
-            </a:r>
-            <a:r>
-              <a:rPr lang="en-US" sz="2600" b="1" dirty="0">
-                <a:latin typeface="Gill Sans MT" panose="020B0502020104020203" pitchFamily="34" charset="0"/>
-              </a:rPr>
-              <a:t>()</a:t>
-            </a:r>
-          </a:p>
-          <a:p>
-            <a:r>
-              <a:rPr lang="en-US" sz="2600" b="1" dirty="0" err="1">
-                <a:latin typeface="Gill Sans MT" panose="020B0502020104020203" pitchFamily="34" charset="0"/>
-              </a:rPr>
-              <a:t>get_quarter_end</a:t>
-            </a:r>
-            <a:r>
-              <a:rPr lang="en-US" sz="2600" b="1" dirty="0">
-                <a:latin typeface="Gill Sans MT" panose="020B0502020104020203" pitchFamily="34" charset="0"/>
-              </a:rPr>
-              <a:t>()</a:t>
-            </a:r>
-          </a:p>
-          <a:p>
-            <a:endParaRPr lang="en-US" dirty="0"/>
-          </a:p>
-        </p:txBody>
-      </p:sp>
-      <p:sp>
-        <p:nvSpPr>
-          <p:cNvPr id="9" name="Shape 225"/>
-          <p:cNvSpPr/>
-          <p:nvPr/>
-        </p:nvSpPr>
-        <p:spPr>
-          <a:xfrm>
-            <a:off x="4553832" y="3797171"/>
-            <a:ext cx="6134351" cy="1938992"/>
-          </a:xfrm>
-          <a:prstGeom prst="rect">
-            <a:avLst/>
-          </a:prstGeom>
-          <a:solidFill>
-            <a:srgbClr val="FAFAFA"/>
-          </a:solidFill>
-          <a:ln w="12700">
-            <a:solidFill>
-              <a:schemeClr val="accent1"/>
-            </a:solidFill>
-          </a:ln>
-          <a:extLst>
-            <a:ext uri="{C572A759-6A51-4108-AA02-DFA0A04FC94B}">
-              <ma14:wrappingTextBoxFlag xmlns="" xmlns:ma14="http://schemas.microsoft.com/office/mac/drawingml/2011/main" val="1"/>
-            </a:ext>
-          </a:extLst>
-        </p:spPr>
-        <p:txBody>
-          <a:bodyPr wrap="square" lIns="45719" rIns="45719">
-            <a:spAutoFit/>
-          </a:bodyPr>
-          <a:lstStyle/>
-          <a:p>
-            <a:pPr marL="365760" indent="-457200">
-              <a:buSzPct val="100000"/>
-              <a:defRPr sz="2400">
-                <a:latin typeface="Gill Sans MT"/>
-                <a:ea typeface="Gill Sans MT"/>
-                <a:cs typeface="Gill Sans MT"/>
-                <a:sym typeface="Gill Sans MT"/>
-              </a:defRPr>
-            </a:pPr>
-            <a:r>
-              <a:rPr lang="en-US" sz="3000" dirty="0"/>
-              <a:t>1. Get the </a:t>
-            </a:r>
-            <a:r>
-              <a:rPr lang="en-US" sz="3000" dirty="0"/>
-              <a:t>earnings </a:t>
-            </a:r>
-            <a:r>
-              <a:rPr lang="en-US" sz="3000" dirty="0"/>
-              <a:t>release date for each company from Yahoo finance</a:t>
-            </a:r>
-          </a:p>
-          <a:p>
-            <a:pPr marL="365760" indent="-457200">
-              <a:buSzPct val="100000"/>
-              <a:defRPr sz="2400">
-                <a:latin typeface="Gill Sans MT"/>
-                <a:ea typeface="Gill Sans MT"/>
-                <a:cs typeface="Gill Sans MT"/>
-                <a:sym typeface="Gill Sans MT"/>
-              </a:defRPr>
-            </a:pPr>
-            <a:r>
-              <a:rPr lang="en-US" sz="3000" dirty="0"/>
-              <a:t>2. This date is used in the ML model for prediction</a:t>
-            </a:r>
-          </a:p>
-        </p:txBody>
-      </p:sp>
-      <p:sp>
-        <p:nvSpPr>
-          <p:cNvPr id="4" name="Rectangle 3"/>
-          <p:cNvSpPr/>
-          <p:nvPr/>
-        </p:nvSpPr>
-        <p:spPr>
-          <a:xfrm>
-            <a:off x="592304" y="4629721"/>
-            <a:ext cx="3267241" cy="492443"/>
-          </a:xfrm>
-          <a:prstGeom prst="rect">
-            <a:avLst/>
-          </a:prstGeom>
-        </p:spPr>
-        <p:txBody>
-          <a:bodyPr wrap="none">
-            <a:spAutoFit/>
-          </a:bodyPr>
-          <a:lstStyle/>
-          <a:p>
-            <a:r>
-              <a:rPr lang="en-US" sz="2600" b="1" dirty="0" err="1">
-                <a:latin typeface="Gill Sans MT" panose="020B0502020104020203" pitchFamily="34" charset="0"/>
-              </a:rPr>
-              <a:t>get_earnings_data</a:t>
-            </a:r>
-            <a:r>
-              <a:rPr lang="en-US" sz="2600" b="1" dirty="0">
-                <a:latin typeface="Gill Sans MT" panose="020B0502020104020203" pitchFamily="34" charset="0"/>
-              </a:rPr>
-              <a:t>()</a:t>
-            </a:r>
-          </a:p>
-        </p:txBody>
-      </p:sp>
-      <p:sp>
-        <p:nvSpPr>
-          <p:cNvPr id="12" name="Right Arrow 10"/>
-          <p:cNvSpPr/>
-          <p:nvPr/>
-        </p:nvSpPr>
-        <p:spPr>
-          <a:xfrm>
-            <a:off x="2800707" y="2859864"/>
+            <a:off x="2800707" y="5122164"/>
             <a:ext cx="1422011" cy="540979"/>
           </a:xfrm>
           <a:prstGeom prst="rightArrow">
@@ -9960,25 +9956,82 @@
           </a:p>
         </p:txBody>
       </p:sp>
-      <p:sp>
-        <p:nvSpPr>
-          <p:cNvPr id="13" name="Right Arrow 10"/>
+    </p:spTree>
+  </p:cSld>
+  <p:clrMapOvr>
+    <a:masterClrMapping/>
+  </p:clrMapOvr>
+  <p:transition spd="med"/>
+</p:sld>
+</file>
+
+<file path=ppt/slides/slide8.xml><?xml version="1.0" encoding="utf-8"?>
+<p:sld xmlns:a="http://schemas.openxmlformats.org/drawingml/2006/main" xmlns:r="http://schemas.openxmlformats.org/officeDocument/2006/relationships" xmlns:p="http://schemas.openxmlformats.org/presentationml/2006/main">
+  <p:cSld>
+    <p:spTree>
+      <p:nvGrpSpPr>
+        <p:cNvPr id="1" name=""/>
+        <p:cNvGrpSpPr/>
+        <p:nvPr/>
+      </p:nvGrpSpPr>
+      <p:grpSpPr>
+        <a:xfrm>
+          <a:off x="0" y="0"/>
+          <a:ext cx="0" cy="0"/>
+          <a:chOff x="0" y="0"/>
+          <a:chExt cx="0" cy="0"/>
+        </a:xfrm>
+      </p:grpSpPr>
+      <p:sp>
+        <p:nvSpPr>
+          <p:cNvPr id="246" name="Shape 246"/>
+          <p:cNvSpPr>
+            <a:spLocks noGrp="1"/>
+          </p:cNvSpPr>
+          <p:nvPr>
+            <p:ph type="title"/>
+          </p:nvPr>
+        </p:nvSpPr>
+        <p:spPr>
+          <a:xfrm>
+            <a:off x="609599" y="274638"/>
+            <a:ext cx="10861966" cy="1143001"/>
+          </a:xfrm>
+          <a:prstGeom prst="rect">
+            <a:avLst/>
+          </a:prstGeom>
+        </p:spPr>
+        <p:txBody>
+          <a:bodyPr/>
+          <a:lstStyle/>
+          <a:p>
+            <a:pPr>
+              <a:defRPr sz="3200" b="1"/>
+            </a:pPr>
+            <a:r>
+              <a:t>Control Logic – PredictionStockPrice Module</a:t>
+            </a:r>
+            <a:br/>
+            <a:endParaRPr/>
+          </a:p>
+        </p:txBody>
+      </p:sp>
+      <p:sp>
+        <p:nvSpPr>
+          <p:cNvPr id="4" name="Right Arrow 3"/>
           <p:cNvSpPr/>
           <p:nvPr/>
         </p:nvSpPr>
         <p:spPr>
           <a:xfrm>
-            <a:off x="2800707" y="5122164"/>
-            <a:ext cx="1422011" cy="540979"/>
+            <a:off x="5443374" y="4543313"/>
+            <a:ext cx="978408" cy="484632"/>
           </a:xfrm>
           <a:prstGeom prst="rightArrow">
             <a:avLst/>
           </a:prstGeom>
           <a:solidFill>
-            <a:schemeClr val="accent1">
-              <a:lumMod val="40000"/>
-              <a:lumOff val="60000"/>
-            </a:schemeClr>
+            <a:srgbClr val="FFFFFF"/>
           </a:solidFill>
           <a:ln w="25400" cap="flat">
             <a:solidFill>
@@ -10047,75 +10100,245 @@
           </a:p>
         </p:txBody>
       </p:sp>
-    </p:spTree>
-  </p:cSld>
-  <p:clrMapOvr>
-    <a:masterClrMapping/>
-  </p:clrMapOvr>
-  <p:transition spd="med"/>
-</p:sld>
-</file>
-
-<file path=ppt/slides/slide8.xml><?xml version="1.0" encoding="utf-8"?>
-<p:sld xmlns:a="http://schemas.openxmlformats.org/drawingml/2006/main" xmlns:r="http://schemas.openxmlformats.org/officeDocument/2006/relationships" xmlns:p="http://schemas.openxmlformats.org/presentationml/2006/main">
-  <p:cSld>
-    <p:spTree>
-      <p:nvGrpSpPr>
-        <p:cNvPr id="1" name=""/>
-        <p:cNvGrpSpPr/>
-        <p:nvPr/>
-      </p:nvGrpSpPr>
-      <p:grpSpPr>
-        <a:xfrm>
-          <a:off x="0" y="0"/>
-          <a:ext cx="0" cy="0"/>
-          <a:chOff x="0" y="0"/>
-          <a:chExt cx="0" cy="0"/>
-        </a:xfrm>
-      </p:grpSpPr>
-      <p:sp>
-        <p:nvSpPr>
-          <p:cNvPr id="246" name="Shape 246"/>
-          <p:cNvSpPr>
-            <a:spLocks noGrp="1"/>
-          </p:cNvSpPr>
-          <p:nvPr>
-            <p:ph type="title"/>
-          </p:nvPr>
-        </p:nvSpPr>
-        <p:spPr>
-          <a:xfrm>
-            <a:off x="609599" y="274638"/>
-            <a:ext cx="10861966" cy="1143001"/>
-          </a:xfrm>
-          <a:prstGeom prst="rect">
-            <a:avLst/>
-          </a:prstGeom>
-        </p:spPr>
-        <p:txBody>
-          <a:bodyPr/>
-          <a:lstStyle/>
-          <a:p>
-            <a:pPr>
-              <a:defRPr sz="3200" b="1"/>
-            </a:pPr>
-            <a:r>
-              <a:t>Control Logic – PredictionStockPrice Module</a:t>
-            </a:r>
-            <a:br/>
-            <a:endParaRPr/>
-          </a:p>
-        </p:txBody>
-      </p:sp>
-      <p:sp>
-        <p:nvSpPr>
-          <p:cNvPr id="4" name="Right Arrow 3"/>
+      <p:sp>
+        <p:nvSpPr>
+          <p:cNvPr id="2" name="Rectangle 1"/>
           <p:cNvSpPr/>
           <p:nvPr/>
         </p:nvSpPr>
         <p:spPr>
           <a:xfrm>
-            <a:off x="5443374" y="4543313"/>
+            <a:off x="609599" y="1458788"/>
+            <a:ext cx="4606978" cy="1400383"/>
+          </a:xfrm>
+          <a:prstGeom prst="rect">
+            <a:avLst/>
+          </a:prstGeom>
+        </p:spPr>
+        <p:txBody>
+          <a:bodyPr wrap="square">
+            <a:spAutoFit/>
+          </a:bodyPr>
+          <a:lstStyle/>
+          <a:p>
+            <a:pPr marL="365760" lvl="1" indent="0">
+              <a:spcBef>
+                <a:spcPts val="300"/>
+              </a:spcBef>
+              <a:defRPr sz="1600"/>
+            </a:pPr>
+            <a:r>
+              <a:rPr lang="en-US" sz="2000" dirty="0" err="1"/>
+              <a:t>feature_selection</a:t>
+            </a:r>
+            <a:r>
+              <a:rPr lang="en-US" sz="2000" dirty="0"/>
+              <a:t>()</a:t>
+            </a:r>
+          </a:p>
+          <a:p>
+            <a:pPr marL="651510" lvl="1" indent="-285750">
+              <a:spcBef>
+                <a:spcPts val="300"/>
+              </a:spcBef>
+              <a:buFont typeface="Arial" panose="020B0604020202020204" pitchFamily="34" charset="0"/>
+              <a:buChar char="•"/>
+              <a:defRPr sz="1600"/>
+            </a:pPr>
+            <a:r>
+              <a:rPr lang="en-US" sz="2000" dirty="0"/>
+              <a:t>Get trend data for all Google Trend keywords</a:t>
+            </a:r>
+          </a:p>
+          <a:p>
+            <a:pPr marL="651510" lvl="1" indent="-285750">
+              <a:spcBef>
+                <a:spcPts val="300"/>
+              </a:spcBef>
+              <a:buFont typeface="Arial" panose="020B0604020202020204" pitchFamily="34" charset="0"/>
+              <a:buChar char="•"/>
+              <a:defRPr sz="1600"/>
+            </a:pPr>
+            <a:r>
+              <a:rPr lang="en-US" sz="2000" dirty="0"/>
+              <a:t>Get daily stock price data</a:t>
+            </a:r>
+          </a:p>
+        </p:txBody>
+      </p:sp>
+      <p:sp>
+        <p:nvSpPr>
+          <p:cNvPr id="6" name="Shape 225"/>
+          <p:cNvSpPr/>
+          <p:nvPr/>
+        </p:nvSpPr>
+        <p:spPr>
+          <a:xfrm>
+            <a:off x="6736106" y="1191306"/>
+            <a:ext cx="4167061" cy="2677656"/>
+          </a:xfrm>
+          <a:prstGeom prst="rect">
+            <a:avLst/>
+          </a:prstGeom>
+          <a:solidFill>
+            <a:srgbClr val="FAFAFA"/>
+          </a:solidFill>
+          <a:ln w="12700">
+            <a:solidFill>
+              <a:schemeClr val="accent1"/>
+            </a:solidFill>
+          </a:ln>
+          <a:extLst>
+            <a:ext uri="{C572A759-6A51-4108-AA02-DFA0A04FC94B}">
+              <ma14:wrappingTextBoxFlag xmlns:ma14="http://schemas.microsoft.com/office/mac/drawingml/2011/main" xmlns="" val="1"/>
+            </a:ext>
+          </a:extLst>
+        </p:spPr>
+        <p:txBody>
+          <a:bodyPr wrap="square" lIns="45719" rIns="45719">
+            <a:spAutoFit/>
+          </a:bodyPr>
+          <a:lstStyle/>
+          <a:p>
+            <a:pPr marL="457200" indent="-457200">
+              <a:buSzPct val="100000"/>
+              <a:buAutoNum type="arabicPeriod"/>
+              <a:defRPr sz="2400">
+                <a:latin typeface="Gill Sans MT"/>
+                <a:ea typeface="Gill Sans MT"/>
+                <a:cs typeface="Gill Sans MT"/>
+                <a:sym typeface="Gill Sans MT"/>
+              </a:defRPr>
+            </a:pPr>
+            <a:r>
+              <a:rPr lang="en-US" dirty="0"/>
+              <a:t>Generate the keyword list with the 5 keywords with high impact on Stock Price</a:t>
+            </a:r>
+          </a:p>
+          <a:p>
+            <a:pPr marL="457200" indent="-457200">
+              <a:buSzPct val="100000"/>
+              <a:buAutoNum type="arabicPeriod"/>
+              <a:defRPr sz="2400">
+                <a:latin typeface="Gill Sans MT"/>
+                <a:ea typeface="Gill Sans MT"/>
+                <a:cs typeface="Gill Sans MT"/>
+                <a:sym typeface="Gill Sans MT"/>
+              </a:defRPr>
+            </a:pPr>
+            <a:r>
+              <a:rPr lang="en-US" dirty="0"/>
+              <a:t>The keyword list is used by the ML model for prediction</a:t>
+            </a:r>
+          </a:p>
+          <a:p>
+            <a:pPr marL="457200" indent="-457200">
+              <a:buSzPct val="100000"/>
+              <a:buAutoNum type="arabicPeriod"/>
+              <a:defRPr sz="2400">
+                <a:latin typeface="Gill Sans MT"/>
+                <a:ea typeface="Gill Sans MT"/>
+                <a:cs typeface="Gill Sans MT"/>
+                <a:sym typeface="Gill Sans MT"/>
+              </a:defRPr>
+            </a:pPr>
+            <a:r>
+              <a:rPr lang="en-US" dirty="0"/>
+              <a:t>The keyword list is used by the plot function</a:t>
+            </a:r>
+          </a:p>
+        </p:txBody>
+      </p:sp>
+      <p:sp>
+        <p:nvSpPr>
+          <p:cNvPr id="3" name="Rectangle 2"/>
+          <p:cNvSpPr/>
+          <p:nvPr/>
+        </p:nvSpPr>
+        <p:spPr>
+          <a:xfrm>
+            <a:off x="869430" y="3662245"/>
+            <a:ext cx="4452078" cy="2246769"/>
+          </a:xfrm>
+          <a:prstGeom prst="rect">
+            <a:avLst/>
+          </a:prstGeom>
+        </p:spPr>
+        <p:txBody>
+          <a:bodyPr wrap="square">
+            <a:spAutoFit/>
+          </a:bodyPr>
+          <a:lstStyle/>
+          <a:p>
+            <a:r>
+              <a:rPr lang="en-US" sz="2000" dirty="0" err="1"/>
+              <a:t>prediction_model</a:t>
+            </a:r>
+            <a:r>
+              <a:rPr lang="en-US" sz="2000" dirty="0"/>
+              <a:t>:</a:t>
+            </a:r>
+          </a:p>
+          <a:p>
+            <a:pPr marL="342900" lvl="1" indent="-342900">
+              <a:buFont typeface="Arial" panose="020B0604020202020204" pitchFamily="34" charset="0"/>
+              <a:buChar char="•"/>
+            </a:pPr>
+            <a:r>
+              <a:rPr lang="en-US" sz="2000" dirty="0"/>
+              <a:t>Keywords identified by </a:t>
+            </a:r>
+            <a:r>
+              <a:rPr lang="en-US" sz="2000" dirty="0" err="1"/>
+              <a:t>feature_selection</a:t>
+            </a:r>
+            <a:r>
+              <a:rPr lang="en-US" sz="2000" dirty="0"/>
+              <a:t>()</a:t>
+            </a:r>
+          </a:p>
+          <a:p>
+            <a:pPr marL="342900" lvl="1" indent="-342900">
+              <a:buFont typeface="Arial" panose="020B0604020202020204" pitchFamily="34" charset="0"/>
+              <a:buChar char="•"/>
+            </a:pPr>
+            <a:r>
+              <a:rPr lang="en-US" sz="2000" dirty="0"/>
+              <a:t>Daily stock price data</a:t>
+            </a:r>
+          </a:p>
+          <a:p>
+            <a:pPr marL="342900" lvl="1" indent="-342900">
+              <a:buFont typeface="Arial" panose="020B0604020202020204" pitchFamily="34" charset="0"/>
+              <a:buChar char="•"/>
+            </a:pPr>
+            <a:r>
+              <a:rPr lang="en-US" sz="2000" dirty="0"/>
+              <a:t>Earnings Report date from </a:t>
+            </a:r>
+            <a:r>
+              <a:rPr lang="en-US" sz="2000" dirty="0" err="1"/>
+              <a:t>get_earnings_data</a:t>
+            </a:r>
+            <a:r>
+              <a:rPr lang="en-US" sz="2000" dirty="0"/>
+              <a:t>()</a:t>
+            </a:r>
+          </a:p>
+          <a:p>
+            <a:endParaRPr lang="en-US" sz="2000" dirty="0"/>
+          </a:p>
+        </p:txBody>
+      </p:sp>
+      <p:sp>
+        <p:nvSpPr>
+          <p:cNvPr id="9" name="Right Arrow 8"/>
+          <p:cNvSpPr/>
+          <p:nvPr/>
+        </p:nvSpPr>
+        <p:spPr>
+          <a:xfrm>
+            <a:off x="5443374" y="2066763"/>
             <a:ext cx="978408" cy="484632"/>
           </a:xfrm>
           <a:prstGeom prst="rightArrow">
@@ -10193,88 +10416,14 @@
       </p:sp>
       <p:sp>
         <p:nvSpPr>
-          <p:cNvPr id="2" name="Rectangle 1"/>
+          <p:cNvPr id="10" name="Shape 225"/>
           <p:cNvSpPr/>
           <p:nvPr/>
         </p:nvSpPr>
         <p:spPr>
           <a:xfrm>
-            <a:off x="609599" y="1458788"/>
-            <a:ext cx="4606978" cy="1400383"/>
-          </a:xfrm>
-          <a:prstGeom prst="rect">
-            <a:avLst/>
-          </a:prstGeom>
-        </p:spPr>
-        <p:txBody>
-          <a:bodyPr wrap="square">
-            <a:spAutoFit/>
-          </a:bodyPr>
-          <a:lstStyle/>
-          <a:p>
-            <a:pPr marL="365760" lvl="1" indent="0">
-              <a:spcBef>
-                <a:spcPts val="300"/>
-              </a:spcBef>
-              <a:defRPr sz="1600"/>
-            </a:pPr>
-            <a:r>
-              <a:rPr lang="en-US" sz="2000" dirty="0" err="1"/>
-              <a:t>feature_selection</a:t>
-            </a:r>
-            <a:r>
-              <a:rPr lang="en-US" sz="2000" dirty="0"/>
-              <a:t>()</a:t>
-            </a:r>
-          </a:p>
-          <a:p>
-            <a:pPr marL="651510" lvl="1" indent="-285750">
-              <a:spcBef>
-                <a:spcPts val="300"/>
-              </a:spcBef>
-              <a:buFont typeface="Arial" panose="020B0604020202020204" pitchFamily="34" charset="0"/>
-              <a:buChar char="•"/>
-              <a:defRPr sz="1600"/>
-            </a:pPr>
-            <a:r>
-              <a:rPr lang="en-US" sz="2000" dirty="0"/>
-              <a:t>Get trend data for all </a:t>
-            </a:r>
-            <a:r>
-              <a:rPr lang="en-US" sz="2000" dirty="0"/>
-              <a:t>Google Trend </a:t>
-            </a:r>
-            <a:r>
-              <a:rPr lang="en-US" sz="2000" dirty="0"/>
-              <a:t>keywords</a:t>
-            </a:r>
-          </a:p>
-          <a:p>
-            <a:pPr marL="651510" lvl="1" indent="-285750">
-              <a:spcBef>
-                <a:spcPts val="300"/>
-              </a:spcBef>
-              <a:buFont typeface="Arial" panose="020B0604020202020204" pitchFamily="34" charset="0"/>
-              <a:buChar char="•"/>
-              <a:defRPr sz="1600"/>
-            </a:pPr>
-            <a:r>
-              <a:rPr lang="en-US" sz="2000" dirty="0"/>
-              <a:t>Get daily stock price data</a:t>
-            </a:r>
-          </a:p>
-        </p:txBody>
-      </p:sp>
-      <p:sp>
-        <p:nvSpPr>
-          <p:cNvPr id="6" name="Shape 225"/>
-          <p:cNvSpPr/>
-          <p:nvPr/>
-        </p:nvSpPr>
-        <p:spPr>
-          <a:xfrm>
-            <a:off x="6736106" y="1191306"/>
-            <a:ext cx="4167061" cy="2677656"/>
+            <a:off x="6736106" y="4000800"/>
+            <a:ext cx="4127087" cy="1569660"/>
           </a:xfrm>
           <a:prstGeom prst="rect">
             <a:avLst/>
@@ -10289,255 +10438,7 @@
           </a:ln>
           <a:extLst>
             <a:ext uri="{C572A759-6A51-4108-AA02-DFA0A04FC94B}">
-              <ma14:wrappingTextBoxFlag xmlns="" xmlns:ma14="http://schemas.microsoft.com/office/mac/drawingml/2011/main" val="1"/>
-            </a:ext>
-          </a:extLst>
-        </p:spPr>
-        <p:txBody>
-          <a:bodyPr wrap="square" lIns="45719" rIns="45719">
-            <a:spAutoFit/>
-          </a:bodyPr>
-          <a:lstStyle/>
-          <a:p>
-            <a:pPr marL="457200" indent="-457200">
-              <a:buSzPct val="100000"/>
-              <a:buAutoNum type="arabicPeriod"/>
-              <a:defRPr sz="2400">
-                <a:latin typeface="Gill Sans MT"/>
-                <a:ea typeface="Gill Sans MT"/>
-                <a:cs typeface="Gill Sans MT"/>
-                <a:sym typeface="Gill Sans MT"/>
-              </a:defRPr>
-            </a:pPr>
-            <a:r>
-              <a:rPr lang="en-US" dirty="0"/>
-              <a:t>Generate the keyword list with the 5 keywords with high impact on Stock Price</a:t>
-            </a:r>
-          </a:p>
-          <a:p>
-            <a:pPr marL="457200" indent="-457200">
-              <a:buSzPct val="100000"/>
-              <a:buAutoNum type="arabicPeriod"/>
-              <a:defRPr sz="2400">
-                <a:latin typeface="Gill Sans MT"/>
-                <a:ea typeface="Gill Sans MT"/>
-                <a:cs typeface="Gill Sans MT"/>
-                <a:sym typeface="Gill Sans MT"/>
-              </a:defRPr>
-            </a:pPr>
-            <a:r>
-              <a:rPr lang="en-US" dirty="0"/>
-              <a:t>The keyword list is used by the ML model for prediction</a:t>
-            </a:r>
-          </a:p>
-          <a:p>
-            <a:pPr marL="457200" indent="-457200">
-              <a:buSzPct val="100000"/>
-              <a:buAutoNum type="arabicPeriod"/>
-              <a:defRPr sz="2400">
-                <a:latin typeface="Gill Sans MT"/>
-                <a:ea typeface="Gill Sans MT"/>
-                <a:cs typeface="Gill Sans MT"/>
-                <a:sym typeface="Gill Sans MT"/>
-              </a:defRPr>
-            </a:pPr>
-            <a:r>
-              <a:rPr lang="en-US" dirty="0"/>
-              <a:t>The keyword list is used by the plot function</a:t>
-            </a:r>
-          </a:p>
-        </p:txBody>
-      </p:sp>
-      <p:sp>
-        <p:nvSpPr>
-          <p:cNvPr id="3" name="Rectangle 2"/>
-          <p:cNvSpPr/>
-          <p:nvPr/>
-        </p:nvSpPr>
-        <p:spPr>
-          <a:xfrm>
-            <a:off x="869430" y="3662245"/>
-            <a:ext cx="4452078" cy="2246769"/>
-          </a:xfrm>
-          <a:prstGeom prst="rect">
-            <a:avLst/>
-          </a:prstGeom>
-        </p:spPr>
-        <p:txBody>
-          <a:bodyPr wrap="square">
-            <a:spAutoFit/>
-          </a:bodyPr>
-          <a:lstStyle/>
-          <a:p>
-            <a:r>
-              <a:rPr lang="en-US" sz="2000" dirty="0" err="1"/>
-              <a:t>prediction_model</a:t>
-            </a:r>
-            <a:r>
-              <a:rPr lang="en-US" sz="2000" dirty="0"/>
-              <a:t>:</a:t>
-            </a:r>
-          </a:p>
-          <a:p>
-            <a:pPr marL="342900" lvl="1" indent="-342900">
-              <a:buFont typeface="Arial" panose="020B0604020202020204" pitchFamily="34" charset="0"/>
-              <a:buChar char="•"/>
-            </a:pPr>
-            <a:r>
-              <a:rPr lang="en-US" sz="2000" dirty="0"/>
-              <a:t>Keywords identified by </a:t>
-            </a:r>
-            <a:r>
-              <a:rPr lang="en-US" sz="2000" dirty="0" err="1"/>
-              <a:t>feature_selection</a:t>
-            </a:r>
-            <a:r>
-              <a:rPr lang="en-US" sz="2000" dirty="0"/>
-              <a:t>()</a:t>
-            </a:r>
-          </a:p>
-          <a:p>
-            <a:pPr marL="342900" lvl="1" indent="-342900">
-              <a:buFont typeface="Arial" panose="020B0604020202020204" pitchFamily="34" charset="0"/>
-              <a:buChar char="•"/>
-            </a:pPr>
-            <a:r>
-              <a:rPr lang="en-US" sz="2000" dirty="0"/>
-              <a:t>Daily stock price data</a:t>
-            </a:r>
-          </a:p>
-          <a:p>
-            <a:pPr marL="342900" lvl="1" indent="-342900">
-              <a:buFont typeface="Arial" panose="020B0604020202020204" pitchFamily="34" charset="0"/>
-              <a:buChar char="•"/>
-            </a:pPr>
-            <a:r>
-              <a:rPr lang="en-US" sz="2000" dirty="0"/>
-              <a:t>Earnings Report date from </a:t>
-            </a:r>
-            <a:r>
-              <a:rPr lang="en-US" sz="2000" dirty="0" err="1"/>
-              <a:t>get_earnings_data</a:t>
-            </a:r>
-            <a:r>
-              <a:rPr lang="en-US" sz="2000" dirty="0"/>
-              <a:t>()</a:t>
-            </a:r>
-          </a:p>
-          <a:p>
-            <a:endParaRPr lang="en-US" sz="2000" dirty="0"/>
-          </a:p>
-        </p:txBody>
-      </p:sp>
-      <p:sp>
-        <p:nvSpPr>
-          <p:cNvPr id="9" name="Right Arrow 8"/>
-          <p:cNvSpPr/>
-          <p:nvPr/>
-        </p:nvSpPr>
-        <p:spPr>
-          <a:xfrm>
-            <a:off x="5443374" y="2066763"/>
-            <a:ext cx="978408" cy="484632"/>
-          </a:xfrm>
-          <a:prstGeom prst="rightArrow">
-            <a:avLst/>
-          </a:prstGeom>
-          <a:solidFill>
-            <a:srgbClr val="FFFFFF"/>
-          </a:solidFill>
-          <a:ln w="25400" cap="flat">
-            <a:solidFill>
-              <a:schemeClr val="accent1"/>
-            </a:solidFill>
-            <a:prstDash val="solid"/>
-            <a:round/>
-          </a:ln>
-          <a:effectLst>
-            <a:outerShdw blurRad="50800" dist="20000" dir="5400000" rotWithShape="0">
-              <a:srgbClr val="000000">
-                <a:alpha val="42000"/>
-              </a:srgbClr>
-            </a:outerShdw>
-          </a:effectLst>
-          <a:sp3d/>
-        </p:spPr>
-        <p:style>
-          <a:lnRef idx="0">
-            <a:scrgbClr r="0" g="0" b="0"/>
-          </a:lnRef>
-          <a:fillRef idx="0">
-            <a:scrgbClr r="0" g="0" b="0"/>
-          </a:fillRef>
-          <a:effectRef idx="0">
-            <a:scrgbClr r="0" g="0" b="0"/>
-          </a:effectRef>
-          <a:fontRef idx="none"/>
-        </p:style>
-        <p:txBody>
-          <a:bodyPr rot="0" spcFirstLastPara="1" vertOverflow="overflow" horzOverflow="overflow" vert="horz" wrap="square" lIns="45719" tIns="45719" rIns="45719" bIns="45719" numCol="1" spcCol="38100" rtlCol="0" anchor="ctr">
-            <a:spAutoFit/>
-          </a:bodyPr>
-          <a:lstStyle/>
-          <a:p>
-            <a:pPr marL="0" marR="0" indent="0" algn="l" defTabSz="914400" rtl="0" fontAlgn="auto" latinLnBrk="0" hangingPunct="0">
-              <a:lnSpc>
-                <a:spcPct val="100000"/>
-              </a:lnSpc>
-              <a:spcBef>
-                <a:spcPts val="0"/>
-              </a:spcBef>
-              <a:spcAft>
-                <a:spcPts val="0"/>
-              </a:spcAft>
-              <a:buClrTx/>
-              <a:buSzTx/>
-              <a:buFontTx/>
-              <a:buNone/>
-              <a:tabLst/>
-            </a:pPr>
-            <a:endParaRPr kumimoji="0" lang="en-US" sz="1800" b="0" i="0" u="none" strike="noStrike" cap="none" spc="0" normalizeH="0" baseline="0">
-              <a:ln>
-                <a:noFill/>
-              </a:ln>
-              <a:solidFill>
-                <a:srgbClr val="000000"/>
-              </a:solidFill>
-              <a:effectLst/>
-              <a:uFillTx/>
-              <a:latin typeface="Century Schoolbook"/>
-              <a:ea typeface="Century Schoolbook"/>
-              <a:cs typeface="Century Schoolbook"/>
-              <a:sym typeface="Century Schoolbook"/>
-            </a:endParaRPr>
-          </a:p>
-        </p:txBody>
-      </p:sp>
-      <p:sp>
-        <p:nvSpPr>
-          <p:cNvPr id="10" name="Shape 225"/>
-          <p:cNvSpPr/>
-          <p:nvPr/>
-        </p:nvSpPr>
-        <p:spPr>
-          <a:xfrm>
-            <a:off x="6736106" y="4000800"/>
-            <a:ext cx="4127087" cy="1569660"/>
-          </a:xfrm>
-          <a:prstGeom prst="rect">
-            <a:avLst/>
-          </a:prstGeom>
-          <a:solidFill>
-            <a:srgbClr val="FAFAFA"/>
-          </a:solidFill>
-          <a:ln w="12700">
-            <a:solidFill>
-              <a:schemeClr val="accent1"/>
-            </a:solidFill>
-          </a:ln>
-          <a:extLst>
-            <a:ext uri="{C572A759-6A51-4108-AA02-DFA0A04FC94B}">
-              <ma14:wrappingTextBoxFlag xmlns="" xmlns:ma14="http://schemas.microsoft.com/office/mac/drawingml/2011/main" val="1"/>
+              <ma14:wrappingTextBoxFlag xmlns:ma14="http://schemas.microsoft.com/office/mac/drawingml/2011/main" xmlns="" val="1"/>
             </a:ext>
           </a:extLst>
         </p:spPr>

--- a/Doc/FinalPresentation.pptx
+++ b/Doc/FinalPresentation.pptx
@@ -1319,6 +1319,75 @@
 </p:notes>
 </file>
 
+<file path=ppt/notesSlides/notesSlide8.xml><?xml version="1.0" encoding="utf-8"?>
+<p:notes xmlns:a="http://schemas.openxmlformats.org/drawingml/2006/main" xmlns:r="http://schemas.openxmlformats.org/officeDocument/2006/relationships" xmlns:p="http://schemas.openxmlformats.org/presentationml/2006/main">
+  <p:cSld>
+    <p:spTree>
+      <p:nvGrpSpPr>
+        <p:cNvPr id="1" name=""/>
+        <p:cNvGrpSpPr/>
+        <p:nvPr/>
+      </p:nvGrpSpPr>
+      <p:grpSpPr>
+        <a:xfrm>
+          <a:off x="0" y="0"/>
+          <a:ext cx="0" cy="0"/>
+          <a:chOff x="0" y="0"/>
+          <a:chExt cx="0" cy="0"/>
+        </a:xfrm>
+      </p:grpSpPr>
+      <p:sp>
+        <p:nvSpPr>
+          <p:cNvPr id="2" name="Slide Image Placeholder 1"/>
+          <p:cNvSpPr>
+            <a:spLocks noGrp="1" noRot="1" noChangeAspect="1"/>
+          </p:cNvSpPr>
+          <p:nvPr>
+            <p:ph type="sldImg"/>
+          </p:nvPr>
+        </p:nvSpPr>
+        <p:spPr>
+          <a:xfrm>
+            <a:off x="381000" y="685800"/>
+            <a:ext cx="6096000" cy="3429000"/>
+          </a:xfrm>
+        </p:spPr>
+      </p:sp>
+      <p:sp>
+        <p:nvSpPr>
+          <p:cNvPr id="3" name="Notes Placeholder 2"/>
+          <p:cNvSpPr>
+            <a:spLocks noGrp="1"/>
+          </p:cNvSpPr>
+          <p:nvPr>
+            <p:ph type="body" idx="1"/>
+          </p:nvPr>
+        </p:nvSpPr>
+        <p:spPr/>
+        <p:txBody>
+          <a:bodyPr/>
+          <a:lstStyle/>
+          <a:p>
+            <a:r>
+              <a:rPr lang="en-US" dirty="0"/>
+              <a:t>Strategic pivot</a:t>
+            </a:r>
+          </a:p>
+        </p:txBody>
+      </p:sp>
+    </p:spTree>
+    <p:extLst>
+      <p:ext uri="{BB962C8B-B14F-4D97-AF65-F5344CB8AC3E}">
+        <p14:creationId xmlns:p14="http://schemas.microsoft.com/office/powerpoint/2010/main" val="2685361612"/>
+      </p:ext>
+    </p:extLst>
+  </p:cSld>
+  <p:clrMapOvr>
+    <a:masterClrMapping/>
+  </p:clrMapOvr>
+</p:notes>
+</file>
+
 <file path=ppt/slideLayouts/slideLayout1.xml><?xml version="1.0" encoding="utf-8"?>
 <p:sldLayout xmlns:a="http://schemas.openxmlformats.org/drawingml/2006/main" xmlns:r="http://schemas.openxmlformats.org/officeDocument/2006/relationships" xmlns:p="http://schemas.openxmlformats.org/presentationml/2006/main" showMasterSp="0" type="title">
   <p:cSld name="Title Slide">
@@ -4739,7 +4808,7 @@
           </a:ln>
           <a:extLst>
             <a:ext uri="{C572A759-6A51-4108-AA02-DFA0A04FC94B}">
-              <ma14:wrappingTextBoxFlag xmlns="" xmlns:ma14="http://schemas.microsoft.com/office/mac/drawingml/2011/main" val="1"/>
+              <ma14:wrappingTextBoxFlag xmlns:ma14="http://schemas.microsoft.com/office/mac/drawingml/2011/main" xmlns="" val="1"/>
             </a:ext>
           </a:extLst>
         </p:spPr>
@@ -4778,7 +4847,7 @@
           </a:ln>
           <a:extLst>
             <a:ext uri="{C572A759-6A51-4108-AA02-DFA0A04FC94B}">
-              <ma14:wrappingTextBoxFlag xmlns="" xmlns:ma14="http://schemas.microsoft.com/office/mac/drawingml/2011/main" val="1"/>
+              <ma14:wrappingTextBoxFlag xmlns:ma14="http://schemas.microsoft.com/office/mac/drawingml/2011/main" xmlns="" val="1"/>
             </a:ext>
           </a:extLst>
         </p:spPr>
@@ -5802,7 +5871,7 @@
           </a:ln>
           <a:extLst>
             <a:ext uri="{C572A759-6A51-4108-AA02-DFA0A04FC94B}">
-              <ma14:wrappingTextBoxFlag xmlns="" xmlns:ma14="http://schemas.microsoft.com/office/mac/drawingml/2011/main" val="1"/>
+              <ma14:wrappingTextBoxFlag xmlns:ma14="http://schemas.microsoft.com/office/mac/drawingml/2011/main" xmlns="" val="1"/>
             </a:ext>
           </a:extLst>
         </p:spPr>
@@ -6028,7 +6097,7 @@
           </a:ln>
           <a:extLst>
             <a:ext uri="{C572A759-6A51-4108-AA02-DFA0A04FC94B}">
-              <ma14:wrappingTextBoxFlag xmlns="" xmlns:ma14="http://schemas.microsoft.com/office/mac/drawingml/2011/main" val="1"/>
+              <ma14:wrappingTextBoxFlag xmlns:ma14="http://schemas.microsoft.com/office/mac/drawingml/2011/main" xmlns="" val="1"/>
             </a:ext>
           </a:extLst>
         </p:spPr>
@@ -6207,6 +6276,75 @@
             <a:r>
               <a:t>DEMO</a:t>
             </a:r>
+          </a:p>
+        </p:txBody>
+      </p:sp>
+      <p:sp>
+        <p:nvSpPr>
+          <p:cNvPr id="2" name="TextBox 1">
+            <a:hlinkClick r:id="rId3"/>
+          </p:cNvPr>
+          <p:cNvSpPr txBox="1"/>
+          <p:nvPr/>
+        </p:nvSpPr>
+        <p:spPr>
+          <a:xfrm>
+            <a:off x="3486518" y="3854269"/>
+            <a:ext cx="4902365" cy="369330"/>
+          </a:xfrm>
+          <a:prstGeom prst="rect">
+            <a:avLst/>
+          </a:prstGeom>
+          <a:noFill/>
+          <a:ln w="12700" cap="flat">
+            <a:noFill/>
+            <a:miter lim="400000"/>
+          </a:ln>
+          <a:effectLst/>
+          <a:sp3d/>
+        </p:spPr>
+        <p:style>
+          <a:lnRef idx="0">
+            <a:scrgbClr r="0" g="0" b="0"/>
+          </a:lnRef>
+          <a:fillRef idx="0">
+            <a:scrgbClr r="0" g="0" b="0"/>
+          </a:fillRef>
+          <a:effectRef idx="0">
+            <a:scrgbClr r="0" g="0" b="0"/>
+          </a:effectRef>
+          <a:fontRef idx="none"/>
+        </p:style>
+        <p:txBody>
+          <a:bodyPr rot="0" spcFirstLastPara="1" vertOverflow="overflow" horzOverflow="overflow" vert="horz" wrap="square" lIns="45719" tIns="45719" rIns="45719" bIns="45719" numCol="1" spcCol="38100" rtlCol="0" anchor="t">
+            <a:spAutoFit/>
+          </a:bodyPr>
+          <a:lstStyle/>
+          <a:p>
+            <a:r>
+              <a:rPr lang="en-US" dirty="0" err="1">
+                <a:latin typeface="Gill Sans MT" panose="020B0502020104020203" pitchFamily="34" charset="0"/>
+              </a:rPr>
+              <a:t>SearchingForSuccess</a:t>
+            </a:r>
+            <a:r>
+              <a:rPr lang="en-US" dirty="0">
+                <a:latin typeface="Gill Sans MT" panose="020B0502020104020203" pitchFamily="34" charset="0"/>
+              </a:rPr>
+              <a:t>/Submodule/Interface.ipynb</a:t>
+            </a:r>
+            <a:endParaRPr kumimoji="0" lang="en-US" sz="1800" b="0" i="0" u="none" strike="noStrike" cap="none" spc="0" normalizeH="0" baseline="0" dirty="0">
+              <a:ln>
+                <a:noFill/>
+              </a:ln>
+              <a:solidFill>
+                <a:srgbClr val="000000"/>
+              </a:solidFill>
+              <a:effectLst/>
+              <a:uFillTx/>
+              <a:latin typeface="Gill Sans MT" panose="020B0502020104020203" pitchFamily="34" charset="0"/>
+              <a:sym typeface="Century Schoolbook"/>
+            </a:endParaRPr>
           </a:p>
         </p:txBody>
       </p:sp>
@@ -6443,7 +6581,7 @@
           </a:ln>
           <a:extLst>
             <a:ext uri="{C572A759-6A51-4108-AA02-DFA0A04FC94B}">
-              <ma14:wrappingTextBoxFlag xmlns="" xmlns:ma14="http://schemas.microsoft.com/office/mac/drawingml/2011/main" val="1"/>
+              <ma14:wrappingTextBoxFlag xmlns:ma14="http://schemas.microsoft.com/office/mac/drawingml/2011/main" xmlns="" val="1"/>
             </a:ext>
           </a:extLst>
         </p:spPr>
@@ -6486,7 +6624,7 @@
           </a:ln>
           <a:extLst>
             <a:ext uri="{C572A759-6A51-4108-AA02-DFA0A04FC94B}">
-              <ma14:wrappingTextBoxFlag xmlns="" xmlns:ma14="http://schemas.microsoft.com/office/mac/drawingml/2011/main" val="1"/>
+              <ma14:wrappingTextBoxFlag xmlns:ma14="http://schemas.microsoft.com/office/mac/drawingml/2011/main" xmlns="" val="1"/>
             </a:ext>
           </a:extLst>
         </p:spPr>
@@ -7306,7 +7444,7 @@
               <a:effectLst/>
               <a:extLst>
                 <a:ext uri="{C572A759-6A51-4108-AA02-DFA0A04FC94B}">
-                  <ma14:wrappingTextBoxFlag xmlns="" xmlns:ma14="http://schemas.microsoft.com/office/mac/drawingml/2011/main" val="1"/>
+                  <ma14:wrappingTextBoxFlag xmlns:ma14="http://schemas.microsoft.com/office/mac/drawingml/2011/main" xmlns="" val="1"/>
                 </a:ext>
               </a:extLst>
             </p:spPr>
@@ -7354,7 +7492,7 @@
             <a:effectLst/>
             <a:extLst>
               <a:ext uri="{C572A759-6A51-4108-AA02-DFA0A04FC94B}">
-                <ma14:wrappingTextBoxFlag xmlns="" xmlns:ma14="http://schemas.microsoft.com/office/mac/drawingml/2011/main" val="1"/>
+                <ma14:wrappingTextBoxFlag xmlns:ma14="http://schemas.microsoft.com/office/mac/drawingml/2011/main" xmlns="" val="1"/>
               </a:ext>
             </a:extLst>
           </p:spPr>
@@ -7431,7 +7569,7 @@
             <a:effectLst/>
             <a:extLst>
               <a:ext uri="{C572A759-6A51-4108-AA02-DFA0A04FC94B}">
-                <ma14:wrappingTextBoxFlag xmlns="" xmlns:ma14="http://schemas.microsoft.com/office/mac/drawingml/2011/main" val="1"/>
+                <ma14:wrappingTextBoxFlag xmlns:ma14="http://schemas.microsoft.com/office/mac/drawingml/2011/main" xmlns="" val="1"/>
               </a:ext>
             </a:extLst>
           </p:spPr>
@@ -7808,7 +7946,7 @@
           </a:ln>
           <a:extLst>
             <a:ext uri="{C572A759-6A51-4108-AA02-DFA0A04FC94B}">
-              <ma14:wrappingTextBoxFlag xmlns="" xmlns:ma14="http://schemas.microsoft.com/office/mac/drawingml/2011/main" val="1"/>
+              <ma14:wrappingTextBoxFlag xmlns:ma14="http://schemas.microsoft.com/office/mac/drawingml/2011/main" xmlns="" val="1"/>
             </a:ext>
           </a:extLst>
         </p:spPr>
@@ -7854,7 +7992,7 @@
           </a:ln>
           <a:extLst>
             <a:ext uri="{C572A759-6A51-4108-AA02-DFA0A04FC94B}">
-              <ma14:wrappingTextBoxFlag xmlns="" xmlns:ma14="http://schemas.microsoft.com/office/mac/drawingml/2011/main" val="1"/>
+              <ma14:wrappingTextBoxFlag xmlns:ma14="http://schemas.microsoft.com/office/mac/drawingml/2011/main" xmlns="" val="1"/>
             </a:ext>
           </a:extLst>
         </p:spPr>
@@ -8410,7 +8548,7 @@
             <a:effectLst/>
             <a:extLst>
               <a:ext uri="{C572A759-6A51-4108-AA02-DFA0A04FC94B}">
-                <ma14:wrappingTextBoxFlag xmlns="" xmlns:ma14="http://schemas.microsoft.com/office/mac/drawingml/2011/main" val="1"/>
+                <ma14:wrappingTextBoxFlag xmlns:ma14="http://schemas.microsoft.com/office/mac/drawingml/2011/main" xmlns="" val="1"/>
               </a:ext>
             </a:extLst>
           </p:spPr>
@@ -8544,7 +8682,7 @@
             <a:effectLst/>
             <a:extLst>
               <a:ext uri="{C572A759-6A51-4108-AA02-DFA0A04FC94B}">
-                <ma14:wrappingTextBoxFlag xmlns="" xmlns:ma14="http://schemas.microsoft.com/office/mac/drawingml/2011/main" val="1"/>
+                <ma14:wrappingTextBoxFlag xmlns:ma14="http://schemas.microsoft.com/office/mac/drawingml/2011/main" xmlns="" val="1"/>
               </a:ext>
             </a:extLst>
           </p:spPr>
@@ -8678,7 +8816,7 @@
             <a:effectLst/>
             <a:extLst>
               <a:ext uri="{C572A759-6A51-4108-AA02-DFA0A04FC94B}">
-                <ma14:wrappingTextBoxFlag xmlns="" xmlns:ma14="http://schemas.microsoft.com/office/mac/drawingml/2011/main" val="1"/>
+                <ma14:wrappingTextBoxFlag xmlns:ma14="http://schemas.microsoft.com/office/mac/drawingml/2011/main" xmlns="" val="1"/>
               </a:ext>
             </a:extLst>
           </p:spPr>
@@ -8827,7 +8965,7 @@
             <a:effectLst/>
             <a:extLst>
               <a:ext uri="{C572A759-6A51-4108-AA02-DFA0A04FC94B}">
-                <ma14:wrappingTextBoxFlag xmlns="" xmlns:ma14="http://schemas.microsoft.com/office/mac/drawingml/2011/main" val="1"/>
+                <ma14:wrappingTextBoxFlag xmlns:ma14="http://schemas.microsoft.com/office/mac/drawingml/2011/main" xmlns="" val="1"/>
               </a:ext>
             </a:extLst>
           </p:spPr>
@@ -8976,7 +9114,7 @@
             <a:effectLst/>
             <a:extLst>
               <a:ext uri="{C572A759-6A51-4108-AA02-DFA0A04FC94B}">
-                <ma14:wrappingTextBoxFlag xmlns="" xmlns:ma14="http://schemas.microsoft.com/office/mac/drawingml/2011/main" val="1"/>
+                <ma14:wrappingTextBoxFlag xmlns:ma14="http://schemas.microsoft.com/office/mac/drawingml/2011/main" xmlns="" val="1"/>
               </a:ext>
             </a:extLst>
           </p:spPr>
@@ -9124,7 +9262,7 @@
             <a:effectLst/>
             <a:extLst>
               <a:ext uri="{C572A759-6A51-4108-AA02-DFA0A04FC94B}">
-                <ma14:wrappingTextBoxFlag xmlns="" xmlns:ma14="http://schemas.microsoft.com/office/mac/drawingml/2011/main" val="1"/>
+                <ma14:wrappingTextBoxFlag xmlns:ma14="http://schemas.microsoft.com/office/mac/drawingml/2011/main" xmlns="" val="1"/>
               </a:ext>
             </a:extLst>
           </p:spPr>
@@ -9644,7 +9782,7 @@
           </a:ln>
           <a:extLst>
             <a:ext uri="{C572A759-6A51-4108-AA02-DFA0A04FC94B}">
-              <ma14:wrappingTextBoxFlag xmlns="" xmlns:ma14="http://schemas.microsoft.com/office/mac/drawingml/2011/main" val="1"/>
+              <ma14:wrappingTextBoxFlag xmlns:ma14="http://schemas.microsoft.com/office/mac/drawingml/2011/main" xmlns="" val="1"/>
             </a:ext>
           </a:extLst>
         </p:spPr>
@@ -9788,7 +9926,7 @@
           </a:ln>
           <a:extLst>
             <a:ext uri="{C572A759-6A51-4108-AA02-DFA0A04FC94B}">
-              <ma14:wrappingTextBoxFlag xmlns="" xmlns:ma14="http://schemas.microsoft.com/office/mac/drawingml/2011/main" val="1"/>
+              <ma14:wrappingTextBoxFlag xmlns:ma14="http://schemas.microsoft.com/office/mac/drawingml/2011/main" xmlns="" val="1"/>
             </a:ext>
           </a:extLst>
         </p:spPr>
@@ -9809,15 +9947,7 @@
             </a:pPr>
             <a:r>
               <a:rPr lang="en-US" sz="3000" dirty="0"/>
-              <a:t>1. Get the </a:t>
-            </a:r>
-            <a:r>
-              <a:rPr lang="en-US" sz="3000" dirty="0"/>
-              <a:t>earnings </a:t>
-            </a:r>
-            <a:r>
-              <a:rPr lang="en-US" sz="3000" dirty="0"/>
-              <a:t>release date for each company from Yahoo finance</a:t>
+              <a:t>1. Get the earnings release date for each company from Yahoo finance</a:t>
             </a:r>
           </a:p>
           <a:p>
@@ -10100,29 +10230,331 @@
               <a:defRPr sz="3200" b="1"/>
             </a:pPr>
             <a:r>
-              <a:t>Control Logic – PredictionStockPrice Module</a:t>
-            </a:r>
-            <a:br/>
-            <a:endParaRPr/>
-          </a:p>
-        </p:txBody>
-      </p:sp>
-      <p:sp>
-        <p:nvSpPr>
-          <p:cNvPr id="4" name="Right Arrow 3"/>
+              <a:rPr dirty="0"/>
+              <a:t>Control Logic – Prediction</a:t>
+            </a:r>
+            <a:r>
+              <a:rPr lang="en-US" dirty="0"/>
+              <a:t> </a:t>
+            </a:r>
+            <a:r>
+              <a:rPr dirty="0"/>
+              <a:t>Stock</a:t>
+            </a:r>
+            <a:r>
+              <a:rPr lang="en-US" dirty="0"/>
+              <a:t> </a:t>
+            </a:r>
+            <a:r>
+              <a:rPr dirty="0"/>
+              <a:t>Price Module</a:t>
+            </a:r>
+            <a:br>
+              <a:rPr dirty="0"/>
+            </a:br>
+            <a:endParaRPr dirty="0"/>
+          </a:p>
+        </p:txBody>
+      </p:sp>
+      <p:sp>
+        <p:nvSpPr>
+          <p:cNvPr id="2" name="Rectangle 1"/>
           <p:cNvSpPr/>
           <p:nvPr/>
         </p:nvSpPr>
         <p:spPr>
           <a:xfrm>
-            <a:off x="5443374" y="4543313"/>
-            <a:ext cx="978408" cy="484632"/>
+            <a:off x="985192" y="1655314"/>
+            <a:ext cx="4231385" cy="1323439"/>
+          </a:xfrm>
+          <a:prstGeom prst="rect">
+            <a:avLst/>
+          </a:prstGeom>
+        </p:spPr>
+        <p:txBody>
+          <a:bodyPr wrap="square" lIns="91440">
+            <a:spAutoFit/>
+          </a:bodyPr>
+          <a:lstStyle/>
+          <a:p>
+            <a:pPr lvl="1" indent="0">
+              <a:defRPr sz="1600"/>
+            </a:pPr>
+            <a:r>
+              <a:rPr lang="en-US" sz="2000" b="1" dirty="0" err="1"/>
+              <a:t>feature_selection</a:t>
+            </a:r>
+            <a:r>
+              <a:rPr lang="en-US" sz="2000" dirty="0"/>
+              <a:t>()</a:t>
+            </a:r>
+          </a:p>
+          <a:p>
+            <a:pPr lvl="1" indent="285750">
+              <a:buFont typeface="Arial" panose="020B0604020202020204" pitchFamily="34" charset="0"/>
+              <a:buChar char="•"/>
+              <a:defRPr sz="1600"/>
+            </a:pPr>
+            <a:r>
+              <a:rPr lang="en-US" sz="2000" dirty="0"/>
+              <a:t>Get trend data for all Google</a:t>
+            </a:r>
+          </a:p>
+          <a:p>
+            <a:pPr lvl="1" indent="0">
+              <a:defRPr sz="1600"/>
+            </a:pPr>
+            <a:r>
+              <a:rPr lang="en-US" sz="2000" dirty="0"/>
+              <a:t>    Trend keywords</a:t>
+            </a:r>
+          </a:p>
+          <a:p>
+            <a:pPr lvl="1" indent="-285750">
+              <a:buFont typeface="Arial" panose="020B0604020202020204" pitchFamily="34" charset="0"/>
+              <a:buChar char="•"/>
+              <a:defRPr sz="1600"/>
+            </a:pPr>
+            <a:r>
+              <a:rPr lang="en-US" sz="2000" dirty="0"/>
+              <a:t>Get daily stock price data</a:t>
+            </a:r>
+          </a:p>
+        </p:txBody>
+      </p:sp>
+      <p:sp>
+        <p:nvSpPr>
+          <p:cNvPr id="6" name="Shape 225"/>
+          <p:cNvSpPr/>
+          <p:nvPr/>
+        </p:nvSpPr>
+        <p:spPr>
+          <a:xfrm>
+            <a:off x="6300512" y="1191306"/>
+            <a:ext cx="4602656" cy="2769989"/>
+          </a:xfrm>
+          <a:prstGeom prst="rect">
+            <a:avLst/>
+          </a:prstGeom>
+          <a:solidFill>
+            <a:srgbClr val="FAFAFA"/>
+          </a:solidFill>
+          <a:ln w="12700">
+            <a:solidFill>
+              <a:schemeClr val="accent1"/>
+            </a:solidFill>
+          </a:ln>
+          <a:extLst>
+            <a:ext uri="{C572A759-6A51-4108-AA02-DFA0A04FC94B}">
+              <ma14:wrappingTextBoxFlag xmlns:ma14="http://schemas.microsoft.com/office/mac/drawingml/2011/main" xmlns="" val="1"/>
+            </a:ext>
+          </a:extLst>
+        </p:spPr>
+        <p:txBody>
+          <a:bodyPr wrap="square" lIns="91440" tIns="91440" rIns="91440" bIns="91440">
+            <a:spAutoFit/>
+          </a:bodyPr>
+          <a:lstStyle/>
+          <a:p>
+            <a:pPr marL="457200" indent="-457200">
+              <a:buSzPct val="100000"/>
+              <a:buAutoNum type="arabicPeriod"/>
+              <a:defRPr sz="2400">
+                <a:latin typeface="Gill Sans MT"/>
+                <a:ea typeface="Gill Sans MT"/>
+                <a:cs typeface="Gill Sans MT"/>
+                <a:sym typeface="Gill Sans MT"/>
+              </a:defRPr>
+            </a:pPr>
+            <a:r>
+              <a:rPr lang="en-US" dirty="0"/>
+              <a:t>Generate the keyword list with the 5 keywords with high impact on Stock Price</a:t>
+            </a:r>
+          </a:p>
+          <a:p>
+            <a:pPr marL="457200" indent="-457200">
+              <a:buSzPct val="100000"/>
+              <a:buAutoNum type="arabicPeriod"/>
+              <a:defRPr sz="2400">
+                <a:latin typeface="Gill Sans MT"/>
+                <a:ea typeface="Gill Sans MT"/>
+                <a:cs typeface="Gill Sans MT"/>
+                <a:sym typeface="Gill Sans MT"/>
+              </a:defRPr>
+            </a:pPr>
+            <a:r>
+              <a:rPr lang="en-US" dirty="0"/>
+              <a:t>The keyword list is used by the ML model for prediction</a:t>
+            </a:r>
+          </a:p>
+          <a:p>
+            <a:pPr marL="457200" indent="-457200">
+              <a:buSzPct val="100000"/>
+              <a:buAutoNum type="arabicPeriod"/>
+              <a:defRPr sz="2400">
+                <a:latin typeface="Gill Sans MT"/>
+                <a:ea typeface="Gill Sans MT"/>
+                <a:cs typeface="Gill Sans MT"/>
+                <a:sym typeface="Gill Sans MT"/>
+              </a:defRPr>
+            </a:pPr>
+            <a:r>
+              <a:rPr lang="en-US" dirty="0"/>
+              <a:t>The keyword list is used by the plot function</a:t>
+            </a:r>
+          </a:p>
+        </p:txBody>
+      </p:sp>
+      <p:sp>
+        <p:nvSpPr>
+          <p:cNvPr id="3" name="Rectangle 2"/>
+          <p:cNvSpPr/>
+          <p:nvPr/>
+        </p:nvSpPr>
+        <p:spPr>
+          <a:xfrm>
+            <a:off x="869430" y="3662245"/>
+            <a:ext cx="4452078" cy="2246769"/>
+          </a:xfrm>
+          <a:prstGeom prst="rect">
+            <a:avLst/>
+          </a:prstGeom>
+        </p:spPr>
+        <p:txBody>
+          <a:bodyPr wrap="square">
+            <a:spAutoFit/>
+          </a:bodyPr>
+          <a:lstStyle/>
+          <a:p>
+            <a:r>
+              <a:rPr lang="en-US" sz="2000" b="1" dirty="0" err="1"/>
+              <a:t>prediction_model</a:t>
+            </a:r>
+            <a:r>
+              <a:rPr lang="en-US" sz="2000" dirty="0"/>
+              <a:t>:</a:t>
+            </a:r>
+          </a:p>
+          <a:p>
+            <a:pPr marL="342900" lvl="1" indent="-342900">
+              <a:buFont typeface="Arial" panose="020B0604020202020204" pitchFamily="34" charset="0"/>
+              <a:buChar char="•"/>
+            </a:pPr>
+            <a:r>
+              <a:rPr lang="en-US" sz="2000" dirty="0"/>
+              <a:t>Keywords identified by </a:t>
+            </a:r>
+            <a:r>
+              <a:rPr lang="en-US" sz="2000" dirty="0" err="1"/>
+              <a:t>feature_selection</a:t>
+            </a:r>
+            <a:r>
+              <a:rPr lang="en-US" sz="2000" dirty="0"/>
+              <a:t>()</a:t>
+            </a:r>
+          </a:p>
+          <a:p>
+            <a:pPr marL="342900" lvl="1" indent="-342900">
+              <a:buFont typeface="Arial" panose="020B0604020202020204" pitchFamily="34" charset="0"/>
+              <a:buChar char="•"/>
+            </a:pPr>
+            <a:r>
+              <a:rPr lang="en-US" sz="2000" dirty="0"/>
+              <a:t>Daily stock price data</a:t>
+            </a:r>
+          </a:p>
+          <a:p>
+            <a:pPr marL="342900" lvl="1" indent="-342900">
+              <a:buFont typeface="Arial" panose="020B0604020202020204" pitchFamily="34" charset="0"/>
+              <a:buChar char="•"/>
+            </a:pPr>
+            <a:r>
+              <a:rPr lang="en-US" sz="2000" dirty="0"/>
+              <a:t>Earnings Report date from </a:t>
+            </a:r>
+            <a:r>
+              <a:rPr lang="en-US" sz="2000" dirty="0" err="1"/>
+              <a:t>get_earnings_data</a:t>
+            </a:r>
+            <a:r>
+              <a:rPr lang="en-US" sz="2000" dirty="0"/>
+              <a:t>()</a:t>
+            </a:r>
+          </a:p>
+          <a:p>
+            <a:endParaRPr lang="en-US" sz="2000" dirty="0"/>
+          </a:p>
+        </p:txBody>
+      </p:sp>
+      <p:sp>
+        <p:nvSpPr>
+          <p:cNvPr id="10" name="Shape 225"/>
+          <p:cNvSpPr/>
+          <p:nvPr/>
+        </p:nvSpPr>
+        <p:spPr>
+          <a:xfrm>
+            <a:off x="6300512" y="4139298"/>
+            <a:ext cx="4582667" cy="1292662"/>
+          </a:xfrm>
+          <a:prstGeom prst="rect">
+            <a:avLst/>
+          </a:prstGeom>
+          <a:solidFill>
+            <a:srgbClr val="FAFAFA"/>
+          </a:solidFill>
+          <a:ln w="12700">
+            <a:solidFill>
+              <a:schemeClr val="accent1"/>
+            </a:solidFill>
+          </a:ln>
+          <a:extLst>
+            <a:ext uri="{C572A759-6A51-4108-AA02-DFA0A04FC94B}">
+              <ma14:wrappingTextBoxFlag xmlns:ma14="http://schemas.microsoft.com/office/mac/drawingml/2011/main" xmlns="" val="1"/>
+            </a:ext>
+          </a:extLst>
+        </p:spPr>
+        <p:txBody>
+          <a:bodyPr wrap="square" lIns="182880" tIns="91440" rIns="91440" bIns="91440">
+            <a:spAutoFit/>
+          </a:bodyPr>
+          <a:lstStyle/>
+          <a:p>
+            <a:pPr>
+              <a:buSzPct val="100000"/>
+              <a:defRPr sz="2400">
+                <a:latin typeface="Gill Sans MT"/>
+                <a:ea typeface="Gill Sans MT"/>
+                <a:cs typeface="Gill Sans MT"/>
+                <a:sym typeface="Gill Sans MT"/>
+              </a:defRPr>
+            </a:pPr>
+            <a:r>
+              <a:rPr lang="en-US" dirty="0"/>
+              <a:t>Likelihood the Stock Price will increase after the quarterly Earnings Report is released</a:t>
+            </a:r>
+          </a:p>
+        </p:txBody>
+      </p:sp>
+      <p:sp>
+        <p:nvSpPr>
+          <p:cNvPr id="12" name="Right Arrow 10"/>
+          <p:cNvSpPr/>
+          <p:nvPr/>
+        </p:nvSpPr>
+        <p:spPr>
+          <a:xfrm rot="522495">
+            <a:off x="3879995" y="3690805"/>
+            <a:ext cx="1821667" cy="540979"/>
           </a:xfrm>
           <a:prstGeom prst="rightArrow">
             <a:avLst/>
           </a:prstGeom>
           <a:solidFill>
-            <a:srgbClr val="FFFFFF"/>
+            <a:schemeClr val="accent1">
+              <a:lumMod val="40000"/>
+              <a:lumOff val="60000"/>
+            </a:schemeClr>
           </a:solidFill>
           <a:ln w="25400" cap="flat">
             <a:solidFill>
@@ -10193,258 +10625,23 @@
       </p:sp>
       <p:sp>
         <p:nvSpPr>
-          <p:cNvPr id="2" name="Rectangle 1"/>
+          <p:cNvPr id="13" name="Right Arrow 10"/>
           <p:cNvSpPr/>
           <p:nvPr/>
         </p:nvSpPr>
         <p:spPr>
-          <a:xfrm>
-            <a:off x="609599" y="1458788"/>
-            <a:ext cx="4606978" cy="1400383"/>
-          </a:xfrm>
-          <a:prstGeom prst="rect">
-            <a:avLst/>
-          </a:prstGeom>
-        </p:spPr>
-        <p:txBody>
-          <a:bodyPr wrap="square">
-            <a:spAutoFit/>
-          </a:bodyPr>
-          <a:lstStyle/>
-          <a:p>
-            <a:pPr marL="365760" lvl="1" indent="0">
-              <a:spcBef>
-                <a:spcPts val="300"/>
-              </a:spcBef>
-              <a:defRPr sz="1600"/>
-            </a:pPr>
-            <a:r>
-              <a:rPr lang="en-US" sz="2000" dirty="0" err="1"/>
-              <a:t>feature_selection</a:t>
-            </a:r>
-            <a:r>
-              <a:rPr lang="en-US" sz="2000" dirty="0"/>
-              <a:t>()</a:t>
-            </a:r>
-          </a:p>
-          <a:p>
-            <a:pPr marL="651510" lvl="1" indent="-285750">
-              <a:spcBef>
-                <a:spcPts val="300"/>
-              </a:spcBef>
-              <a:buFont typeface="Arial" panose="020B0604020202020204" pitchFamily="34" charset="0"/>
-              <a:buChar char="•"/>
-              <a:defRPr sz="1600"/>
-            </a:pPr>
-            <a:r>
-              <a:rPr lang="en-US" sz="2000" dirty="0"/>
-              <a:t>Get trend data for all </a:t>
-            </a:r>
-            <a:r>
-              <a:rPr lang="en-US" sz="2000" dirty="0"/>
-              <a:t>Google Trend </a:t>
-            </a:r>
-            <a:r>
-              <a:rPr lang="en-US" sz="2000" dirty="0"/>
-              <a:t>keywords</a:t>
-            </a:r>
-          </a:p>
-          <a:p>
-            <a:pPr marL="651510" lvl="1" indent="-285750">
-              <a:spcBef>
-                <a:spcPts val="300"/>
-              </a:spcBef>
-              <a:buFont typeface="Arial" panose="020B0604020202020204" pitchFamily="34" charset="0"/>
-              <a:buChar char="•"/>
-              <a:defRPr sz="1600"/>
-            </a:pPr>
-            <a:r>
-              <a:rPr lang="en-US" sz="2000" dirty="0"/>
-              <a:t>Get daily stock price data</a:t>
-            </a:r>
-          </a:p>
-        </p:txBody>
-      </p:sp>
-      <p:sp>
-        <p:nvSpPr>
-          <p:cNvPr id="6" name="Shape 225"/>
-          <p:cNvSpPr/>
-          <p:nvPr/>
-        </p:nvSpPr>
-        <p:spPr>
-          <a:xfrm>
-            <a:off x="6736106" y="1191306"/>
-            <a:ext cx="4167061" cy="2677656"/>
-          </a:xfrm>
-          <a:prstGeom prst="rect">
+          <a:xfrm rot="21163393">
+            <a:off x="3876467" y="1395869"/>
+            <a:ext cx="1821667" cy="540979"/>
+          </a:xfrm>
+          <a:prstGeom prst="rightArrow">
             <a:avLst/>
           </a:prstGeom>
           <a:solidFill>
-            <a:srgbClr val="FAFAFA"/>
-          </a:solidFill>
-          <a:ln w="12700">
-            <a:solidFill>
-              <a:schemeClr val="accent1"/>
-            </a:solidFill>
-          </a:ln>
-          <a:extLst>
-            <a:ext uri="{C572A759-6A51-4108-AA02-DFA0A04FC94B}">
-              <ma14:wrappingTextBoxFlag xmlns="" xmlns:ma14="http://schemas.microsoft.com/office/mac/drawingml/2011/main" val="1"/>
-            </a:ext>
-          </a:extLst>
-        </p:spPr>
-        <p:txBody>
-          <a:bodyPr wrap="square" lIns="45719" rIns="45719">
-            <a:spAutoFit/>
-          </a:bodyPr>
-          <a:lstStyle/>
-          <a:p>
-            <a:pPr marL="457200" indent="-457200">
-              <a:buSzPct val="100000"/>
-              <a:buAutoNum type="arabicPeriod"/>
-              <a:defRPr sz="2400">
-                <a:latin typeface="Gill Sans MT"/>
-                <a:ea typeface="Gill Sans MT"/>
-                <a:cs typeface="Gill Sans MT"/>
-                <a:sym typeface="Gill Sans MT"/>
-              </a:defRPr>
-            </a:pPr>
-            <a:r>
-              <a:rPr lang="en-US" dirty="0"/>
-              <a:t>Generate the keyword list with the 5 keywords with high impact on Stock Price</a:t>
-            </a:r>
-          </a:p>
-          <a:p>
-            <a:pPr marL="457200" indent="-457200">
-              <a:buSzPct val="100000"/>
-              <a:buAutoNum type="arabicPeriod"/>
-              <a:defRPr sz="2400">
-                <a:latin typeface="Gill Sans MT"/>
-                <a:ea typeface="Gill Sans MT"/>
-                <a:cs typeface="Gill Sans MT"/>
-                <a:sym typeface="Gill Sans MT"/>
-              </a:defRPr>
-            </a:pPr>
-            <a:r>
-              <a:rPr lang="en-US" dirty="0"/>
-              <a:t>The keyword list is used by the ML model for prediction</a:t>
-            </a:r>
-          </a:p>
-          <a:p>
-            <a:pPr marL="457200" indent="-457200">
-              <a:buSzPct val="100000"/>
-              <a:buAutoNum type="arabicPeriod"/>
-              <a:defRPr sz="2400">
-                <a:latin typeface="Gill Sans MT"/>
-                <a:ea typeface="Gill Sans MT"/>
-                <a:cs typeface="Gill Sans MT"/>
-                <a:sym typeface="Gill Sans MT"/>
-              </a:defRPr>
-            </a:pPr>
-            <a:r>
-              <a:rPr lang="en-US" dirty="0"/>
-              <a:t>The keyword list is used by the plot function</a:t>
-            </a:r>
-          </a:p>
-        </p:txBody>
-      </p:sp>
-      <p:sp>
-        <p:nvSpPr>
-          <p:cNvPr id="3" name="Rectangle 2"/>
-          <p:cNvSpPr/>
-          <p:nvPr/>
-        </p:nvSpPr>
-        <p:spPr>
-          <a:xfrm>
-            <a:off x="869430" y="3662245"/>
-            <a:ext cx="4452078" cy="2246769"/>
-          </a:xfrm>
-          <a:prstGeom prst="rect">
-            <a:avLst/>
-          </a:prstGeom>
-        </p:spPr>
-        <p:txBody>
-          <a:bodyPr wrap="square">
-            <a:spAutoFit/>
-          </a:bodyPr>
-          <a:lstStyle/>
-          <a:p>
-            <a:r>
-              <a:rPr lang="en-US" sz="2000" dirty="0" err="1"/>
-              <a:t>prediction_model</a:t>
-            </a:r>
-            <a:r>
-              <a:rPr lang="en-US" sz="2000" dirty="0"/>
-              <a:t>:</a:t>
-            </a:r>
-          </a:p>
-          <a:p>
-            <a:pPr marL="342900" lvl="1" indent="-342900">
-              <a:buFont typeface="Arial" panose="020B0604020202020204" pitchFamily="34" charset="0"/>
-              <a:buChar char="•"/>
-            </a:pPr>
-            <a:r>
-              <a:rPr lang="en-US" sz="2000" dirty="0"/>
-              <a:t>Keywords identified by </a:t>
-            </a:r>
-            <a:r>
-              <a:rPr lang="en-US" sz="2000" dirty="0" err="1"/>
-              <a:t>feature_selection</a:t>
-            </a:r>
-            <a:r>
-              <a:rPr lang="en-US" sz="2000" dirty="0"/>
-              <a:t>()</a:t>
-            </a:r>
-          </a:p>
-          <a:p>
-            <a:pPr marL="342900" lvl="1" indent="-342900">
-              <a:buFont typeface="Arial" panose="020B0604020202020204" pitchFamily="34" charset="0"/>
-              <a:buChar char="•"/>
-            </a:pPr>
-            <a:r>
-              <a:rPr lang="en-US" sz="2000" dirty="0"/>
-              <a:t>Daily stock price data</a:t>
-            </a:r>
-          </a:p>
-          <a:p>
-            <a:pPr marL="342900" lvl="1" indent="-342900">
-              <a:buFont typeface="Arial" panose="020B0604020202020204" pitchFamily="34" charset="0"/>
-              <a:buChar char="•"/>
-            </a:pPr>
-            <a:r>
-              <a:rPr lang="en-US" sz="2000" dirty="0"/>
-              <a:t>Earnings Report date from </a:t>
-            </a:r>
-            <a:r>
-              <a:rPr lang="en-US" sz="2000" dirty="0" err="1"/>
-              <a:t>get_earnings_data</a:t>
-            </a:r>
-            <a:r>
-              <a:rPr lang="en-US" sz="2000" dirty="0"/>
-              <a:t>()</a:t>
-            </a:r>
-          </a:p>
-          <a:p>
-            <a:endParaRPr lang="en-US" sz="2000" dirty="0"/>
-          </a:p>
-        </p:txBody>
-      </p:sp>
-      <p:sp>
-        <p:nvSpPr>
-          <p:cNvPr id="9" name="Right Arrow 8"/>
-          <p:cNvSpPr/>
-          <p:nvPr/>
-        </p:nvSpPr>
-        <p:spPr>
-          <a:xfrm>
-            <a:off x="5443374" y="2066763"/>
-            <a:ext cx="978408" cy="484632"/>
-          </a:xfrm>
-          <a:prstGeom prst="rightArrow">
-            <a:avLst/>
-          </a:prstGeom>
-          <a:solidFill>
-            <a:srgbClr val="FFFFFF"/>
+            <a:schemeClr val="accent1">
+              <a:lumMod val="40000"/>
+              <a:lumOff val="60000"/>
+            </a:schemeClr>
           </a:solidFill>
           <a:ln w="25400" cap="flat">
             <a:solidFill>
@@ -10513,69 +10710,6 @@
           </a:p>
         </p:txBody>
       </p:sp>
-      <p:sp>
-        <p:nvSpPr>
-          <p:cNvPr id="10" name="Shape 225"/>
-          <p:cNvSpPr/>
-          <p:nvPr/>
-        </p:nvSpPr>
-        <p:spPr>
-          <a:xfrm>
-            <a:off x="6736106" y="4000800"/>
-            <a:ext cx="4127087" cy="1569660"/>
-          </a:xfrm>
-          <a:prstGeom prst="rect">
-            <a:avLst/>
-          </a:prstGeom>
-          <a:solidFill>
-            <a:srgbClr val="FAFAFA"/>
-          </a:solidFill>
-          <a:ln w="12700">
-            <a:solidFill>
-              <a:schemeClr val="accent1"/>
-            </a:solidFill>
-          </a:ln>
-          <a:extLst>
-            <a:ext uri="{C572A759-6A51-4108-AA02-DFA0A04FC94B}">
-              <ma14:wrappingTextBoxFlag xmlns="" xmlns:ma14="http://schemas.microsoft.com/office/mac/drawingml/2011/main" val="1"/>
-            </a:ext>
-          </a:extLst>
-        </p:spPr>
-        <p:txBody>
-          <a:bodyPr wrap="square" lIns="45719" rIns="45719">
-            <a:spAutoFit/>
-          </a:bodyPr>
-          <a:lstStyle/>
-          <a:p>
-            <a:pPr>
-              <a:buSzPct val="100000"/>
-              <a:defRPr sz="2400">
-                <a:latin typeface="Gill Sans MT"/>
-                <a:ea typeface="Gill Sans MT"/>
-                <a:cs typeface="Gill Sans MT"/>
-                <a:sym typeface="Gill Sans MT"/>
-              </a:defRPr>
-            </a:pPr>
-            <a:r>
-              <a:rPr lang="en-US" dirty="0"/>
-              <a:t>Likelihood the Stock Price will increase after the quarterly Earnings Report is released</a:t>
-            </a:r>
-          </a:p>
-          <a:p>
-            <a:pPr marL="514350" indent="-514350">
-              <a:buSzPct val="100000"/>
-              <a:buAutoNum type="arabicPeriod"/>
-              <a:defRPr sz="2400">
-                <a:latin typeface="Gill Sans MT"/>
-                <a:ea typeface="Gill Sans MT"/>
-                <a:cs typeface="Gill Sans MT"/>
-                <a:sym typeface="Gill Sans MT"/>
-              </a:defRPr>
-            </a:pPr>
-            <a:endParaRPr dirty="0"/>
-          </a:p>
-        </p:txBody>
-      </p:sp>
     </p:spTree>
   </p:cSld>
   <p:clrMapOvr>
@@ -10614,7 +10748,7 @@
         </p:nvSpPr>
         <p:spPr>
           <a:xfrm>
-            <a:off x="609599" y="274638"/>
+            <a:off x="609599" y="144852"/>
             <a:ext cx="10911842" cy="1143001"/>
           </a:xfrm>
           <a:prstGeom prst="rect">
@@ -10672,7 +10806,7 @@
         </p:blipFill>
         <p:spPr>
           <a:xfrm>
-            <a:off x="207176" y="2728841"/>
+            <a:off x="260270" y="2372461"/>
             <a:ext cx="5504853" cy="3860211"/>
           </a:xfrm>
           <a:prstGeom prst="rect">
@@ -10700,7 +10834,7 @@
         </p:blipFill>
         <p:spPr>
           <a:xfrm>
-            <a:off x="5457198" y="2728841"/>
+            <a:off x="5834757" y="2372461"/>
             <a:ext cx="5778009" cy="3955780"/>
           </a:xfrm>
           <a:prstGeom prst="rect">
@@ -10733,7 +10867,7 @@
           <a:lstStyle/>
           <a:p>
             <a:r>
-              <a:rPr lang="en-US" sz="2000" dirty="0" err="1"/>
+              <a:rPr lang="en-US" sz="2000" b="1" dirty="0" err="1"/>
               <a:t>historical_data_plot</a:t>
             </a:r>
             <a:r>
@@ -10775,90 +10909,6 @@
               <a:buChar char="•"/>
             </a:pPr>
             <a:endParaRPr lang="en-US" sz="2000" dirty="0"/>
-          </a:p>
-        </p:txBody>
-      </p:sp>
-      <p:sp>
-        <p:nvSpPr>
-          <p:cNvPr id="9" name="Right Arrow 8"/>
-          <p:cNvSpPr/>
-          <p:nvPr/>
-        </p:nvSpPr>
-        <p:spPr>
-          <a:xfrm rot="5400000">
-            <a:off x="4725678" y="2308335"/>
-            <a:ext cx="978408" cy="484632"/>
-          </a:xfrm>
-          <a:prstGeom prst="rightArrow">
-            <a:avLst/>
-          </a:prstGeom>
-          <a:solidFill>
-            <a:srgbClr val="FFFFFF"/>
-          </a:solidFill>
-          <a:ln w="25400" cap="flat">
-            <a:solidFill>
-              <a:schemeClr val="accent1"/>
-            </a:solidFill>
-            <a:prstDash val="solid"/>
-            <a:round/>
-          </a:ln>
-          <a:effectLst>
-            <a:outerShdw blurRad="50800" dist="20000" dir="5400000" rotWithShape="0">
-              <a:srgbClr val="000000">
-                <a:alpha val="42000"/>
-              </a:srgbClr>
-            </a:outerShdw>
-          </a:effectLst>
-          <a:sp3d/>
-        </p:spPr>
-        <p:style>
-          <a:lnRef idx="0">
-            <a:scrgbClr r="0" g="0" b="0"/>
-          </a:lnRef>
-          <a:fillRef idx="0">
-            <a:scrgbClr r="0" g="0" b="0"/>
-          </a:fillRef>
-          <a:effectRef idx="0">
-            <a:scrgbClr r="0" g="0" b="0"/>
-          </a:effectRef>
-          <a:fontRef idx="none"/>
-        </p:style>
-        <p:txBody>
-          <a:bodyPr rot="0" spcFirstLastPara="1" vertOverflow="overflow" horzOverflow="overflow" vert="horz" wrap="square" lIns="45719" tIns="45719" rIns="45719" bIns="45719" numCol="1" spcCol="38100" rtlCol="0" anchor="ctr">
-            <a:spAutoFit/>
-          </a:bodyPr>
-          <a:lstStyle/>
-          <a:p>
-            <a:pPr marL="0" marR="0" indent="0" algn="l" defTabSz="914400" rtl="0" fontAlgn="auto" latinLnBrk="0" hangingPunct="0">
-              <a:lnSpc>
-                <a:spcPct val="100000"/>
-              </a:lnSpc>
-              <a:spcBef>
-                <a:spcPts val="0"/>
-              </a:spcBef>
-              <a:spcAft>
-                <a:spcPts val="0"/>
-              </a:spcAft>
-              <a:buClrTx/>
-              <a:buSzTx/>
-              <a:buFontTx/>
-              <a:buNone/>
-              <a:tabLst/>
-            </a:pPr>
-            <a:endParaRPr kumimoji="0" lang="en-US" sz="1800" b="0" i="0" u="none" strike="noStrike" cap="none" spc="0" normalizeH="0" baseline="0">
-              <a:ln>
-                <a:noFill/>
-              </a:ln>
-              <a:solidFill>
-                <a:srgbClr val="000000"/>
-              </a:solidFill>
-              <a:effectLst/>
-              <a:uFillTx/>
-              <a:latin typeface="Century Schoolbook"/>
-              <a:ea typeface="Century Schoolbook"/>
-              <a:cs typeface="Century Schoolbook"/>
-              <a:sym typeface="Century Schoolbook"/>
-            </a:endParaRPr>
           </a:p>
         </p:txBody>
       </p:sp>
